--- a/地理轨迹相似性分析服务的设计和.pptx
+++ b/地理轨迹相似性分析服务的设计和.pptx
@@ -7,11 +7,11 @@
   <p:sldIdLst>
     <p:sldId id="256" r:id="rId2"/>
     <p:sldId id="257" r:id="rId3"/>
-    <p:sldId id="259" r:id="rId4"/>
-    <p:sldId id="258" r:id="rId5"/>
-    <p:sldId id="260" r:id="rId6"/>
-    <p:sldId id="261" r:id="rId7"/>
-    <p:sldId id="262" r:id="rId8"/>
+    <p:sldId id="258" r:id="rId4"/>
+    <p:sldId id="260" r:id="rId5"/>
+    <p:sldId id="261" r:id="rId6"/>
+    <p:sldId id="262" r:id="rId7"/>
+    <p:sldId id="264" r:id="rId8"/>
   </p:sldIdLst>
   <p:sldSz cx="12192000" cy="6858000"/>
   <p:notesSz cx="6858000" cy="9144000"/>
@@ -119,20 +119,23 @@
             <p14:sldId id="257"/>
           </p14:sldIdLst>
         </p14:section>
-        <p14:section name="项目问题概述" id="{4DC491DB-DD86-42BE-9182-AADA8F7AA52C}">
+        <p14:section name="项目背景" id="{4DC491DB-DD86-42BE-9182-AADA8F7AA52C}">
           <p14:sldIdLst>
-            <p14:sldId id="259"/>
             <p14:sldId id="258"/>
             <p14:sldId id="260"/>
             <p14:sldId id="261"/>
           </p14:sldIdLst>
         </p14:section>
-        <p14:section name="项目背景" id="{E77CC657-3B6D-41D7-BD03-F50E2D4679BB}">
+        <p14:section name="相关技术概念介绍" id="{E77CC657-3B6D-41D7-BD03-F50E2D4679BB}">
           <p14:sldIdLst>
             <p14:sldId id="262"/>
+            <p14:sldId id="264"/>
           </p14:sldIdLst>
         </p14:section>
       </p14:sectionLst>
+    </p:ext>
+    <p:ext uri="{EFAFB233-063F-42B5-8137-9DF3F51BA10A}">
+      <p15:sldGuideLst xmlns:p15="http://schemas.microsoft.com/office/powerpoint/2012/main"/>
     </p:ext>
   </p:extLst>
 </p:presentation>
@@ -3061,6 +3064,13 @@
   <p:clrMapOvr>
     <a:masterClrMapping/>
   </p:clrMapOvr>
+  <p:timing>
+    <p:tnLst>
+      <p:par>
+        <p:cTn id="1" dur="indefinite" restart="never" nodeType="tmRoot"/>
+      </p:par>
+    </p:tnLst>
+  </p:timing>
 </p:sld>
 </file>
 
@@ -3132,11 +3142,7 @@
             </a:r>
             <a:r>
               <a:rPr lang="zh-CN" altLang="en-US" dirty="0" smtClean="0"/>
-              <a:t>项目</a:t>
-            </a:r>
-            <a:r>
-              <a:rPr lang="zh-CN" altLang="en-US" dirty="0" smtClean="0"/>
-              <a:t>问题概述</a:t>
+              <a:t>项目背景</a:t>
             </a:r>
             <a:endParaRPr lang="en-US" altLang="zh-CN" dirty="0" smtClean="0"/>
           </a:p>
@@ -3152,7 +3158,11 @@
             </a:r>
             <a:r>
               <a:rPr lang="zh-CN" altLang="en-US" dirty="0" smtClean="0"/>
-              <a:t>项目背景介绍</a:t>
+              <a:t>相关技术</a:t>
+            </a:r>
+            <a:r>
+              <a:rPr lang="zh-CN" altLang="en-US" dirty="0"/>
+              <a:t>概念介绍</a:t>
             </a:r>
             <a:endParaRPr lang="en-US" altLang="zh-CN" dirty="0" smtClean="0"/>
           </a:p>
@@ -3163,8 +3173,12 @@
               </a:lnSpc>
             </a:pPr>
             <a:r>
+              <a:rPr lang="en-US" altLang="zh-CN" dirty="0"/>
+              <a:t>3</a:t>
+            </a:r>
+            <a:r>
               <a:rPr lang="en-US" altLang="zh-CN" dirty="0" smtClean="0"/>
-              <a:t>3.</a:t>
+              <a:t>.</a:t>
             </a:r>
             <a:r>
               <a:rPr lang="zh-CN" altLang="en-US" dirty="0" smtClean="0"/>
@@ -3281,14 +3295,31 @@
             <p:ph type="title"/>
           </p:nvPr>
         </p:nvSpPr>
-        <p:spPr/>
+        <p:spPr>
+          <a:xfrm>
+            <a:off x="548951" y="327803"/>
+            <a:ext cx="10515600" cy="1325563"/>
+          </a:xfrm>
+        </p:spPr>
         <p:txBody>
           <a:bodyPr/>
           <a:lstStyle/>
           <a:p>
             <a:r>
               <a:rPr lang="zh-CN" altLang="en-US" dirty="0" smtClean="0"/>
-              <a:t>地理轨迹</a:t>
+              <a:t>地理</a:t>
+            </a:r>
+            <a:r>
+              <a:rPr lang="zh-CN" altLang="en-US" dirty="0" smtClean="0"/>
+              <a:t>轨迹</a:t>
+            </a:r>
+            <a:r>
+              <a:rPr lang="en-US" altLang="zh-CN" dirty="0" smtClean="0"/>
+              <a:t>&amp;&amp;</a:t>
+            </a:r>
+            <a:r>
+              <a:rPr lang="zh-CN" altLang="en-US" dirty="0" smtClean="0"/>
+              <a:t>相似性</a:t>
             </a:r>
             <a:endParaRPr lang="zh-CN" altLang="en-US" dirty="0"/>
           </a:p>
@@ -3296,11 +3327,13 @@
       </p:sp>
       <p:pic>
         <p:nvPicPr>
-          <p:cNvPr id="5" name="图片 4"/>
+          <p:cNvPr id="4" name="内容占位符 3"/>
           <p:cNvPicPr>
-            <a:picLocks noChangeAspect="1"/>
+            <a:picLocks noGrp="1" noChangeAspect="1"/>
           </p:cNvPicPr>
-          <p:nvPr/>
+          <p:nvPr>
+            <p:ph idx="1"/>
+          </p:nvPr>
         </p:nvPicPr>
         <p:blipFill>
           <a:blip r:embed="rId2">
@@ -3316,24 +3349,21 @@
         </p:blipFill>
         <p:spPr>
           <a:xfrm>
-            <a:off x="4264090" y="1937171"/>
-            <a:ext cx="6718041" cy="4127727"/>
+            <a:off x="4622541" y="1408923"/>
+            <a:ext cx="6316824" cy="4906055"/>
           </a:xfrm>
-          <a:prstGeom prst="rect">
-            <a:avLst/>
-          </a:prstGeom>
         </p:spPr>
       </p:pic>
       <p:sp>
         <p:nvSpPr>
-          <p:cNvPr id="6" name="文本框 5"/>
+          <p:cNvPr id="5" name="文本框 4"/>
           <p:cNvSpPr txBox="1"/>
           <p:nvPr/>
         </p:nvSpPr>
         <p:spPr>
           <a:xfrm>
-            <a:off x="223935" y="2090057"/>
-            <a:ext cx="3638938" cy="2862322"/>
+            <a:off x="817595" y="1408923"/>
+            <a:ext cx="3536302" cy="5632311"/>
           </a:xfrm>
           <a:prstGeom prst="rect">
             <a:avLst/>
@@ -3346,50 +3376,113 @@
           </a:bodyPr>
           <a:lstStyle/>
           <a:p>
-            <a:r>
-              <a:rPr lang="en-US" altLang="zh-CN" dirty="0" smtClean="0"/>
+            <a:pPr>
+              <a:lnSpc>
+                <a:spcPct val="150000"/>
+              </a:lnSpc>
+            </a:pPr>
+            <a:r>
+              <a:rPr lang="en-US" altLang="zh-CN" dirty="0"/>
               <a:t>1.</a:t>
             </a:r>
             <a:r>
+              <a:rPr lang="zh-CN" altLang="en-US" dirty="0"/>
+              <a:t>地理轨迹是运动实体在空间中所经过点的集合</a:t>
+            </a:r>
+            <a:r>
               <a:rPr lang="zh-CN" altLang="en-US" dirty="0" smtClean="0"/>
-              <a:t>地理轨迹是运动实体在空间中所经过点的集合。</a:t>
-            </a:r>
-            <a:endParaRPr lang="en-US" altLang="zh-CN" dirty="0" smtClean="0"/>
-          </a:p>
-          <a:p>
+              <a:t>。</a:t>
+            </a:r>
             <a:endParaRPr lang="en-US" altLang="zh-CN" dirty="0"/>
           </a:p>
           <a:p>
-            <a:r>
-              <a:rPr lang="en-US" altLang="zh-CN" dirty="0" smtClean="0"/>
+            <a:pPr>
+              <a:lnSpc>
+                <a:spcPct val="150000"/>
+              </a:lnSpc>
+            </a:pPr>
+            <a:r>
+              <a:rPr lang="en-US" altLang="zh-CN" dirty="0"/>
               <a:t>2.</a:t>
             </a:r>
             <a:r>
+              <a:rPr lang="zh-CN" altLang="en-US" dirty="0"/>
+              <a:t>轨迹数据潜在性地暴露了实体的活动特征、行为倾向和环境关系等</a:t>
+            </a:r>
+            <a:r>
+              <a:rPr lang="zh-CN" altLang="en-US" dirty="0"/>
+              <a:t>信息</a:t>
+            </a:r>
+            <a:r>
               <a:rPr lang="zh-CN" altLang="en-US" dirty="0" smtClean="0"/>
-              <a:t>移动互联网、</a:t>
-            </a:r>
-            <a:r>
-              <a:rPr lang="en-US" altLang="zh-CN" dirty="0" smtClean="0"/>
-              <a:t>GPS</a:t>
+              <a:t>。</a:t>
+            </a:r>
+            <a:endParaRPr lang="en-US" altLang="zh-CN" dirty="0"/>
+          </a:p>
+          <a:p>
+            <a:pPr>
+              <a:lnSpc>
+                <a:spcPct val="150000"/>
+              </a:lnSpc>
+            </a:pPr>
+            <a:r>
+              <a:rPr lang="en-US" altLang="zh-CN" dirty="0"/>
+              <a:t>3</a:t>
+            </a:r>
+            <a:r>
+              <a:rPr lang="en-US" altLang="zh-CN" dirty="0"/>
+              <a:t>.</a:t>
+            </a:r>
+            <a:r>
+              <a:rPr lang="zh-CN" altLang="en-US" dirty="0"/>
+              <a:t>轨迹越相似的实体，其存在关联的可能性越大</a:t>
             </a:r>
             <a:r>
               <a:rPr lang="zh-CN" altLang="en-US" dirty="0" smtClean="0"/>
-              <a:t>和卫星定位技术的发展成熟，使得海量的轨迹数据被存储。</a:t>
-            </a:r>
-            <a:endParaRPr lang="en-US" altLang="zh-CN" dirty="0" smtClean="0"/>
-          </a:p>
-          <a:p>
+              <a:t>。</a:t>
+            </a:r>
             <a:endParaRPr lang="en-US" altLang="zh-CN" dirty="0"/>
           </a:p>
           <a:p>
-            <a:r>
-              <a:rPr lang="en-US" altLang="zh-CN" dirty="0" smtClean="0"/>
-              <a:t>3.</a:t>
+            <a:pPr>
+              <a:lnSpc>
+                <a:spcPct val="150000"/>
+              </a:lnSpc>
+            </a:pPr>
+            <a:r>
+              <a:rPr lang="en-US" altLang="zh-CN" dirty="0"/>
+              <a:t>4.</a:t>
+            </a:r>
+            <a:r>
+              <a:rPr lang="zh-CN" altLang="en-US" dirty="0"/>
+              <a:t>红色轨迹与蓝色轨迹更相似，其实体本身存在关联的可能性更大</a:t>
             </a:r>
             <a:r>
               <a:rPr lang="zh-CN" altLang="en-US" dirty="0" smtClean="0"/>
-              <a:t>轨迹数据潜在性地暴露了实体的活动特征、行为倾向和环境关系等信息</a:t>
-            </a:r>
+              <a:t>。</a:t>
+            </a:r>
+            <a:endParaRPr lang="en-US" altLang="zh-CN" dirty="0"/>
+          </a:p>
+          <a:p>
+            <a:pPr>
+              <a:lnSpc>
+                <a:spcPct val="150000"/>
+              </a:lnSpc>
+            </a:pPr>
+            <a:r>
+              <a:rPr lang="en-US" altLang="zh-CN" dirty="0"/>
+              <a:t>5.</a:t>
+            </a:r>
+            <a:r>
+              <a:rPr lang="zh-CN" altLang="en-US" dirty="0"/>
+              <a:t>可能的应用场景包括用户分类，交通路线预测，犯罪同伙分析。</a:t>
+            </a:r>
+            <a:endParaRPr lang="en-US" altLang="zh-CN" dirty="0"/>
+          </a:p>
+          <a:p>
+            <a:endParaRPr lang="en-US" altLang="zh-CN" dirty="0"/>
+          </a:p>
+          <a:p>
             <a:endParaRPr lang="en-US" altLang="zh-CN" dirty="0" smtClean="0"/>
           </a:p>
         </p:txBody>
@@ -3397,7 +3490,7 @@
     </p:spTree>
     <p:extLst>
       <p:ext uri="{BB962C8B-B14F-4D97-AF65-F5344CB8AC3E}">
-        <p14:creationId xmlns:p14="http://schemas.microsoft.com/office/powerpoint/2010/main" val="2973626065"/>
+        <p14:creationId xmlns:p14="http://schemas.microsoft.com/office/powerpoint/2010/main" val="2109791832"/>
       </p:ext>
     </p:extLst>
   </p:cSld>
@@ -3441,28 +3534,114 @@
             <p:ph type="title"/>
           </p:nvPr>
         </p:nvSpPr>
-        <p:spPr/>
+        <p:spPr>
+          <a:xfrm>
+            <a:off x="838200" y="393116"/>
+            <a:ext cx="10515600" cy="1325563"/>
+          </a:xfrm>
+        </p:spPr>
         <p:txBody>
           <a:bodyPr/>
           <a:lstStyle/>
           <a:p>
             <a:r>
               <a:rPr lang="zh-CN" altLang="en-US" dirty="0" smtClean="0"/>
-              <a:t>地理轨迹相似性</a:t>
-            </a:r>
-            <a:endParaRPr lang="zh-CN" altLang="en-US" dirty="0"/>
+              <a:t> 核心问题</a:t>
+            </a:r>
+            <a:endParaRPr lang="en-US" altLang="zh-CN" dirty="0" smtClean="0"/>
+          </a:p>
+        </p:txBody>
+      </p:sp>
+      <p:sp>
+        <p:nvSpPr>
+          <p:cNvPr id="3" name="内容占位符 2"/>
+          <p:cNvSpPr>
+            <a:spLocks noGrp="1"/>
+          </p:cNvSpPr>
+          <p:nvPr>
+            <p:ph idx="1"/>
+          </p:nvPr>
+        </p:nvSpPr>
+        <p:spPr>
+          <a:xfrm>
+            <a:off x="838200" y="1922463"/>
+            <a:ext cx="3911082" cy="4351338"/>
+          </a:xfrm>
+        </p:spPr>
+        <p:txBody>
+          <a:bodyPr>
+            <a:noAutofit/>
+          </a:bodyPr>
+          <a:lstStyle/>
+          <a:p>
+            <a:pPr marL="0">
+              <a:lnSpc>
+                <a:spcPct val="150000"/>
+              </a:lnSpc>
+            </a:pPr>
+            <a:r>
+              <a:rPr lang="zh-CN" altLang="en-US" sz="1800" dirty="0"/>
+              <a:t>移动</a:t>
+            </a:r>
+            <a:r>
+              <a:rPr lang="zh-CN" altLang="en-US" sz="1800" dirty="0"/>
+              <a:t>互联网、</a:t>
+            </a:r>
+            <a:r>
+              <a:rPr lang="en-US" altLang="zh-CN" sz="1800" dirty="0"/>
+              <a:t>GPS</a:t>
+            </a:r>
+            <a:r>
+              <a:rPr lang="zh-CN" altLang="en-US" sz="1800" dirty="0"/>
+              <a:t>和卫星定位技术的发展成熟，使得海量的轨迹数据被存储</a:t>
+            </a:r>
+            <a:r>
+              <a:rPr lang="zh-CN" altLang="en-US" sz="1800" dirty="0" smtClean="0"/>
+              <a:t>。</a:t>
+            </a:r>
+            <a:endParaRPr lang="en-US" altLang="zh-CN" sz="1800" dirty="0"/>
+          </a:p>
+          <a:p>
+            <a:pPr marL="0">
+              <a:lnSpc>
+                <a:spcPct val="150000"/>
+              </a:lnSpc>
+            </a:pPr>
+            <a:r>
+              <a:rPr lang="zh-CN" altLang="en-US" sz="1800" dirty="0"/>
+              <a:t>如何找到与目标轨迹最相似的若干条轨迹，并且良好地将结果展示给用户</a:t>
+            </a:r>
+            <a:r>
+              <a:rPr lang="zh-CN" altLang="en-US" sz="1800" dirty="0" smtClean="0"/>
+              <a:t>？</a:t>
+            </a:r>
+            <a:endParaRPr lang="en-US" altLang="zh-CN" sz="1800" dirty="0"/>
+          </a:p>
+          <a:p>
+            <a:pPr marL="0">
+              <a:lnSpc>
+                <a:spcPct val="150000"/>
+              </a:lnSpc>
+            </a:pPr>
+            <a:r>
+              <a:rPr lang="zh-CN" altLang="en-US" sz="1800" dirty="0"/>
+              <a:t>通用的解决方案，并不针对特定类型的</a:t>
+            </a:r>
+            <a:r>
+              <a:rPr lang="zh-CN" altLang="en-US" sz="1800" dirty="0" smtClean="0"/>
+              <a:t>轨迹。</a:t>
+            </a:r>
+            <a:endParaRPr lang="zh-CN" altLang="en-US" sz="1800" dirty="0"/>
           </a:p>
         </p:txBody>
       </p:sp>
       <p:pic>
         <p:nvPicPr>
-          <p:cNvPr id="4" name="内容占位符 3"/>
+          <p:cNvPr id="4" name="图片 3"/>
           <p:cNvPicPr>
-            <a:picLocks noGrp="1" noChangeAspect="1"/>
+            <a:picLocks noChangeAspect="1"/>
           </p:cNvPicPr>
-          <p:nvPr>
-            <p:ph idx="1"/>
-          </p:nvPr>
+          <p:nvPr/>
         </p:nvPicPr>
         <p:blipFill>
           <a:blip r:embed="rId2">
@@ -3478,80 +3657,18 @@
         </p:blipFill>
         <p:spPr>
           <a:xfrm>
-            <a:off x="4879911" y="1690688"/>
-            <a:ext cx="6316824" cy="4906055"/>
-          </a:xfrm>
-        </p:spPr>
-      </p:pic>
-      <p:sp>
-        <p:nvSpPr>
-          <p:cNvPr id="5" name="文本框 4"/>
-          <p:cNvSpPr txBox="1"/>
-          <p:nvPr/>
-        </p:nvSpPr>
-        <p:spPr>
-          <a:xfrm>
-            <a:off x="597159" y="1959429"/>
-            <a:ext cx="3536302" cy="2862322"/>
+            <a:off x="4749282" y="1810139"/>
+            <a:ext cx="6988628" cy="4463662"/>
           </a:xfrm>
           <a:prstGeom prst="rect">
             <a:avLst/>
           </a:prstGeom>
-          <a:noFill/>
         </p:spPr>
-        <p:txBody>
-          <a:bodyPr wrap="square" rtlCol="0">
-            <a:spAutoFit/>
-          </a:bodyPr>
-          <a:lstStyle/>
-          <a:p>
-            <a:r>
-              <a:rPr lang="en-US" altLang="zh-CN" dirty="0" smtClean="0"/>
-              <a:t>1.</a:t>
-            </a:r>
-            <a:r>
-              <a:rPr lang="zh-CN" altLang="en-US" dirty="0" smtClean="0"/>
-              <a:t>轨迹越相似的实体，其存在关联的可能性越大。</a:t>
-            </a:r>
-            <a:endParaRPr lang="en-US" altLang="zh-CN" dirty="0" smtClean="0"/>
-          </a:p>
-          <a:p>
-            <a:endParaRPr lang="en-US" altLang="zh-CN" dirty="0"/>
-          </a:p>
-          <a:p>
-            <a:r>
-              <a:rPr lang="en-US" altLang="zh-CN" dirty="0" smtClean="0"/>
-              <a:t>2.</a:t>
-            </a:r>
-            <a:r>
-              <a:rPr lang="zh-CN" altLang="en-US" dirty="0" smtClean="0"/>
-              <a:t>可能的应用场景包括用户分类，交通路线预测，犯罪同伙分析。</a:t>
-            </a:r>
-            <a:endParaRPr lang="en-US" altLang="zh-CN" dirty="0" smtClean="0"/>
-          </a:p>
-          <a:p>
-            <a:endParaRPr lang="en-US" altLang="zh-CN" dirty="0"/>
-          </a:p>
-          <a:p>
-            <a:r>
-              <a:rPr lang="en-US" altLang="zh-CN" dirty="0" smtClean="0"/>
-              <a:t>3.</a:t>
-            </a:r>
-            <a:r>
-              <a:rPr lang="zh-CN" altLang="en-US" dirty="0" smtClean="0"/>
-              <a:t>红色轨迹与蓝色轨迹更相似，其实体本身存在关联的可能性更大。</a:t>
-            </a:r>
-            <a:endParaRPr lang="en-US" altLang="zh-CN" dirty="0" smtClean="0"/>
-          </a:p>
-          <a:p>
-            <a:endParaRPr lang="en-US" altLang="zh-CN" dirty="0" smtClean="0"/>
-          </a:p>
-        </p:txBody>
-      </p:sp>
+      </p:pic>
     </p:spTree>
     <p:extLst>
       <p:ext uri="{BB962C8B-B14F-4D97-AF65-F5344CB8AC3E}">
-        <p14:creationId xmlns:p14="http://schemas.microsoft.com/office/powerpoint/2010/main" val="2109791832"/>
+        <p14:creationId xmlns:p14="http://schemas.microsoft.com/office/powerpoint/2010/main" val="622184008"/>
       </p:ext>
     </p:extLst>
   </p:cSld>
@@ -3597,47 +3714,33 @@
         </p:nvSpPr>
         <p:spPr>
           <a:xfrm>
-            <a:off x="763555" y="402447"/>
+            <a:off x="597160" y="149596"/>
             <a:ext cx="10515600" cy="1325563"/>
           </a:xfrm>
         </p:spPr>
         <p:txBody>
-          <a:bodyPr/>
-          <a:lstStyle/>
-          <a:p>
-            <a:r>
-              <a:rPr lang="zh-CN" altLang="en-US" dirty="0" smtClean="0"/>
-              <a:t> 核心问题</a:t>
-            </a:r>
-            <a:endParaRPr lang="en-US" altLang="zh-CN" dirty="0" smtClean="0"/>
-          </a:p>
-        </p:txBody>
-      </p:sp>
-      <p:sp>
-        <p:nvSpPr>
-          <p:cNvPr id="3" name="内容占位符 2"/>
-          <p:cNvSpPr>
-            <a:spLocks noGrp="1"/>
-          </p:cNvSpPr>
-          <p:nvPr>
-            <p:ph idx="1"/>
-          </p:nvPr>
-        </p:nvSpPr>
-        <p:spPr>
-          <a:xfrm>
-            <a:off x="838200" y="1922463"/>
-            <a:ext cx="3911082" cy="4351338"/>
-          </a:xfrm>
-        </p:spPr>
-        <p:txBody>
-          <a:bodyPr/>
-          <a:lstStyle/>
-          <a:p>
-            <a:r>
-              <a:rPr lang="zh-CN" altLang="en-US" dirty="0" smtClean="0"/>
-              <a:t>如何找到与目标轨迹最相似的若干条轨迹，并且良好地将结果展示给用户？</a:t>
-            </a:r>
-            <a:endParaRPr lang="zh-CN" altLang="en-US" dirty="0"/>
+          <a:bodyPr>
+            <a:normAutofit/>
+          </a:bodyPr>
+          <a:lstStyle/>
+          <a:p>
+            <a:r>
+              <a:rPr lang="zh-CN" altLang="en-US" sz="3200" dirty="0" smtClean="0"/>
+              <a:t>百度鹰眼：</a:t>
+            </a:r>
+            <a:r>
+              <a:rPr lang="zh-CN" altLang="en-US" sz="3200" dirty="0" smtClean="0"/>
+              <a:t>轨迹去</a:t>
+            </a:r>
+            <a:r>
+              <a:rPr lang="zh-CN" altLang="en-US" sz="3200" dirty="0"/>
+              <a:t>噪</a:t>
+            </a:r>
+            <a:r>
+              <a:rPr lang="zh-CN" altLang="en-US" sz="3200" dirty="0" smtClean="0"/>
+              <a:t>、抽稀、绑路、展示，超速警报</a:t>
+            </a:r>
+            <a:endParaRPr lang="zh-CN" altLang="en-US" sz="3200" dirty="0"/>
           </a:p>
         </p:txBody>
       </p:sp>
@@ -3663,18 +3766,111 @@
         </p:blipFill>
         <p:spPr>
           <a:xfrm>
-            <a:off x="5003800" y="1922463"/>
-            <a:ext cx="6350000" cy="4254500"/>
+            <a:off x="483398" y="1232563"/>
+            <a:ext cx="9593663" cy="5219637"/>
           </a:xfrm>
           <a:prstGeom prst="rect">
             <a:avLst/>
           </a:prstGeom>
         </p:spPr>
       </p:pic>
+      <p:sp>
+        <p:nvSpPr>
+          <p:cNvPr id="5" name="文本框 4"/>
+          <p:cNvSpPr txBox="1"/>
+          <p:nvPr/>
+        </p:nvSpPr>
+        <p:spPr>
+          <a:xfrm>
+            <a:off x="10077060" y="1911795"/>
+            <a:ext cx="1894115" cy="646331"/>
+          </a:xfrm>
+          <a:prstGeom prst="rect">
+            <a:avLst/>
+          </a:prstGeom>
+          <a:noFill/>
+        </p:spPr>
+        <p:txBody>
+          <a:bodyPr wrap="square" rtlCol="0">
+            <a:spAutoFit/>
+          </a:bodyPr>
+          <a:lstStyle/>
+          <a:p>
+            <a:r>
+              <a:rPr lang="zh-CN" altLang="en-US" dirty="0" smtClean="0"/>
+              <a:t>百度鹰眼并没有相似性分析功能</a:t>
+            </a:r>
+            <a:endParaRPr lang="zh-CN" altLang="en-US" dirty="0"/>
+          </a:p>
+        </p:txBody>
+      </p:sp>
+      <p:sp>
+        <p:nvSpPr>
+          <p:cNvPr id="6" name="文本框 5"/>
+          <p:cNvSpPr txBox="1"/>
+          <p:nvPr/>
+        </p:nvSpPr>
+        <p:spPr>
+          <a:xfrm>
+            <a:off x="10165703" y="2900612"/>
+            <a:ext cx="1894113" cy="1200329"/>
+          </a:xfrm>
+          <a:prstGeom prst="rect">
+            <a:avLst/>
+          </a:prstGeom>
+          <a:noFill/>
+        </p:spPr>
+        <p:txBody>
+          <a:bodyPr wrap="square" rtlCol="0">
+            <a:spAutoFit/>
+          </a:bodyPr>
+          <a:lstStyle/>
+          <a:p>
+            <a:r>
+              <a:rPr lang="en-US" altLang="zh-CN" dirty="0" smtClean="0"/>
+              <a:t>1.</a:t>
+            </a:r>
+            <a:r>
+              <a:rPr lang="zh-CN" altLang="en-US" dirty="0" smtClean="0"/>
+              <a:t>轨迹存储</a:t>
+            </a:r>
+            <a:endParaRPr lang="en-US" altLang="zh-CN" dirty="0" smtClean="0"/>
+          </a:p>
+          <a:p>
+            <a:r>
+              <a:rPr lang="en-US" altLang="zh-CN" dirty="0" smtClean="0"/>
+              <a:t>2.</a:t>
+            </a:r>
+            <a:r>
+              <a:rPr lang="zh-CN" altLang="en-US" dirty="0" smtClean="0"/>
+              <a:t>轨迹检索</a:t>
+            </a:r>
+            <a:endParaRPr lang="en-US" altLang="zh-CN" dirty="0" smtClean="0"/>
+          </a:p>
+          <a:p>
+            <a:r>
+              <a:rPr lang="zh-CN" altLang="en-US" dirty="0" smtClean="0"/>
+              <a:t>（结构、行为）</a:t>
+            </a:r>
+            <a:endParaRPr lang="en-US" altLang="zh-CN" dirty="0" smtClean="0"/>
+          </a:p>
+          <a:p>
+            <a:r>
+              <a:rPr lang="en-US" altLang="zh-CN" dirty="0" smtClean="0"/>
+              <a:t>3.</a:t>
+            </a:r>
+            <a:r>
+              <a:rPr lang="zh-CN" altLang="en-US" dirty="0" smtClean="0"/>
+              <a:t>地图可视化</a:t>
+            </a:r>
+            <a:endParaRPr lang="zh-CN" altLang="en-US" dirty="0"/>
+          </a:p>
+        </p:txBody>
+      </p:sp>
     </p:spTree>
     <p:extLst>
       <p:ext uri="{BB962C8B-B14F-4D97-AF65-F5344CB8AC3E}">
-        <p14:creationId xmlns:p14="http://schemas.microsoft.com/office/powerpoint/2010/main" val="622184008"/>
+        <p14:creationId xmlns:p14="http://schemas.microsoft.com/office/powerpoint/2010/main" val="3957066948"/>
       </p:ext>
     </p:extLst>
   </p:cSld>
@@ -3718,69 +3914,269 @@
             <p:ph type="title"/>
           </p:nvPr>
         </p:nvSpPr>
-        <p:spPr/>
+        <p:spPr>
+          <a:xfrm>
+            <a:off x="651588" y="103868"/>
+            <a:ext cx="10515600" cy="1325563"/>
+          </a:xfrm>
+        </p:spPr>
         <p:txBody>
           <a:bodyPr/>
           <a:lstStyle/>
           <a:p>
             <a:r>
               <a:rPr lang="zh-CN" altLang="en-US" dirty="0" smtClean="0"/>
-              <a:t>基本要求</a:t>
+              <a:t>优先点树（</a:t>
+            </a:r>
+            <a:r>
+              <a:rPr lang="en-US" altLang="zh-CN" dirty="0" smtClean="0"/>
+              <a:t>vantage point </a:t>
+            </a:r>
+            <a:r>
+              <a:rPr lang="en-US" altLang="zh-CN" dirty="0" err="1" smtClean="0"/>
+              <a:t>tree,vp</a:t>
+            </a:r>
+            <a:r>
+              <a:rPr lang="en-US" altLang="zh-CN" dirty="0" smtClean="0"/>
+              <a:t>-tree</a:t>
+            </a:r>
+            <a:r>
+              <a:rPr lang="zh-CN" altLang="en-US" dirty="0" smtClean="0"/>
+              <a:t>）</a:t>
             </a:r>
             <a:endParaRPr lang="zh-CN" altLang="en-US" dirty="0"/>
           </a:p>
         </p:txBody>
       </p:sp>
-      <p:sp>
-        <p:nvSpPr>
-          <p:cNvPr id="3" name="内容占位符 2"/>
-          <p:cNvSpPr>
-            <a:spLocks noGrp="1"/>
-          </p:cNvSpPr>
+      <p:pic>
+        <p:nvPicPr>
+          <p:cNvPr id="4" name="内容占位符 3"/>
+          <p:cNvPicPr>
+            <a:picLocks noGrp="1" noChangeAspect="1"/>
+          </p:cNvPicPr>
           <p:nvPr>
             <p:ph idx="1"/>
           </p:nvPr>
-        </p:nvSpPr>
-        <p:spPr/>
-        <p:txBody>
-          <a:bodyPr/>
-          <a:lstStyle/>
-          <a:p>
+        </p:nvPicPr>
+        <p:blipFill>
+          <a:blip r:embed="rId2">
+            <a:extLst>
+              <a:ext uri="{28A0092B-C50C-407E-A947-70E740481C1C}">
+                <a14:useLocalDpi xmlns:a14="http://schemas.microsoft.com/office/drawing/2010/main" val="0"/>
+              </a:ext>
+            </a:extLst>
+          </a:blip>
+          <a:stretch>
+            <a:fillRect/>
+          </a:stretch>
+        </p:blipFill>
+        <p:spPr>
+          <a:xfrm>
+            <a:off x="391886" y="1298802"/>
+            <a:ext cx="4778478" cy="2806185"/>
+          </a:xfrm>
+        </p:spPr>
+      </p:pic>
+      <p:pic>
+        <p:nvPicPr>
+          <p:cNvPr id="5" name="图片 4"/>
+          <p:cNvPicPr>
+            <a:picLocks noChangeAspect="1"/>
+          </p:cNvPicPr>
+          <p:nvPr/>
+        </p:nvPicPr>
+        <p:blipFill>
+          <a:blip r:embed="rId3">
+            <a:extLst>
+              <a:ext uri="{28A0092B-C50C-407E-A947-70E740481C1C}">
+                <a14:useLocalDpi xmlns:a14="http://schemas.microsoft.com/office/drawing/2010/main" val="0"/>
+              </a:ext>
+            </a:extLst>
+          </a:blip>
+          <a:stretch>
+            <a:fillRect/>
+          </a:stretch>
+        </p:blipFill>
+        <p:spPr>
+          <a:xfrm>
+            <a:off x="233266" y="4046587"/>
+            <a:ext cx="2698442" cy="2698442"/>
+          </a:xfrm>
+          <a:prstGeom prst="rect">
+            <a:avLst/>
+          </a:prstGeom>
+        </p:spPr>
+      </p:pic>
+      <p:pic>
+        <p:nvPicPr>
+          <p:cNvPr id="6" name="图片 5"/>
+          <p:cNvPicPr>
+            <a:picLocks noChangeAspect="1"/>
+          </p:cNvPicPr>
+          <p:nvPr/>
+        </p:nvPicPr>
+        <p:blipFill>
+          <a:blip r:embed="rId4">
+            <a:extLst>
+              <a:ext uri="{28A0092B-C50C-407E-A947-70E740481C1C}">
+                <a14:useLocalDpi xmlns:a14="http://schemas.microsoft.com/office/drawing/2010/main" val="0"/>
+              </a:ext>
+            </a:extLst>
+          </a:blip>
+          <a:stretch>
+            <a:fillRect/>
+          </a:stretch>
+        </p:blipFill>
+        <p:spPr>
+          <a:xfrm>
+            <a:off x="3034344" y="4104987"/>
+            <a:ext cx="3429297" cy="2560542"/>
+          </a:xfrm>
+          <a:prstGeom prst="rect">
+            <a:avLst/>
+          </a:prstGeom>
+        </p:spPr>
+      </p:pic>
+      <p:pic>
+        <p:nvPicPr>
+          <p:cNvPr id="7" name="内容占位符 3"/>
+          <p:cNvPicPr>
+            <a:picLocks noChangeAspect="1"/>
+          </p:cNvPicPr>
+          <p:nvPr/>
+        </p:nvPicPr>
+        <p:blipFill>
+          <a:blip r:embed="rId5">
+            <a:extLst>
+              <a:ext uri="{28A0092B-C50C-407E-A947-70E740481C1C}">
+                <a14:useLocalDpi xmlns:a14="http://schemas.microsoft.com/office/drawing/2010/main" val="0"/>
+              </a:ext>
+            </a:extLst>
+          </a:blip>
+          <a:stretch>
+            <a:fillRect/>
+          </a:stretch>
+        </p:blipFill>
+        <p:spPr>
+          <a:xfrm>
+            <a:off x="6463641" y="951341"/>
+            <a:ext cx="4225639" cy="3762363"/>
+          </a:xfrm>
+          <a:prstGeom prst="rect">
+            <a:avLst/>
+          </a:prstGeom>
+        </p:spPr>
+      </p:pic>
+      <p:sp>
+        <p:nvSpPr>
+          <p:cNvPr id="8" name="文本框 7"/>
+          <p:cNvSpPr txBox="1"/>
+          <p:nvPr/>
+        </p:nvSpPr>
+        <p:spPr>
+          <a:xfrm>
+            <a:off x="6463641" y="4713704"/>
+            <a:ext cx="4559559" cy="2446824"/>
+          </a:xfrm>
+          <a:prstGeom prst="rect">
+            <a:avLst/>
+          </a:prstGeom>
+          <a:noFill/>
+        </p:spPr>
+        <p:txBody>
+          <a:bodyPr wrap="square" rtlCol="0">
+            <a:spAutoFit/>
+          </a:bodyPr>
+          <a:lstStyle/>
+          <a:p>
+            <a:pPr>
+              <a:lnSpc>
+                <a:spcPct val="150000"/>
+              </a:lnSpc>
+            </a:pPr>
             <a:r>
               <a:rPr lang="en-US" altLang="zh-CN" dirty="0" smtClean="0"/>
               <a:t>1.</a:t>
             </a:r>
             <a:r>
               <a:rPr lang="zh-CN" altLang="en-US" dirty="0" smtClean="0"/>
-              <a:t>海量轨迹数据的存储</a:t>
-            </a:r>
-            <a:endParaRPr lang="en-US" altLang="zh-CN" dirty="0" smtClean="0"/>
-          </a:p>
-          <a:p>
-            <a:endParaRPr lang="en-US" altLang="zh-CN" dirty="0" smtClean="0"/>
-          </a:p>
-          <a:p>
+              <a:t>如果每次都能顺利地完成一半的剪枝，那么搜索效率达到</a:t>
+            </a:r>
+            <a:r>
+              <a:rPr lang="en-US" altLang="zh-CN" dirty="0" smtClean="0"/>
+              <a:t>O(</a:t>
+            </a:r>
+            <a:r>
+              <a:rPr lang="en-US" altLang="zh-CN" dirty="0" err="1" smtClean="0"/>
+              <a:t>log2n</a:t>
+            </a:r>
+            <a:r>
+              <a:rPr lang="en-US" altLang="zh-CN" dirty="0" smtClean="0"/>
+              <a:t>)</a:t>
+            </a:r>
+            <a:endParaRPr lang="en-US" altLang="zh-CN" dirty="0"/>
+          </a:p>
+          <a:p>
+            <a:pPr>
+              <a:lnSpc>
+                <a:spcPct val="150000"/>
+              </a:lnSpc>
+            </a:pPr>
             <a:r>
               <a:rPr lang="en-US" altLang="zh-CN" dirty="0" smtClean="0"/>
               <a:t>2.</a:t>
             </a:r>
             <a:r>
               <a:rPr lang="zh-CN" altLang="en-US" dirty="0" smtClean="0"/>
-              <a:t>轨迹数据索引结构和检索行为的定义</a:t>
+              <a:t>搜索过程类似</a:t>
+            </a:r>
+            <a:r>
+              <a:rPr lang="en-US" altLang="zh-CN" dirty="0" smtClean="0"/>
+              <a:t>2</a:t>
+            </a:r>
+            <a:r>
+              <a:rPr lang="zh-CN" altLang="en-US" dirty="0" smtClean="0"/>
+              <a:t>分</a:t>
+            </a:r>
+            <a:r>
+              <a:rPr lang="en-US" altLang="zh-CN" dirty="0" smtClean="0"/>
+              <a:t>,</a:t>
+            </a:r>
+            <a:r>
+              <a:rPr lang="zh-CN" altLang="en-US" dirty="0" smtClean="0"/>
+              <a:t>但查找剪枝不一定能成功，取决于</a:t>
+            </a:r>
+            <a:r>
+              <a:rPr lang="en-US" altLang="zh-CN" dirty="0" err="1" smtClean="0"/>
+              <a:t>vp</a:t>
+            </a:r>
+            <a:r>
+              <a:rPr lang="zh-CN" altLang="en-US" dirty="0" smtClean="0"/>
+              <a:t>的选择和</a:t>
+            </a:r>
+            <a:r>
+              <a:rPr lang="en-US" altLang="zh-CN" dirty="0" smtClean="0"/>
+              <a:t>u</a:t>
+            </a:r>
+            <a:r>
+              <a:rPr lang="zh-CN" altLang="en-US" dirty="0" smtClean="0"/>
+              <a:t>值。</a:t>
             </a:r>
             <a:endParaRPr lang="en-US" altLang="zh-CN" dirty="0" smtClean="0"/>
           </a:p>
           <a:p>
-            <a:endParaRPr lang="en-US" altLang="zh-CN" dirty="0"/>
-          </a:p>
-          <a:p>
-            <a:r>
-              <a:rPr lang="en-US" altLang="zh-CN" dirty="0" smtClean="0"/>
-              <a:t>3.</a:t>
+            <a:pPr>
+              <a:lnSpc>
+                <a:spcPct val="150000"/>
+              </a:lnSpc>
+            </a:pPr>
+            <a:r>
+              <a:rPr lang="en-US" altLang="zh-CN" dirty="0" err="1" smtClean="0"/>
+              <a:t>3.Lucene</a:t>
             </a:r>
             <a:r>
               <a:rPr lang="zh-CN" altLang="en-US" dirty="0" smtClean="0"/>
-              <a:t>轨迹可视化</a:t>
+              <a:t>索引的数据结构</a:t>
             </a:r>
             <a:endParaRPr lang="en-US" altLang="zh-CN" dirty="0"/>
           </a:p>
@@ -3792,7 +4188,7 @@
     </p:spTree>
     <p:extLst>
       <p:ext uri="{BB962C8B-B14F-4D97-AF65-F5344CB8AC3E}">
-        <p14:creationId xmlns:p14="http://schemas.microsoft.com/office/powerpoint/2010/main" val="3957066948"/>
+        <p14:creationId xmlns:p14="http://schemas.microsoft.com/office/powerpoint/2010/main" val="953504052"/>
       </p:ext>
     </p:extLst>
   </p:cSld>
@@ -3828,30 +4224,7 @@
       </p:grpSpPr>
       <p:sp>
         <p:nvSpPr>
-          <p:cNvPr id="2" name="标题 1"/>
-          <p:cNvSpPr>
-            <a:spLocks noGrp="1"/>
-          </p:cNvSpPr>
-          <p:nvPr>
-            <p:ph type="title"/>
-          </p:nvPr>
-        </p:nvSpPr>
-        <p:spPr/>
-        <p:txBody>
-          <a:bodyPr/>
-          <a:lstStyle/>
-          <a:p>
-            <a:r>
-              <a:rPr lang="zh-CN" altLang="en-US" dirty="0" smtClean="0"/>
-              <a:t>相关产品：百度鹰眼</a:t>
-            </a:r>
-            <a:endParaRPr lang="zh-CN" altLang="en-US" dirty="0"/>
-          </a:p>
-        </p:txBody>
-      </p:sp>
-      <p:sp>
-        <p:nvSpPr>
-          <p:cNvPr id="3" name="内容占位符 2"/>
+          <p:cNvPr id="4" name="内容占位符 3"/>
           <p:cNvSpPr>
             <a:spLocks noGrp="1"/>
           </p:cNvSpPr>
@@ -3871,7 +4244,7 @@
     </p:spTree>
     <p:extLst>
       <p:ext uri="{BB962C8B-B14F-4D97-AF65-F5344CB8AC3E}">
-        <p14:creationId xmlns:p14="http://schemas.microsoft.com/office/powerpoint/2010/main" val="1208052652"/>
+        <p14:creationId xmlns:p14="http://schemas.microsoft.com/office/powerpoint/2010/main" val="2555903228"/>
       </p:ext>
     </p:extLst>
   </p:cSld>

--- a/地理轨迹相似性分析服务的设计和.pptx
+++ b/地理轨迹相似性分析服务的设计和.pptx
@@ -12,6 +12,8 @@
     <p:sldId id="261" r:id="rId6"/>
     <p:sldId id="262" r:id="rId7"/>
     <p:sldId id="264" r:id="rId8"/>
+    <p:sldId id="265" r:id="rId9"/>
+    <p:sldId id="266" r:id="rId10"/>
   </p:sldIdLst>
   <p:sldSz cx="12192000" cy="6858000"/>
   <p:notesSz cx="6858000" cy="9144000"/>
@@ -132,6 +134,16 @@
             <p14:sldId id="264"/>
           </p14:sldIdLst>
         </p14:section>
+        <p14:section name="整体架构设计" id="{A615E948-7FFD-4BA7-9AA9-42E11EDDB01B}">
+          <p14:sldIdLst>
+            <p14:sldId id="265"/>
+          </p14:sldIdLst>
+        </p14:section>
+        <p14:section name="轨迹数据子服务详细设计与实现" id="{1BE26E29-8E41-4D0E-8EED-C6F1F39B8E7B}">
+          <p14:sldIdLst>
+            <p14:sldId id="266"/>
+          </p14:sldIdLst>
+        </p14:section>
       </p14:sectionLst>
     </p:ext>
     <p:ext uri="{EFAFB233-063F-42B5-8137-9DF3F51BA10A}">
@@ -272,7 +284,7 @@
           <a:p>
             <a:fld id="{FCB3D494-3462-4D34-9547-67E8B3E96D9E}" type="datetimeFigureOut">
               <a:rPr lang="zh-CN" altLang="en-US" smtClean="0"/>
-              <a:t>2019/5/3</a:t>
+              <a:t>2019/5/4</a:t>
             </a:fld>
             <a:endParaRPr lang="zh-CN" altLang="en-US"/>
           </a:p>
@@ -442,7 +454,7 @@
           <a:p>
             <a:fld id="{FCB3D494-3462-4D34-9547-67E8B3E96D9E}" type="datetimeFigureOut">
               <a:rPr lang="zh-CN" altLang="en-US" smtClean="0"/>
-              <a:t>2019/5/3</a:t>
+              <a:t>2019/5/4</a:t>
             </a:fld>
             <a:endParaRPr lang="zh-CN" altLang="en-US"/>
           </a:p>
@@ -622,7 +634,7 @@
           <a:p>
             <a:fld id="{FCB3D494-3462-4D34-9547-67E8B3E96D9E}" type="datetimeFigureOut">
               <a:rPr lang="zh-CN" altLang="en-US" smtClean="0"/>
-              <a:t>2019/5/3</a:t>
+              <a:t>2019/5/4</a:t>
             </a:fld>
             <a:endParaRPr lang="zh-CN" altLang="en-US"/>
           </a:p>
@@ -792,7 +804,7 @@
           <a:p>
             <a:fld id="{FCB3D494-3462-4D34-9547-67E8B3E96D9E}" type="datetimeFigureOut">
               <a:rPr lang="zh-CN" altLang="en-US" smtClean="0"/>
-              <a:t>2019/5/3</a:t>
+              <a:t>2019/5/4</a:t>
             </a:fld>
             <a:endParaRPr lang="zh-CN" altLang="en-US"/>
           </a:p>
@@ -1038,7 +1050,7 @@
           <a:p>
             <a:fld id="{FCB3D494-3462-4D34-9547-67E8B3E96D9E}" type="datetimeFigureOut">
               <a:rPr lang="zh-CN" altLang="en-US" smtClean="0"/>
-              <a:t>2019/5/3</a:t>
+              <a:t>2019/5/4</a:t>
             </a:fld>
             <a:endParaRPr lang="zh-CN" altLang="en-US"/>
           </a:p>
@@ -1270,7 +1282,7 @@
           <a:p>
             <a:fld id="{FCB3D494-3462-4D34-9547-67E8B3E96D9E}" type="datetimeFigureOut">
               <a:rPr lang="zh-CN" altLang="en-US" smtClean="0"/>
-              <a:t>2019/5/3</a:t>
+              <a:t>2019/5/4</a:t>
             </a:fld>
             <a:endParaRPr lang="zh-CN" altLang="en-US"/>
           </a:p>
@@ -1637,7 +1649,7 @@
           <a:p>
             <a:fld id="{FCB3D494-3462-4D34-9547-67E8B3E96D9E}" type="datetimeFigureOut">
               <a:rPr lang="zh-CN" altLang="en-US" smtClean="0"/>
-              <a:t>2019/5/3</a:t>
+              <a:t>2019/5/4</a:t>
             </a:fld>
             <a:endParaRPr lang="zh-CN" altLang="en-US"/>
           </a:p>
@@ -1755,7 +1767,7 @@
           <a:p>
             <a:fld id="{FCB3D494-3462-4D34-9547-67E8B3E96D9E}" type="datetimeFigureOut">
               <a:rPr lang="zh-CN" altLang="en-US" smtClean="0"/>
-              <a:t>2019/5/3</a:t>
+              <a:t>2019/5/4</a:t>
             </a:fld>
             <a:endParaRPr lang="zh-CN" altLang="en-US"/>
           </a:p>
@@ -1850,7 +1862,7 @@
           <a:p>
             <a:fld id="{FCB3D494-3462-4D34-9547-67E8B3E96D9E}" type="datetimeFigureOut">
               <a:rPr lang="zh-CN" altLang="en-US" smtClean="0"/>
-              <a:t>2019/5/3</a:t>
+              <a:t>2019/5/4</a:t>
             </a:fld>
             <a:endParaRPr lang="zh-CN" altLang="en-US"/>
           </a:p>
@@ -2127,7 +2139,7 @@
           <a:p>
             <a:fld id="{FCB3D494-3462-4D34-9547-67E8B3E96D9E}" type="datetimeFigureOut">
               <a:rPr lang="zh-CN" altLang="en-US" smtClean="0"/>
-              <a:t>2019/5/3</a:t>
+              <a:t>2019/5/4</a:t>
             </a:fld>
             <a:endParaRPr lang="zh-CN" altLang="en-US"/>
           </a:p>
@@ -2380,7 +2392,7 @@
           <a:p>
             <a:fld id="{FCB3D494-3462-4D34-9547-67E8B3E96D9E}" type="datetimeFigureOut">
               <a:rPr lang="zh-CN" altLang="en-US" smtClean="0"/>
-              <a:t>2019/5/3</a:t>
+              <a:t>2019/5/4</a:t>
             </a:fld>
             <a:endParaRPr lang="zh-CN" altLang="en-US"/>
           </a:p>
@@ -2593,7 +2605,7 @@
           <a:p>
             <a:fld id="{FCB3D494-3462-4D34-9547-67E8B3E96D9E}" type="datetimeFigureOut">
               <a:rPr lang="zh-CN" altLang="en-US" smtClean="0"/>
-              <a:t>2019/5/3</a:t>
+              <a:t>2019/5/4</a:t>
             </a:fld>
             <a:endParaRPr lang="zh-CN" altLang="en-US"/>
           </a:p>
@@ -3182,9 +3194,9 @@
             </a:r>
             <a:r>
               <a:rPr lang="zh-CN" altLang="en-US" dirty="0" smtClean="0"/>
-              <a:t>解决方案概述</a:t>
-            </a:r>
-            <a:endParaRPr lang="en-US" altLang="zh-CN" dirty="0"/>
+              <a:t>整体架构设计</a:t>
+            </a:r>
+            <a:endParaRPr lang="en-US" altLang="zh-CN" dirty="0" smtClean="0"/>
           </a:p>
           <a:p>
             <a:pPr>
@@ -3193,16 +3205,12 @@
               </a:lnSpc>
             </a:pPr>
             <a:r>
-              <a:rPr lang="en-US" altLang="zh-CN" dirty="0"/>
-              <a:t>4</a:t>
-            </a:r>
-            <a:r>
               <a:rPr lang="en-US" altLang="zh-CN" dirty="0" smtClean="0"/>
-              <a:t>.</a:t>
+              <a:t>4.</a:t>
             </a:r>
             <a:r>
               <a:rPr lang="zh-CN" altLang="en-US" dirty="0" smtClean="0"/>
-              <a:t>解决方案具体实现</a:t>
+              <a:t>轨迹数据子服务详细设计与实现</a:t>
             </a:r>
             <a:endParaRPr lang="en-US" altLang="zh-CN" dirty="0"/>
           </a:p>
@@ -3222,9 +3230,9 @@
             </a:r>
             <a:r>
               <a:rPr lang="zh-CN" altLang="en-US" dirty="0" smtClean="0"/>
-              <a:t>运行与测试</a:t>
-            </a:r>
-            <a:endParaRPr lang="en-US" altLang="zh-CN" dirty="0"/>
+              <a:t>地图瓦片数据子服务详细设计与实</a:t>
+            </a:r>
+            <a:endParaRPr lang="en-US" altLang="zh-CN" dirty="0" smtClean="0"/>
           </a:p>
           <a:p>
             <a:pPr>
@@ -3233,16 +3241,12 @@
               </a:lnSpc>
             </a:pPr>
             <a:r>
-              <a:rPr lang="en-US" altLang="zh-CN" dirty="0"/>
-              <a:t>6</a:t>
-            </a:r>
-            <a:r>
               <a:rPr lang="en-US" altLang="zh-CN" dirty="0" smtClean="0"/>
-              <a:t>.</a:t>
+              <a:t>6.</a:t>
             </a:r>
             <a:r>
               <a:rPr lang="zh-CN" altLang="en-US" dirty="0" smtClean="0"/>
-              <a:t>总结与展望</a:t>
+              <a:t>运行与测试</a:t>
             </a:r>
             <a:endParaRPr lang="en-US" altLang="zh-CN" dirty="0" smtClean="0"/>
           </a:p>
@@ -3307,11 +3311,7 @@
           <a:p>
             <a:r>
               <a:rPr lang="zh-CN" altLang="en-US" dirty="0" smtClean="0"/>
-              <a:t>地理</a:t>
-            </a:r>
-            <a:r>
-              <a:rPr lang="zh-CN" altLang="en-US" dirty="0" smtClean="0"/>
-              <a:t>轨迹</a:t>
+              <a:t>地理轨迹</a:t>
             </a:r>
             <a:r>
               <a:rPr lang="en-US" altLang="zh-CN" dirty="0" smtClean="0"/>
@@ -3407,11 +3407,7 @@
             </a:r>
             <a:r>
               <a:rPr lang="zh-CN" altLang="en-US" dirty="0"/>
-              <a:t>轨迹数据潜在性地暴露了实体的活动特征、行为倾向和环境关系等</a:t>
-            </a:r>
-            <a:r>
-              <a:rPr lang="zh-CN" altLang="en-US" dirty="0"/>
-              <a:t>信息</a:t>
+              <a:t>轨迹数据潜在性地暴露了实体的活动特征、行为倾向和环境关系等信息</a:t>
             </a:r>
             <a:r>
               <a:rPr lang="zh-CN" altLang="en-US" dirty="0" smtClean="0"/>
@@ -3427,11 +3423,7 @@
             </a:pPr>
             <a:r>
               <a:rPr lang="en-US" altLang="zh-CN" dirty="0"/>
-              <a:t>3</a:t>
-            </a:r>
-            <a:r>
-              <a:rPr lang="en-US" altLang="zh-CN" dirty="0"/>
-              <a:t>.</a:t>
+              <a:t>3.</a:t>
             </a:r>
             <a:r>
               <a:rPr lang="zh-CN" altLang="en-US" dirty="0"/>
@@ -3581,11 +3573,7 @@
             </a:pPr>
             <a:r>
               <a:rPr lang="zh-CN" altLang="en-US" sz="1800" dirty="0"/>
-              <a:t>移动</a:t>
-            </a:r>
-            <a:r>
-              <a:rPr lang="zh-CN" altLang="en-US" sz="1800" dirty="0"/>
-              <a:t>互联网、</a:t>
+              <a:t>移动互联网、</a:t>
             </a:r>
             <a:r>
               <a:rPr lang="en-US" altLang="zh-CN" sz="1800" dirty="0"/>
@@ -3726,11 +3714,7 @@
           <a:p>
             <a:r>
               <a:rPr lang="zh-CN" altLang="en-US" sz="3200" dirty="0" smtClean="0"/>
-              <a:t>百度鹰眼：</a:t>
-            </a:r>
-            <a:r>
-              <a:rPr lang="zh-CN" altLang="en-US" sz="3200" dirty="0" smtClean="0"/>
-              <a:t>轨迹去</a:t>
+              <a:t>百度鹰眼：轨迹去</a:t>
             </a:r>
             <a:r>
               <a:rPr lang="zh-CN" altLang="en-US" sz="3200" dirty="0"/>
@@ -4222,22 +4206,304 @@
           <a:chExt cx="0" cy="0"/>
         </a:xfrm>
       </p:grpSpPr>
-      <p:sp>
-        <p:nvSpPr>
-          <p:cNvPr id="4" name="内容占位符 3"/>
-          <p:cNvSpPr>
-            <a:spLocks noGrp="1"/>
-          </p:cNvSpPr>
-          <p:nvPr>
-            <p:ph idx="1"/>
-          </p:nvPr>
-        </p:nvSpPr>
-        <p:spPr/>
-        <p:txBody>
-          <a:bodyPr/>
-          <a:lstStyle/>
-          <a:p>
-            <a:endParaRPr lang="zh-CN" altLang="en-US"/>
+      <p:pic>
+        <p:nvPicPr>
+          <p:cNvPr id="2" name="图片 1"/>
+          <p:cNvPicPr>
+            <a:picLocks noChangeAspect="1"/>
+          </p:cNvPicPr>
+          <p:nvPr/>
+        </p:nvPicPr>
+        <p:blipFill>
+          <a:blip r:embed="rId2">
+            <a:extLst>
+              <a:ext uri="{28A0092B-C50C-407E-A947-70E740481C1C}">
+                <a14:useLocalDpi xmlns:a14="http://schemas.microsoft.com/office/drawing/2010/main" val="0"/>
+              </a:ext>
+            </a:extLst>
+          </a:blip>
+          <a:stretch>
+            <a:fillRect/>
+          </a:stretch>
+        </p:blipFill>
+        <p:spPr>
+          <a:xfrm>
+            <a:off x="3946850" y="1287224"/>
+            <a:ext cx="8005665" cy="4680235"/>
+          </a:xfrm>
+          <a:prstGeom prst="rect">
+            <a:avLst/>
+          </a:prstGeom>
+        </p:spPr>
+      </p:pic>
+      <p:sp>
+        <p:nvSpPr>
+          <p:cNvPr id="5" name="文本框 4"/>
+          <p:cNvSpPr txBox="1"/>
+          <p:nvPr/>
+        </p:nvSpPr>
+        <p:spPr>
+          <a:xfrm>
+            <a:off x="550505" y="363894"/>
+            <a:ext cx="8845421" cy="923330"/>
+          </a:xfrm>
+          <a:prstGeom prst="rect">
+            <a:avLst/>
+          </a:prstGeom>
+          <a:noFill/>
+        </p:spPr>
+        <p:txBody>
+          <a:bodyPr wrap="square" rtlCol="0">
+            <a:spAutoFit/>
+          </a:bodyPr>
+          <a:lstStyle/>
+          <a:p>
+            <a:r>
+              <a:rPr lang="zh-CN" altLang="en-US" dirty="0"/>
+              <a:t>地图瓦片指的是经过</a:t>
+            </a:r>
+            <a:r>
+              <a:rPr lang="en-US" altLang="zh-CN" dirty="0"/>
+              <a:t>Web</a:t>
+            </a:r>
+            <a:r>
+              <a:rPr lang="zh-CN" altLang="en-US" dirty="0"/>
+              <a:t>墨卡托投影为平面的世界地图，在不同的地图</a:t>
+            </a:r>
+          </a:p>
+          <a:p>
+            <a:r>
+              <a:rPr lang="zh-CN" altLang="en-US" dirty="0"/>
+              <a:t>分辨率</a:t>
+            </a:r>
+            <a:r>
+              <a:rPr lang="en-US" altLang="zh-CN" dirty="0"/>
+              <a:t>(</a:t>
+            </a:r>
+            <a:r>
+              <a:rPr lang="zh-CN" altLang="en-US" dirty="0"/>
+              <a:t>整个世界地图的像素大小</a:t>
+            </a:r>
+            <a:r>
+              <a:rPr lang="en-US" altLang="zh-CN" dirty="0"/>
+              <a:t>)</a:t>
+            </a:r>
+            <a:r>
+              <a:rPr lang="zh-CN" altLang="en-US" dirty="0"/>
+              <a:t>下，通过正方切割的方式将世界地图划分</a:t>
+            </a:r>
+          </a:p>
+          <a:p>
+            <a:r>
+              <a:rPr lang="zh-CN" altLang="en-US" dirty="0"/>
+              <a:t>为像素为</a:t>
+            </a:r>
+            <a:r>
+              <a:rPr lang="en-US" altLang="zh-CN" dirty="0"/>
+              <a:t>256 × 256</a:t>
+            </a:r>
+            <a:r>
+              <a:rPr lang="zh-CN" altLang="en-US" dirty="0"/>
+              <a:t>的地图单元</a:t>
+            </a:r>
+          </a:p>
+        </p:txBody>
+      </p:sp>
+      <p:pic>
+        <p:nvPicPr>
+          <p:cNvPr id="6" name="图片 5"/>
+          <p:cNvPicPr>
+            <a:picLocks noChangeAspect="1"/>
+          </p:cNvPicPr>
+          <p:nvPr/>
+        </p:nvPicPr>
+        <p:blipFill>
+          <a:blip r:embed="rId3">
+            <a:extLst>
+              <a:ext uri="{28A0092B-C50C-407E-A947-70E740481C1C}">
+                <a14:useLocalDpi xmlns:a14="http://schemas.microsoft.com/office/drawing/2010/main" val="0"/>
+              </a:ext>
+            </a:extLst>
+          </a:blip>
+          <a:stretch>
+            <a:fillRect/>
+          </a:stretch>
+        </p:blipFill>
+        <p:spPr>
+          <a:xfrm>
+            <a:off x="811763" y="1945805"/>
+            <a:ext cx="2354355" cy="1159205"/>
+          </a:xfrm>
+          <a:prstGeom prst="rect">
+            <a:avLst/>
+          </a:prstGeom>
+        </p:spPr>
+      </p:pic>
+      <p:sp>
+        <p:nvSpPr>
+          <p:cNvPr id="7" name="文本框 6"/>
+          <p:cNvSpPr txBox="1"/>
+          <p:nvPr/>
+        </p:nvSpPr>
+        <p:spPr>
+          <a:xfrm>
+            <a:off x="811763" y="1576473"/>
+            <a:ext cx="1866122" cy="369332"/>
+          </a:xfrm>
+          <a:prstGeom prst="rect">
+            <a:avLst/>
+          </a:prstGeom>
+          <a:noFill/>
+        </p:spPr>
+        <p:txBody>
+          <a:bodyPr wrap="square" rtlCol="0">
+            <a:spAutoFit/>
+          </a:bodyPr>
+          <a:lstStyle/>
+          <a:p>
+            <a:r>
+              <a:rPr lang="en-US" altLang="zh-CN" dirty="0" smtClean="0"/>
+              <a:t>Web</a:t>
+            </a:r>
+            <a:r>
+              <a:rPr lang="zh-CN" altLang="en-US" dirty="0" smtClean="0"/>
+              <a:t>墨卡托公式</a:t>
+            </a:r>
+            <a:endParaRPr lang="zh-CN" altLang="en-US" dirty="0"/>
+          </a:p>
+        </p:txBody>
+      </p:sp>
+      <p:sp>
+        <p:nvSpPr>
+          <p:cNvPr id="8" name="文本框 7"/>
+          <p:cNvSpPr txBox="1"/>
+          <p:nvPr/>
+        </p:nvSpPr>
+        <p:spPr>
+          <a:xfrm>
+            <a:off x="653141" y="3105010"/>
+            <a:ext cx="3069771" cy="3672800"/>
+          </a:xfrm>
+          <a:prstGeom prst="rect">
+            <a:avLst/>
+          </a:prstGeom>
+          <a:noFill/>
+        </p:spPr>
+        <p:txBody>
+          <a:bodyPr wrap="square" rtlCol="0">
+            <a:spAutoFit/>
+          </a:bodyPr>
+          <a:lstStyle/>
+          <a:p>
+            <a:pPr indent="-228600">
+              <a:lnSpc>
+                <a:spcPct val="150000"/>
+              </a:lnSpc>
+              <a:spcBef>
+                <a:spcPts val="1000"/>
+              </a:spcBef>
+              <a:buFont typeface="Arial" panose="020B0604020202020204" pitchFamily="34" charset="0"/>
+              <a:buChar char="•"/>
+            </a:pPr>
+            <a:r>
+              <a:rPr lang="zh-CN" altLang="en-US" dirty="0" smtClean="0"/>
+              <a:t>将地球近似看做球体</a:t>
+            </a:r>
+            <a:r>
+              <a:rPr lang="en-US" altLang="zh-CN" dirty="0" smtClean="0"/>
+              <a:t>a</a:t>
+            </a:r>
+            <a:r>
+              <a:rPr lang="zh-CN" altLang="en-US" dirty="0"/>
+              <a:t>为</a:t>
+            </a:r>
+            <a:r>
+              <a:rPr lang="zh-CN" altLang="en-US" dirty="0"/>
+              <a:t>地球的</a:t>
+            </a:r>
+            <a:r>
+              <a:rPr lang="zh-CN" altLang="en-US" dirty="0" smtClean="0"/>
+              <a:t>长轴</a:t>
+            </a:r>
+            <a:endParaRPr lang="en-US" altLang="zh-CN" dirty="0"/>
+          </a:p>
+          <a:p>
+            <a:pPr indent="-228600">
+              <a:lnSpc>
+                <a:spcPct val="150000"/>
+              </a:lnSpc>
+              <a:spcBef>
+                <a:spcPts val="1000"/>
+              </a:spcBef>
+              <a:buFont typeface="Arial" panose="020B0604020202020204" pitchFamily="34" charset="0"/>
+              <a:buChar char="•"/>
+            </a:pPr>
+            <a:r>
+              <a:rPr lang="en-US" altLang="zh-CN" dirty="0"/>
+              <a:t>θ</a:t>
+            </a:r>
+            <a:r>
+              <a:rPr lang="zh-CN" altLang="en-US" dirty="0"/>
+              <a:t>为经度弧度</a:t>
+            </a:r>
+            <a:r>
+              <a:rPr lang="zh-CN" altLang="en-US" dirty="0"/>
+              <a:t>值，取值</a:t>
+            </a:r>
+            <a:r>
+              <a:rPr lang="zh-CN" altLang="en-US" dirty="0"/>
+              <a:t>区间为</a:t>
+            </a:r>
+            <a:r>
+              <a:rPr lang="en-US" altLang="zh-CN" dirty="0"/>
+              <a:t>(-π,+π),</a:t>
+            </a:r>
+            <a:r>
+              <a:rPr lang="zh-CN" altLang="en-US" dirty="0"/>
+              <a:t>正值为东经，负值为西经</a:t>
+            </a:r>
+            <a:r>
+              <a:rPr lang="zh-CN" altLang="en-US" dirty="0"/>
+              <a:t>。</a:t>
+            </a:r>
+            <a:endParaRPr lang="en-US" altLang="zh-CN" dirty="0"/>
+          </a:p>
+          <a:p>
+            <a:pPr indent="-228600">
+              <a:lnSpc>
+                <a:spcPct val="150000"/>
+              </a:lnSpc>
+              <a:spcBef>
+                <a:spcPts val="1000"/>
+              </a:spcBef>
+              <a:buFont typeface="Arial" panose="020B0604020202020204" pitchFamily="34" charset="0"/>
+              <a:buChar char="•"/>
+            </a:pPr>
+            <a:r>
+              <a:rPr lang="en-US" altLang="zh-CN" dirty="0"/>
+              <a:t>φ</a:t>
+            </a:r>
+            <a:r>
+              <a:rPr lang="zh-CN" altLang="en-US" dirty="0"/>
+              <a:t>为纬度</a:t>
+            </a:r>
+            <a:r>
+              <a:rPr lang="zh-CN" altLang="en-US" dirty="0"/>
+              <a:t>值弧度值，取值区间为</a:t>
+            </a:r>
+            <a:r>
+              <a:rPr lang="en-US" altLang="zh-CN" dirty="0"/>
+              <a:t>(-π/2,+π/2)</a:t>
+            </a:r>
+            <a:r>
+              <a:rPr lang="zh-CN" altLang="en-US" dirty="0"/>
+              <a:t>，北纬取正值，南纬取</a:t>
+            </a:r>
+            <a:r>
+              <a:rPr lang="zh-CN" altLang="en-US" dirty="0" smtClean="0"/>
+              <a:t>负值。</a:t>
+            </a:r>
+            <a:endParaRPr lang="zh-CN" altLang="en-US" dirty="0"/>
           </a:p>
         </p:txBody>
       </p:sp>
@@ -4258,6 +4524,275 @@
       </p:par>
     </p:tnLst>
   </p:timing>
+</p:sld>
+</file>
+
+<file path=ppt/slides/slide8.xml><?xml version="1.0" encoding="utf-8"?>
+<p:sld xmlns:a="http://schemas.openxmlformats.org/drawingml/2006/main" xmlns:r="http://schemas.openxmlformats.org/officeDocument/2006/relationships" xmlns:p="http://schemas.openxmlformats.org/presentationml/2006/main">
+  <p:cSld>
+    <p:spTree>
+      <p:nvGrpSpPr>
+        <p:cNvPr id="1" name=""/>
+        <p:cNvGrpSpPr/>
+        <p:nvPr/>
+      </p:nvGrpSpPr>
+      <p:grpSpPr>
+        <a:xfrm>
+          <a:off x="0" y="0"/>
+          <a:ext cx="0" cy="0"/>
+          <a:chOff x="0" y="0"/>
+          <a:chExt cx="0" cy="0"/>
+        </a:xfrm>
+      </p:grpSpPr>
+      <p:sp>
+        <p:nvSpPr>
+          <p:cNvPr id="2" name="标题 1"/>
+          <p:cNvSpPr>
+            <a:spLocks noGrp="1"/>
+          </p:cNvSpPr>
+          <p:nvPr>
+            <p:ph type="title"/>
+          </p:nvPr>
+        </p:nvSpPr>
+        <p:spPr/>
+        <p:txBody>
+          <a:bodyPr/>
+          <a:lstStyle/>
+          <a:p>
+            <a:r>
+              <a:rPr lang="zh-CN" altLang="en-US" dirty="0" smtClean="0"/>
+              <a:t>整体架构</a:t>
+            </a:r>
+            <a:endParaRPr lang="zh-CN" altLang="en-US" dirty="0"/>
+          </a:p>
+        </p:txBody>
+      </p:sp>
+      <p:pic>
+        <p:nvPicPr>
+          <p:cNvPr id="4" name="内容占位符 3"/>
+          <p:cNvPicPr>
+            <a:picLocks noGrp="1" noChangeAspect="1"/>
+          </p:cNvPicPr>
+          <p:nvPr>
+            <p:ph idx="1"/>
+          </p:nvPr>
+        </p:nvPicPr>
+        <p:blipFill>
+          <a:blip r:embed="rId2">
+            <a:extLst>
+              <a:ext uri="{28A0092B-C50C-407E-A947-70E740481C1C}">
+                <a14:useLocalDpi xmlns:a14="http://schemas.microsoft.com/office/drawing/2010/main" val="0"/>
+              </a:ext>
+            </a:extLst>
+          </a:blip>
+          <a:stretch>
+            <a:fillRect/>
+          </a:stretch>
+        </p:blipFill>
+        <p:spPr>
+          <a:xfrm>
+            <a:off x="4606402" y="1645856"/>
+            <a:ext cx="6747398" cy="4351338"/>
+          </a:xfrm>
+        </p:spPr>
+      </p:pic>
+      <p:sp>
+        <p:nvSpPr>
+          <p:cNvPr id="5" name="矩形 4"/>
+          <p:cNvSpPr/>
+          <p:nvPr/>
+        </p:nvSpPr>
+        <p:spPr>
+          <a:xfrm>
+            <a:off x="777740" y="2026590"/>
+            <a:ext cx="3828662" cy="2537874"/>
+          </a:xfrm>
+          <a:prstGeom prst="rect">
+            <a:avLst/>
+          </a:prstGeom>
+        </p:spPr>
+        <p:txBody>
+          <a:bodyPr wrap="square">
+            <a:spAutoFit/>
+          </a:bodyPr>
+          <a:lstStyle/>
+          <a:p>
+            <a:pPr>
+              <a:lnSpc>
+                <a:spcPct val="150000"/>
+              </a:lnSpc>
+            </a:pPr>
+            <a:r>
+              <a:rPr lang="zh-CN" altLang="en-US" dirty="0"/>
+              <a:t>可视化服务是用户直接操作的前端，其主要</a:t>
+            </a:r>
+            <a:r>
+              <a:rPr lang="zh-CN" altLang="en-US" dirty="0" smtClean="0"/>
+              <a:t>职责是</a:t>
+            </a:r>
+            <a:r>
+              <a:rPr lang="zh-CN" altLang="en-US" dirty="0"/>
+              <a:t>调用轨迹数据服务获取轨迹数据和调用地图瓦片数据服务获取瓦片数据，</a:t>
+            </a:r>
+            <a:r>
+              <a:rPr lang="zh-CN" altLang="en-US" dirty="0" smtClean="0"/>
+              <a:t>然后</a:t>
+            </a:r>
+            <a:r>
+              <a:rPr lang="zh-CN" altLang="en-US" dirty="0"/>
+              <a:t>利用前端库整合两部分数据，实现整个服务的可视化</a:t>
+            </a:r>
+          </a:p>
+        </p:txBody>
+      </p:sp>
+    </p:spTree>
+    <p:extLst>
+      <p:ext uri="{BB962C8B-B14F-4D97-AF65-F5344CB8AC3E}">
+        <p14:creationId xmlns:p14="http://schemas.microsoft.com/office/powerpoint/2010/main" val="1661913252"/>
+      </p:ext>
+    </p:extLst>
+  </p:cSld>
+  <p:clrMapOvr>
+    <a:masterClrMapping/>
+  </p:clrMapOvr>
+</p:sld>
+</file>
+
+<file path=ppt/slides/slide9.xml><?xml version="1.0" encoding="utf-8"?>
+<p:sld xmlns:a="http://schemas.openxmlformats.org/drawingml/2006/main" xmlns:r="http://schemas.openxmlformats.org/officeDocument/2006/relationships" xmlns:p="http://schemas.openxmlformats.org/presentationml/2006/main">
+  <p:cSld>
+    <p:spTree>
+      <p:nvGrpSpPr>
+        <p:cNvPr id="1" name=""/>
+        <p:cNvGrpSpPr/>
+        <p:nvPr/>
+      </p:nvGrpSpPr>
+      <p:grpSpPr>
+        <a:xfrm>
+          <a:off x="0" y="0"/>
+          <a:ext cx="0" cy="0"/>
+          <a:chOff x="0" y="0"/>
+          <a:chExt cx="0" cy="0"/>
+        </a:xfrm>
+      </p:grpSpPr>
+      <p:sp>
+        <p:nvSpPr>
+          <p:cNvPr id="4" name="文本框 3"/>
+          <p:cNvSpPr txBox="1"/>
+          <p:nvPr/>
+        </p:nvSpPr>
+        <p:spPr>
+          <a:xfrm>
+            <a:off x="382556" y="1156998"/>
+            <a:ext cx="3265714" cy="923330"/>
+          </a:xfrm>
+          <a:prstGeom prst="rect">
+            <a:avLst/>
+          </a:prstGeom>
+          <a:noFill/>
+        </p:spPr>
+        <p:txBody>
+          <a:bodyPr wrap="square" rtlCol="0">
+            <a:spAutoFit/>
+          </a:bodyPr>
+          <a:lstStyle/>
+          <a:p>
+            <a:r>
+              <a:rPr lang="zh-CN" altLang="en-US" dirty="0" smtClean="0"/>
+              <a:t>索引粒度：单个轨迹数据对象</a:t>
+            </a:r>
+            <a:endParaRPr lang="en-US" altLang="zh-CN" dirty="0" smtClean="0"/>
+          </a:p>
+          <a:p>
+            <a:r>
+              <a:rPr lang="zh-CN" altLang="en-US" dirty="0" smtClean="0"/>
+              <a:t>距离选择：豪斯多夫距离</a:t>
+            </a:r>
+            <a:endParaRPr lang="en-US" altLang="zh-CN" dirty="0" smtClean="0"/>
+          </a:p>
+          <a:p>
+            <a:r>
+              <a:rPr lang="zh-CN" altLang="en-US" dirty="0" smtClean="0"/>
+              <a:t>方向性：无，</a:t>
+            </a:r>
+            <a:r>
+              <a:rPr lang="en-US" altLang="zh-CN" dirty="0" smtClean="0"/>
+              <a:t>AB=BA</a:t>
+            </a:r>
+            <a:endParaRPr lang="zh-CN" altLang="en-US" dirty="0"/>
+          </a:p>
+        </p:txBody>
+      </p:sp>
+      <p:sp>
+        <p:nvSpPr>
+          <p:cNvPr id="5" name="文本框 4"/>
+          <p:cNvSpPr txBox="1"/>
+          <p:nvPr/>
+        </p:nvSpPr>
+        <p:spPr>
+          <a:xfrm>
+            <a:off x="382556" y="242595"/>
+            <a:ext cx="3489649" cy="523220"/>
+          </a:xfrm>
+          <a:prstGeom prst="rect">
+            <a:avLst/>
+          </a:prstGeom>
+          <a:noFill/>
+        </p:spPr>
+        <p:txBody>
+          <a:bodyPr wrap="square" rtlCol="0">
+            <a:spAutoFit/>
+          </a:bodyPr>
+          <a:lstStyle/>
+          <a:p>
+            <a:r>
+              <a:rPr lang="zh-CN" altLang="en-US" sz="2800" dirty="0" smtClean="0"/>
+              <a:t>轨迹索引设计</a:t>
+            </a:r>
+            <a:endParaRPr lang="zh-CN" altLang="en-US" sz="2800" dirty="0"/>
+          </a:p>
+        </p:txBody>
+      </p:sp>
+      <p:pic>
+        <p:nvPicPr>
+          <p:cNvPr id="6" name="图片 5"/>
+          <p:cNvPicPr>
+            <a:picLocks noChangeAspect="1"/>
+          </p:cNvPicPr>
+          <p:nvPr/>
+        </p:nvPicPr>
+        <p:blipFill>
+          <a:blip r:embed="rId2">
+            <a:extLst>
+              <a:ext uri="{28A0092B-C50C-407E-A947-70E740481C1C}">
+                <a14:useLocalDpi xmlns:a14="http://schemas.microsoft.com/office/drawing/2010/main" val="0"/>
+              </a:ext>
+            </a:extLst>
+          </a:blip>
+          <a:stretch>
+            <a:fillRect/>
+          </a:stretch>
+        </p:blipFill>
+        <p:spPr>
+          <a:xfrm>
+            <a:off x="85162" y="2248109"/>
+            <a:ext cx="3101609" cy="4153260"/>
+          </a:xfrm>
+          <a:prstGeom prst="rect">
+            <a:avLst/>
+          </a:prstGeom>
+        </p:spPr>
+      </p:pic>
+    </p:spTree>
+    <p:extLst>
+      <p:ext uri="{BB962C8B-B14F-4D97-AF65-F5344CB8AC3E}">
+        <p14:creationId xmlns:p14="http://schemas.microsoft.com/office/powerpoint/2010/main" val="1387730593"/>
+      </p:ext>
+    </p:extLst>
+  </p:cSld>
+  <p:clrMapOvr>
+    <a:masterClrMapping/>
+  </p:clrMapOvr>
 </p:sld>
 </file>
 

--- a/地理轨迹相似性分析服务的设计和.pptx
+++ b/地理轨迹相似性分析服务的设计和.pptx
@@ -14,6 +14,23 @@
     <p:sldId id="264" r:id="rId8"/>
     <p:sldId id="265" r:id="rId9"/>
     <p:sldId id="266" r:id="rId10"/>
+    <p:sldId id="268" r:id="rId11"/>
+    <p:sldId id="267" r:id="rId12"/>
+    <p:sldId id="269" r:id="rId13"/>
+    <p:sldId id="270" r:id="rId14"/>
+    <p:sldId id="271" r:id="rId15"/>
+    <p:sldId id="272" r:id="rId16"/>
+    <p:sldId id="273" r:id="rId17"/>
+    <p:sldId id="274" r:id="rId18"/>
+    <p:sldId id="275" r:id="rId19"/>
+    <p:sldId id="277" r:id="rId20"/>
+    <p:sldId id="276" r:id="rId21"/>
+    <p:sldId id="280" r:id="rId22"/>
+    <p:sldId id="278" r:id="rId23"/>
+    <p:sldId id="279" r:id="rId24"/>
+    <p:sldId id="281" r:id="rId25"/>
+    <p:sldId id="283" r:id="rId26"/>
+    <p:sldId id="282" r:id="rId27"/>
   </p:sldIdLst>
   <p:sldSz cx="12192000" cy="6858000"/>
   <p:notesSz cx="6858000" cy="9144000"/>
@@ -142,6 +159,27 @@
         <p14:section name="轨迹数据子服务详细设计与实现" id="{1BE26E29-8E41-4D0E-8EED-C6F1F39B8E7B}">
           <p14:sldIdLst>
             <p14:sldId id="266"/>
+            <p14:sldId id="268"/>
+            <p14:sldId id="267"/>
+            <p14:sldId id="269"/>
+            <p14:sldId id="270"/>
+            <p14:sldId id="271"/>
+            <p14:sldId id="272"/>
+            <p14:sldId id="273"/>
+            <p14:sldId id="274"/>
+            <p14:sldId id="275"/>
+            <p14:sldId id="277"/>
+            <p14:sldId id="276"/>
+            <p14:sldId id="280"/>
+          </p14:sldIdLst>
+        </p14:section>
+        <p14:section name="地图瓦片子服务详细设计与实现" id="{17655331-F3A6-456E-A8F3-924D4F99F694}">
+          <p14:sldIdLst>
+            <p14:sldId id="278"/>
+            <p14:sldId id="279"/>
+            <p14:sldId id="281"/>
+            <p14:sldId id="283"/>
+            <p14:sldId id="282"/>
           </p14:sldIdLst>
         </p14:section>
       </p14:sectionLst>
@@ -3086,6 +3124,2513 @@
 </p:sld>
 </file>
 
+<file path=ppt/slides/slide10.xml><?xml version="1.0" encoding="utf-8"?>
+<p:sld xmlns:a="http://schemas.openxmlformats.org/drawingml/2006/main" xmlns:r="http://schemas.openxmlformats.org/officeDocument/2006/relationships" xmlns:p="http://schemas.openxmlformats.org/presentationml/2006/main">
+  <p:cSld>
+    <p:spTree>
+      <p:nvGrpSpPr>
+        <p:cNvPr id="1" name=""/>
+        <p:cNvGrpSpPr/>
+        <p:nvPr/>
+      </p:nvGrpSpPr>
+      <p:grpSpPr>
+        <a:xfrm>
+          <a:off x="0" y="0"/>
+          <a:ext cx="0" cy="0"/>
+          <a:chOff x="0" y="0"/>
+          <a:chExt cx="0" cy="0"/>
+        </a:xfrm>
+      </p:grpSpPr>
+      <p:sp>
+        <p:nvSpPr>
+          <p:cNvPr id="2" name="标题 1"/>
+          <p:cNvSpPr>
+            <a:spLocks noGrp="1"/>
+          </p:cNvSpPr>
+          <p:nvPr>
+            <p:ph type="title"/>
+          </p:nvPr>
+        </p:nvSpPr>
+        <p:spPr>
+          <a:xfrm>
+            <a:off x="436984" y="0"/>
+            <a:ext cx="3416559" cy="699796"/>
+          </a:xfrm>
+        </p:spPr>
+        <p:txBody>
+          <a:bodyPr>
+            <a:normAutofit/>
+          </a:bodyPr>
+          <a:lstStyle/>
+          <a:p>
+            <a:r>
+              <a:rPr lang="zh-CN" altLang="en-US" sz="3600" dirty="0" smtClean="0"/>
+              <a:t>轨迹索引类设计</a:t>
+            </a:r>
+            <a:endParaRPr lang="zh-CN" altLang="en-US" sz="3600" dirty="0"/>
+          </a:p>
+        </p:txBody>
+      </p:sp>
+      <p:pic>
+        <p:nvPicPr>
+          <p:cNvPr id="4" name="图片 3"/>
+          <p:cNvPicPr>
+            <a:picLocks noChangeAspect="1"/>
+          </p:cNvPicPr>
+          <p:nvPr/>
+        </p:nvPicPr>
+        <p:blipFill>
+          <a:blip r:embed="rId2">
+            <a:extLst>
+              <a:ext uri="{28A0092B-C50C-407E-A947-70E740481C1C}">
+                <a14:useLocalDpi xmlns:a14="http://schemas.microsoft.com/office/drawing/2010/main" val="0"/>
+              </a:ext>
+            </a:extLst>
+          </a:blip>
+          <a:stretch>
+            <a:fillRect/>
+          </a:stretch>
+        </p:blipFill>
+        <p:spPr>
+          <a:xfrm>
+            <a:off x="6806379" y="83976"/>
+            <a:ext cx="5259957" cy="6858000"/>
+          </a:xfrm>
+          <a:prstGeom prst="rect">
+            <a:avLst/>
+          </a:prstGeom>
+        </p:spPr>
+      </p:pic>
+      <p:sp>
+        <p:nvSpPr>
+          <p:cNvPr id="5" name="文本框 4"/>
+          <p:cNvSpPr txBox="1"/>
+          <p:nvPr/>
+        </p:nvSpPr>
+        <p:spPr>
+          <a:xfrm>
+            <a:off x="653143" y="905069"/>
+            <a:ext cx="5066522" cy="4247317"/>
+          </a:xfrm>
+          <a:prstGeom prst="rect">
+            <a:avLst/>
+          </a:prstGeom>
+          <a:noFill/>
+        </p:spPr>
+        <p:txBody>
+          <a:bodyPr wrap="square" rtlCol="0">
+            <a:spAutoFit/>
+          </a:bodyPr>
+          <a:lstStyle/>
+          <a:p>
+            <a:pPr>
+              <a:lnSpc>
+                <a:spcPct val="150000"/>
+              </a:lnSpc>
+            </a:pPr>
+            <a:r>
+              <a:rPr lang="en-US" altLang="zh-CN" dirty="0" smtClean="0"/>
+              <a:t>1.</a:t>
+            </a:r>
+            <a:r>
+              <a:rPr lang="zh-CN" altLang="en-US" dirty="0" smtClean="0"/>
+              <a:t>以</a:t>
+            </a:r>
+            <a:r>
+              <a:rPr lang="en-US" altLang="zh-CN" dirty="0" err="1" smtClean="0"/>
+              <a:t>Vptree</a:t>
+            </a:r>
+            <a:r>
+              <a:rPr lang="zh-CN" altLang="en-US" dirty="0" smtClean="0"/>
+              <a:t>为核心类</a:t>
+            </a:r>
+            <a:endParaRPr lang="en-US" altLang="zh-CN" dirty="0" smtClean="0"/>
+          </a:p>
+          <a:p>
+            <a:pPr>
+              <a:lnSpc>
+                <a:spcPct val="150000"/>
+              </a:lnSpc>
+            </a:pPr>
+            <a:r>
+              <a:rPr lang="en-US" altLang="zh-CN" dirty="0" err="1" smtClean="0"/>
+              <a:t>2.Node</a:t>
+            </a:r>
+            <a:r>
+              <a:rPr lang="zh-CN" altLang="en-US" dirty="0" smtClean="0"/>
+              <a:t>是索引节点类</a:t>
+            </a:r>
+            <a:endParaRPr lang="en-US" altLang="zh-CN" dirty="0" smtClean="0"/>
+          </a:p>
+          <a:p>
+            <a:pPr>
+              <a:lnSpc>
+                <a:spcPct val="150000"/>
+              </a:lnSpc>
+            </a:pPr>
+            <a:r>
+              <a:rPr lang="en-US" altLang="zh-CN" dirty="0" err="1" smtClean="0"/>
+              <a:t>3.BulkloadContext</a:t>
+            </a:r>
+            <a:r>
+              <a:rPr lang="zh-CN" altLang="en-US" dirty="0" smtClean="0"/>
+              <a:t>是批量建立索引的上下文环境</a:t>
+            </a:r>
+            <a:endParaRPr lang="en-US" altLang="zh-CN" dirty="0" smtClean="0"/>
+          </a:p>
+          <a:p>
+            <a:pPr>
+              <a:lnSpc>
+                <a:spcPct val="150000"/>
+              </a:lnSpc>
+            </a:pPr>
+            <a:r>
+              <a:rPr lang="en-US" altLang="zh-CN" dirty="0" err="1" smtClean="0"/>
+              <a:t>4.GeometryDistance</a:t>
+            </a:r>
+            <a:r>
+              <a:rPr lang="zh-CN" altLang="en-US" dirty="0" smtClean="0"/>
+              <a:t>相关类是距离计算模块（对不只是豪斯多夫距离的扩展）</a:t>
+            </a:r>
+            <a:endParaRPr lang="en-US" altLang="zh-CN" dirty="0" smtClean="0"/>
+          </a:p>
+          <a:p>
+            <a:pPr>
+              <a:lnSpc>
+                <a:spcPct val="150000"/>
+              </a:lnSpc>
+            </a:pPr>
+            <a:r>
+              <a:rPr lang="en-US" altLang="zh-CN" dirty="0" err="1" smtClean="0"/>
+              <a:t>5.SelectVpStrategy</a:t>
+            </a:r>
+            <a:r>
+              <a:rPr lang="zh-CN" altLang="en-US" dirty="0" smtClean="0"/>
+              <a:t>是选择优先点选择策略相关类</a:t>
+            </a:r>
+            <a:endParaRPr lang="en-US" altLang="zh-CN" dirty="0" smtClean="0"/>
+          </a:p>
+          <a:p>
+            <a:pPr>
+              <a:lnSpc>
+                <a:spcPct val="150000"/>
+              </a:lnSpc>
+            </a:pPr>
+            <a:r>
+              <a:rPr lang="en-US" altLang="zh-CN" dirty="0" err="1" smtClean="0"/>
+              <a:t>6.Sampler</a:t>
+            </a:r>
+            <a:r>
+              <a:rPr lang="zh-CN" altLang="en-US" dirty="0" smtClean="0"/>
+              <a:t>是取样器相关类</a:t>
+            </a:r>
+            <a:endParaRPr lang="en-US" altLang="zh-CN" dirty="0" smtClean="0"/>
+          </a:p>
+          <a:p>
+            <a:pPr>
+              <a:lnSpc>
+                <a:spcPct val="150000"/>
+              </a:lnSpc>
+            </a:pPr>
+            <a:r>
+              <a:rPr lang="en-US" altLang="zh-CN" dirty="0" err="1" smtClean="0"/>
+              <a:t>7.BitSetContext</a:t>
+            </a:r>
+            <a:r>
+              <a:rPr lang="zh-CN" altLang="en-US" dirty="0" smtClean="0"/>
+              <a:t>用于保存分支访问记录</a:t>
+            </a:r>
+            <a:endParaRPr lang="en-US" altLang="zh-CN" dirty="0" smtClean="0"/>
+          </a:p>
+          <a:p>
+            <a:pPr>
+              <a:lnSpc>
+                <a:spcPct val="150000"/>
+              </a:lnSpc>
+            </a:pPr>
+            <a:r>
+              <a:rPr lang="en-US" altLang="zh-CN" dirty="0" err="1" smtClean="0"/>
+              <a:t>8.GeomtryStore</a:t>
+            </a:r>
+            <a:r>
+              <a:rPr lang="zh-CN" altLang="en-US" dirty="0" smtClean="0"/>
+              <a:t>是获取轨迹数据的存储中介类</a:t>
+            </a:r>
+            <a:endParaRPr lang="en-US" altLang="zh-CN" dirty="0" smtClean="0"/>
+          </a:p>
+          <a:p>
+            <a:pPr>
+              <a:lnSpc>
+                <a:spcPct val="150000"/>
+              </a:lnSpc>
+            </a:pPr>
+            <a:r>
+              <a:rPr lang="en-US" altLang="zh-CN" dirty="0" err="1" smtClean="0"/>
+              <a:t>9.GeomtrySorter</a:t>
+            </a:r>
+            <a:r>
+              <a:rPr lang="zh-CN" altLang="en-US" dirty="0" smtClean="0"/>
+              <a:t>是轨迹排序类</a:t>
+            </a:r>
+            <a:endParaRPr lang="en-US" altLang="zh-CN" dirty="0"/>
+          </a:p>
+        </p:txBody>
+      </p:sp>
+    </p:spTree>
+    <p:extLst>
+      <p:ext uri="{BB962C8B-B14F-4D97-AF65-F5344CB8AC3E}">
+        <p14:creationId xmlns:p14="http://schemas.microsoft.com/office/powerpoint/2010/main" val="2166508763"/>
+      </p:ext>
+    </p:extLst>
+  </p:cSld>
+  <p:clrMapOvr>
+    <a:masterClrMapping/>
+  </p:clrMapOvr>
+  <p:timing>
+    <p:tnLst>
+      <p:par>
+        <p:cTn id="1" dur="indefinite" restart="never" nodeType="tmRoot"/>
+      </p:par>
+    </p:tnLst>
+  </p:timing>
+</p:sld>
+</file>
+
+<file path=ppt/slides/slide11.xml><?xml version="1.0" encoding="utf-8"?>
+<p:sld xmlns:a="http://schemas.openxmlformats.org/drawingml/2006/main" xmlns:r="http://schemas.openxmlformats.org/officeDocument/2006/relationships" xmlns:p="http://schemas.openxmlformats.org/presentationml/2006/main">
+  <p:cSld>
+    <p:spTree>
+      <p:nvGrpSpPr>
+        <p:cNvPr id="1" name=""/>
+        <p:cNvGrpSpPr/>
+        <p:nvPr/>
+      </p:nvGrpSpPr>
+      <p:grpSpPr>
+        <a:xfrm>
+          <a:off x="0" y="0"/>
+          <a:ext cx="0" cy="0"/>
+          <a:chOff x="0" y="0"/>
+          <a:chExt cx="0" cy="0"/>
+        </a:xfrm>
+      </p:grpSpPr>
+      <p:sp>
+        <p:nvSpPr>
+          <p:cNvPr id="2" name="标题 1"/>
+          <p:cNvSpPr>
+            <a:spLocks noGrp="1"/>
+          </p:cNvSpPr>
+          <p:nvPr>
+            <p:ph type="title"/>
+          </p:nvPr>
+        </p:nvSpPr>
+        <p:spPr>
+          <a:xfrm>
+            <a:off x="772886" y="122529"/>
+            <a:ext cx="10515600" cy="1325563"/>
+          </a:xfrm>
+        </p:spPr>
+        <p:txBody>
+          <a:bodyPr/>
+          <a:lstStyle/>
+          <a:p>
+            <a:r>
+              <a:rPr lang="zh-CN" altLang="en-US" dirty="0" smtClean="0"/>
+              <a:t>轨迹索引初始化（批量建立索引）</a:t>
+            </a:r>
+            <a:endParaRPr lang="zh-CN" altLang="en-US" dirty="0"/>
+          </a:p>
+        </p:txBody>
+      </p:sp>
+      <p:pic>
+        <p:nvPicPr>
+          <p:cNvPr id="4" name="内容占位符 3"/>
+          <p:cNvPicPr>
+            <a:picLocks noGrp="1" noChangeAspect="1"/>
+          </p:cNvPicPr>
+          <p:nvPr>
+            <p:ph idx="1"/>
+          </p:nvPr>
+        </p:nvPicPr>
+        <p:blipFill>
+          <a:blip r:embed="rId2">
+            <a:extLst>
+              <a:ext uri="{28A0092B-C50C-407E-A947-70E740481C1C}">
+                <a14:useLocalDpi xmlns:a14="http://schemas.microsoft.com/office/drawing/2010/main" val="0"/>
+              </a:ext>
+            </a:extLst>
+          </a:blip>
+          <a:stretch>
+            <a:fillRect/>
+          </a:stretch>
+        </p:blipFill>
+        <p:spPr>
+          <a:xfrm>
+            <a:off x="121298" y="979714"/>
+            <a:ext cx="5952931" cy="5878286"/>
+          </a:xfrm>
+        </p:spPr>
+      </p:pic>
+      <p:sp>
+        <p:nvSpPr>
+          <p:cNvPr id="7" name="文本框 6"/>
+          <p:cNvSpPr txBox="1"/>
+          <p:nvPr/>
+        </p:nvSpPr>
+        <p:spPr>
+          <a:xfrm>
+            <a:off x="6142652" y="1642803"/>
+            <a:ext cx="3859763" cy="2347950"/>
+          </a:xfrm>
+          <a:prstGeom prst="rect">
+            <a:avLst/>
+          </a:prstGeom>
+          <a:noFill/>
+        </p:spPr>
+        <p:txBody>
+          <a:bodyPr wrap="square" rtlCol="0">
+            <a:spAutoFit/>
+          </a:bodyPr>
+          <a:lstStyle/>
+          <a:p>
+            <a:pPr>
+              <a:lnSpc>
+                <a:spcPct val="150000"/>
+              </a:lnSpc>
+            </a:pPr>
+            <a:r>
+              <a:rPr lang="en-US" altLang="zh-CN" sz="2000" dirty="0" smtClean="0"/>
+              <a:t>1.</a:t>
+            </a:r>
+            <a:r>
+              <a:rPr lang="zh-CN" altLang="en-US" sz="2000" dirty="0" smtClean="0"/>
+              <a:t>栈</a:t>
+            </a:r>
+            <a:r>
+              <a:rPr lang="en-US" altLang="zh-CN" sz="2000" dirty="0" smtClean="0"/>
+              <a:t>+</a:t>
+            </a:r>
+            <a:r>
+              <a:rPr lang="zh-CN" altLang="en-US" sz="2000" dirty="0" smtClean="0"/>
+              <a:t>循环</a:t>
+            </a:r>
+            <a:endParaRPr lang="en-US" altLang="zh-CN" sz="2000" dirty="0" smtClean="0"/>
+          </a:p>
+          <a:p>
+            <a:pPr>
+              <a:lnSpc>
+                <a:spcPct val="150000"/>
+              </a:lnSpc>
+            </a:pPr>
+            <a:r>
+              <a:rPr lang="en-US" altLang="zh-CN" sz="2000" dirty="0" smtClean="0"/>
+              <a:t>2.</a:t>
+            </a:r>
+            <a:r>
+              <a:rPr lang="zh-CN" altLang="en-US" sz="2000" dirty="0" smtClean="0"/>
+              <a:t>最右侧分支最优先</a:t>
+            </a:r>
+            <a:endParaRPr lang="en-US" altLang="zh-CN" sz="2000" dirty="0" smtClean="0"/>
+          </a:p>
+          <a:p>
+            <a:pPr>
+              <a:lnSpc>
+                <a:spcPct val="150000"/>
+              </a:lnSpc>
+            </a:pPr>
+            <a:r>
+              <a:rPr lang="en-US" altLang="zh-CN" sz="2000" dirty="0" smtClean="0"/>
+              <a:t>3.</a:t>
+            </a:r>
+            <a:r>
+              <a:rPr lang="zh-CN" altLang="en-US" sz="2000" dirty="0" smtClean="0"/>
+              <a:t>每次循环节点减一</a:t>
+            </a:r>
+            <a:endParaRPr lang="en-US" altLang="zh-CN" sz="2000" dirty="0" smtClean="0"/>
+          </a:p>
+          <a:p>
+            <a:pPr>
+              <a:lnSpc>
+                <a:spcPct val="150000"/>
+              </a:lnSpc>
+            </a:pPr>
+            <a:r>
+              <a:rPr lang="en-US" altLang="zh-CN" sz="2000" dirty="0" smtClean="0"/>
+              <a:t>4.</a:t>
+            </a:r>
+            <a:r>
+              <a:rPr lang="zh-CN" altLang="en-US" sz="2000" dirty="0" smtClean="0"/>
+              <a:t>分支条件、循环停止条件</a:t>
+            </a:r>
+            <a:endParaRPr lang="en-US" altLang="zh-CN" sz="2000" dirty="0" smtClean="0"/>
+          </a:p>
+          <a:p>
+            <a:pPr>
+              <a:lnSpc>
+                <a:spcPct val="150000"/>
+              </a:lnSpc>
+            </a:pPr>
+            <a:r>
+              <a:rPr lang="en-US" altLang="zh-CN" sz="2000" dirty="0" smtClean="0"/>
+              <a:t>5.</a:t>
+            </a:r>
+            <a:r>
+              <a:rPr lang="zh-CN" altLang="en-US" sz="2000" dirty="0" smtClean="0"/>
+              <a:t>天然平衡</a:t>
+            </a:r>
+            <a:endParaRPr lang="en-US" altLang="zh-CN" sz="2000" dirty="0"/>
+          </a:p>
+        </p:txBody>
+      </p:sp>
+    </p:spTree>
+    <p:extLst>
+      <p:ext uri="{BB962C8B-B14F-4D97-AF65-F5344CB8AC3E}">
+        <p14:creationId xmlns:p14="http://schemas.microsoft.com/office/powerpoint/2010/main" val="853343331"/>
+      </p:ext>
+    </p:extLst>
+  </p:cSld>
+  <p:clrMapOvr>
+    <a:masterClrMapping/>
+  </p:clrMapOvr>
+  <p:timing>
+    <p:tnLst>
+      <p:par>
+        <p:cTn id="1" dur="indefinite" restart="never" nodeType="tmRoot"/>
+      </p:par>
+    </p:tnLst>
+  </p:timing>
+</p:sld>
+</file>
+
+<file path=ppt/slides/slide12.xml><?xml version="1.0" encoding="utf-8"?>
+<p:sld xmlns:a="http://schemas.openxmlformats.org/drawingml/2006/main" xmlns:r="http://schemas.openxmlformats.org/officeDocument/2006/relationships" xmlns:p="http://schemas.openxmlformats.org/presentationml/2006/main">
+  <p:cSld>
+    <p:spTree>
+      <p:nvGrpSpPr>
+        <p:cNvPr id="1" name=""/>
+        <p:cNvGrpSpPr/>
+        <p:nvPr/>
+      </p:nvGrpSpPr>
+      <p:grpSpPr>
+        <a:xfrm>
+          <a:off x="0" y="0"/>
+          <a:ext cx="0" cy="0"/>
+          <a:chOff x="0" y="0"/>
+          <a:chExt cx="0" cy="0"/>
+        </a:xfrm>
+      </p:grpSpPr>
+      <p:sp>
+        <p:nvSpPr>
+          <p:cNvPr id="2" name="标题 1"/>
+          <p:cNvSpPr>
+            <a:spLocks noGrp="1"/>
+          </p:cNvSpPr>
+          <p:nvPr>
+            <p:ph type="title"/>
+          </p:nvPr>
+        </p:nvSpPr>
+        <p:spPr>
+          <a:xfrm>
+            <a:off x="716903" y="122530"/>
+            <a:ext cx="10515600" cy="1325563"/>
+          </a:xfrm>
+        </p:spPr>
+        <p:txBody>
+          <a:bodyPr>
+            <a:normAutofit/>
+          </a:bodyPr>
+          <a:lstStyle/>
+          <a:p>
+            <a:r>
+              <a:rPr lang="zh-CN" altLang="en-US" sz="4000" dirty="0" smtClean="0"/>
+              <a:t>内存策略：区间信息记录避免内存复制</a:t>
+            </a:r>
+            <a:endParaRPr lang="zh-CN" altLang="en-US" sz="4000" dirty="0"/>
+          </a:p>
+        </p:txBody>
+      </p:sp>
+      <p:sp>
+        <p:nvSpPr>
+          <p:cNvPr id="5" name="文本框 4"/>
+          <p:cNvSpPr txBox="1"/>
+          <p:nvPr/>
+        </p:nvSpPr>
+        <p:spPr>
+          <a:xfrm>
+            <a:off x="0" y="2175881"/>
+            <a:ext cx="4525346" cy="2169825"/>
+          </a:xfrm>
+          <a:prstGeom prst="rect">
+            <a:avLst/>
+          </a:prstGeom>
+          <a:noFill/>
+        </p:spPr>
+        <p:txBody>
+          <a:bodyPr wrap="square" rtlCol="0">
+            <a:spAutoFit/>
+          </a:bodyPr>
+          <a:lstStyle/>
+          <a:p>
+            <a:pPr>
+              <a:lnSpc>
+                <a:spcPct val="150000"/>
+              </a:lnSpc>
+            </a:pPr>
+            <a:r>
+              <a:rPr lang="en-US" altLang="zh-CN" dirty="0" smtClean="0"/>
+              <a:t>1.</a:t>
+            </a:r>
+            <a:r>
+              <a:rPr lang="zh-CN" altLang="en-US" dirty="0" smtClean="0"/>
+              <a:t>数据都放在内存中</a:t>
+            </a:r>
+            <a:endParaRPr lang="en-US" altLang="zh-CN" dirty="0" smtClean="0"/>
+          </a:p>
+          <a:p>
+            <a:pPr>
+              <a:lnSpc>
+                <a:spcPct val="150000"/>
+              </a:lnSpc>
+            </a:pPr>
+            <a:r>
+              <a:rPr lang="en-US" altLang="zh-CN" dirty="0" smtClean="0"/>
+              <a:t>2.</a:t>
+            </a:r>
+            <a:r>
+              <a:rPr lang="zh-CN" altLang="en-US" dirty="0" smtClean="0"/>
+              <a:t>使用列表保存数据和数据排序</a:t>
+            </a:r>
+            <a:endParaRPr lang="en-US" altLang="zh-CN" dirty="0" smtClean="0"/>
+          </a:p>
+          <a:p>
+            <a:pPr>
+              <a:lnSpc>
+                <a:spcPct val="150000"/>
+              </a:lnSpc>
+            </a:pPr>
+            <a:r>
+              <a:rPr lang="en-US" altLang="zh-CN" dirty="0" smtClean="0"/>
+              <a:t>3.</a:t>
+            </a:r>
+            <a:r>
+              <a:rPr lang="zh-CN" altLang="en-US" dirty="0" smtClean="0"/>
+              <a:t>使用偏移量</a:t>
+            </a:r>
+            <a:r>
+              <a:rPr lang="en-US" altLang="zh-CN" dirty="0" smtClean="0"/>
+              <a:t>+</a:t>
+            </a:r>
+            <a:r>
+              <a:rPr lang="zh-CN" altLang="en-US" dirty="0" smtClean="0"/>
+              <a:t>长度保存区间信息</a:t>
+            </a:r>
+            <a:endParaRPr lang="en-US" altLang="zh-CN" dirty="0" smtClean="0"/>
+          </a:p>
+          <a:p>
+            <a:pPr>
+              <a:lnSpc>
+                <a:spcPct val="150000"/>
+              </a:lnSpc>
+            </a:pPr>
+            <a:r>
+              <a:rPr lang="en-US" altLang="zh-CN" dirty="0" smtClean="0"/>
+              <a:t>4.</a:t>
+            </a:r>
+            <a:r>
+              <a:rPr lang="zh-CN" altLang="en-US" dirty="0" smtClean="0"/>
+              <a:t>三栈同步</a:t>
+            </a:r>
+            <a:endParaRPr lang="en-US" altLang="zh-CN" dirty="0" smtClean="0"/>
+          </a:p>
+          <a:p>
+            <a:pPr>
+              <a:lnSpc>
+                <a:spcPct val="150000"/>
+              </a:lnSpc>
+            </a:pPr>
+            <a:r>
+              <a:rPr lang="en-US" altLang="zh-CN" dirty="0" smtClean="0"/>
+              <a:t>5.</a:t>
+            </a:r>
+            <a:r>
+              <a:rPr lang="zh-CN" altLang="en-US" dirty="0" smtClean="0"/>
+              <a:t>避免内存复制</a:t>
+            </a:r>
+            <a:endParaRPr lang="zh-CN" altLang="en-US" dirty="0"/>
+          </a:p>
+        </p:txBody>
+      </p:sp>
+      <p:pic>
+        <p:nvPicPr>
+          <p:cNvPr id="8" name="内容占位符 7"/>
+          <p:cNvPicPr>
+            <a:picLocks noGrp="1" noChangeAspect="1"/>
+          </p:cNvPicPr>
+          <p:nvPr>
+            <p:ph idx="1"/>
+          </p:nvPr>
+        </p:nvPicPr>
+        <p:blipFill>
+          <a:blip r:embed="rId2">
+            <a:extLst>
+              <a:ext uri="{28A0092B-C50C-407E-A947-70E740481C1C}">
+                <a14:useLocalDpi xmlns:a14="http://schemas.microsoft.com/office/drawing/2010/main" val="0"/>
+              </a:ext>
+            </a:extLst>
+          </a:blip>
+          <a:stretch>
+            <a:fillRect/>
+          </a:stretch>
+        </p:blipFill>
+        <p:spPr>
+          <a:xfrm>
+            <a:off x="3775775" y="1851858"/>
+            <a:ext cx="7996335" cy="4474294"/>
+          </a:xfrm>
+        </p:spPr>
+      </p:pic>
+    </p:spTree>
+    <p:extLst>
+      <p:ext uri="{BB962C8B-B14F-4D97-AF65-F5344CB8AC3E}">
+        <p14:creationId xmlns:p14="http://schemas.microsoft.com/office/powerpoint/2010/main" val="3271557036"/>
+      </p:ext>
+    </p:extLst>
+  </p:cSld>
+  <p:clrMapOvr>
+    <a:masterClrMapping/>
+  </p:clrMapOvr>
+  <p:timing>
+    <p:tnLst>
+      <p:par>
+        <p:cTn id="1" dur="indefinite" restart="never" nodeType="tmRoot"/>
+      </p:par>
+    </p:tnLst>
+  </p:timing>
+</p:sld>
+</file>
+
+<file path=ppt/slides/slide13.xml><?xml version="1.0" encoding="utf-8"?>
+<p:sld xmlns:a="http://schemas.openxmlformats.org/drawingml/2006/main" xmlns:r="http://schemas.openxmlformats.org/officeDocument/2006/relationships" xmlns:p="http://schemas.openxmlformats.org/presentationml/2006/main">
+  <p:cSld>
+    <p:spTree>
+      <p:nvGrpSpPr>
+        <p:cNvPr id="1" name=""/>
+        <p:cNvGrpSpPr/>
+        <p:nvPr/>
+      </p:nvGrpSpPr>
+      <p:grpSpPr>
+        <a:xfrm>
+          <a:off x="0" y="0"/>
+          <a:ext cx="0" cy="0"/>
+          <a:chOff x="0" y="0"/>
+          <a:chExt cx="0" cy="0"/>
+        </a:xfrm>
+      </p:grpSpPr>
+      <p:sp>
+        <p:nvSpPr>
+          <p:cNvPr id="2" name="标题 1"/>
+          <p:cNvSpPr>
+            <a:spLocks noGrp="1"/>
+          </p:cNvSpPr>
+          <p:nvPr>
+            <p:ph type="title"/>
+          </p:nvPr>
+        </p:nvSpPr>
+        <p:spPr>
+          <a:xfrm>
+            <a:off x="744894" y="178513"/>
+            <a:ext cx="10515600" cy="1325563"/>
+          </a:xfrm>
+        </p:spPr>
+        <p:txBody>
+          <a:bodyPr/>
+          <a:lstStyle/>
+          <a:p>
+            <a:r>
+              <a:rPr lang="zh-CN" altLang="en-US" dirty="0" smtClean="0"/>
+              <a:t>优先点的选择算法</a:t>
+            </a:r>
+            <a:endParaRPr lang="zh-CN" altLang="en-US" dirty="0"/>
+          </a:p>
+        </p:txBody>
+      </p:sp>
+      <p:sp>
+        <p:nvSpPr>
+          <p:cNvPr id="3" name="内容占位符 2"/>
+          <p:cNvSpPr>
+            <a:spLocks noGrp="1"/>
+          </p:cNvSpPr>
+          <p:nvPr>
+            <p:ph idx="1"/>
+          </p:nvPr>
+        </p:nvSpPr>
+        <p:spPr>
+          <a:xfrm>
+            <a:off x="391885" y="1620351"/>
+            <a:ext cx="4562670" cy="4351338"/>
+          </a:xfrm>
+        </p:spPr>
+        <p:txBody>
+          <a:bodyPr>
+            <a:normAutofit/>
+          </a:bodyPr>
+          <a:lstStyle/>
+          <a:p>
+            <a:pPr>
+              <a:lnSpc>
+                <a:spcPct val="150000"/>
+              </a:lnSpc>
+            </a:pPr>
+            <a:r>
+              <a:rPr lang="en-US" altLang="zh-CN" sz="2000" dirty="0" smtClean="0"/>
+              <a:t>1.</a:t>
+            </a:r>
+            <a:r>
+              <a:rPr lang="zh-CN" altLang="en-US" sz="2000" dirty="0"/>
+              <a:t>优先</a:t>
+            </a:r>
+            <a:r>
+              <a:rPr lang="zh-CN" altLang="en-US" sz="2000" dirty="0" smtClean="0"/>
+              <a:t>点选取的好坏直接影响了搜索性能。</a:t>
+            </a:r>
+            <a:endParaRPr lang="en-US" altLang="zh-CN" sz="2000" dirty="0" smtClean="0"/>
+          </a:p>
+          <a:p>
+            <a:pPr>
+              <a:lnSpc>
+                <a:spcPct val="150000"/>
+              </a:lnSpc>
+            </a:pPr>
+            <a:r>
+              <a:rPr lang="en-US" altLang="zh-CN" sz="2000" dirty="0" smtClean="0"/>
+              <a:t>2.</a:t>
+            </a:r>
+            <a:r>
+              <a:rPr lang="zh-CN" altLang="en-US" sz="2000" dirty="0" smtClean="0"/>
+              <a:t>好的优先点使得子树区间足够大。</a:t>
+            </a:r>
+            <a:endParaRPr lang="en-US" altLang="zh-CN" sz="2000" dirty="0" smtClean="0"/>
+          </a:p>
+          <a:p>
+            <a:pPr>
+              <a:lnSpc>
+                <a:spcPct val="150000"/>
+              </a:lnSpc>
+            </a:pPr>
+            <a:r>
+              <a:rPr lang="en-US" altLang="zh-CN" sz="2000" dirty="0" smtClean="0"/>
+              <a:t>3.</a:t>
+            </a:r>
+            <a:r>
+              <a:rPr lang="zh-CN" altLang="en-US" sz="2000" dirty="0" smtClean="0"/>
+              <a:t>以最大标准差的点作为优先点</a:t>
+            </a:r>
+            <a:endParaRPr lang="en-US" altLang="zh-CN" sz="2000" dirty="0" smtClean="0"/>
+          </a:p>
+          <a:p>
+            <a:pPr>
+              <a:lnSpc>
+                <a:spcPct val="150000"/>
+              </a:lnSpc>
+            </a:pPr>
+            <a:r>
+              <a:rPr lang="en-US" altLang="zh-CN" sz="2000" dirty="0" smtClean="0"/>
+              <a:t>4.</a:t>
+            </a:r>
+            <a:r>
+              <a:rPr lang="zh-CN" altLang="en-US" sz="2000" dirty="0" smtClean="0"/>
+              <a:t>以取样为基础（不全取）</a:t>
+            </a:r>
+            <a:endParaRPr lang="en-US" altLang="zh-CN" sz="2000" dirty="0"/>
+          </a:p>
+        </p:txBody>
+      </p:sp>
+      <p:pic>
+        <p:nvPicPr>
+          <p:cNvPr id="5" name="图片 4"/>
+          <p:cNvPicPr>
+            <a:picLocks noChangeAspect="1"/>
+          </p:cNvPicPr>
+          <p:nvPr/>
+        </p:nvPicPr>
+        <p:blipFill>
+          <a:blip r:embed="rId2">
+            <a:extLst>
+              <a:ext uri="{28A0092B-C50C-407E-A947-70E740481C1C}">
+                <a14:useLocalDpi xmlns:a14="http://schemas.microsoft.com/office/drawing/2010/main" val="0"/>
+              </a:ext>
+            </a:extLst>
+          </a:blip>
+          <a:stretch>
+            <a:fillRect/>
+          </a:stretch>
+        </p:blipFill>
+        <p:spPr>
+          <a:xfrm>
+            <a:off x="5798447" y="1101452"/>
+            <a:ext cx="4999153" cy="2415749"/>
+          </a:xfrm>
+          <a:prstGeom prst="rect">
+            <a:avLst/>
+          </a:prstGeom>
+        </p:spPr>
+      </p:pic>
+      <p:pic>
+        <p:nvPicPr>
+          <p:cNvPr id="6" name="图片 5"/>
+          <p:cNvPicPr>
+            <a:picLocks noChangeAspect="1"/>
+          </p:cNvPicPr>
+          <p:nvPr/>
+        </p:nvPicPr>
+        <p:blipFill>
+          <a:blip r:embed="rId3">
+            <a:extLst>
+              <a:ext uri="{28A0092B-C50C-407E-A947-70E740481C1C}">
+                <a14:useLocalDpi xmlns:a14="http://schemas.microsoft.com/office/drawing/2010/main" val="0"/>
+              </a:ext>
+            </a:extLst>
+          </a:blip>
+          <a:stretch>
+            <a:fillRect/>
+          </a:stretch>
+        </p:blipFill>
+        <p:spPr>
+          <a:xfrm>
+            <a:off x="5675143" y="3796020"/>
+            <a:ext cx="4648603" cy="2674852"/>
+          </a:xfrm>
+          <a:prstGeom prst="rect">
+            <a:avLst/>
+          </a:prstGeom>
+        </p:spPr>
+      </p:pic>
+    </p:spTree>
+    <p:extLst>
+      <p:ext uri="{BB962C8B-B14F-4D97-AF65-F5344CB8AC3E}">
+        <p14:creationId xmlns:p14="http://schemas.microsoft.com/office/powerpoint/2010/main" val="584501630"/>
+      </p:ext>
+    </p:extLst>
+  </p:cSld>
+  <p:clrMapOvr>
+    <a:masterClrMapping/>
+  </p:clrMapOvr>
+  <p:timing>
+    <p:tnLst>
+      <p:par>
+        <p:cTn id="1" dur="indefinite" restart="never" nodeType="tmRoot"/>
+      </p:par>
+    </p:tnLst>
+  </p:timing>
+</p:sld>
+</file>
+
+<file path=ppt/slides/slide14.xml><?xml version="1.0" encoding="utf-8"?>
+<p:sld xmlns:a="http://schemas.openxmlformats.org/drawingml/2006/main" xmlns:r="http://schemas.openxmlformats.org/officeDocument/2006/relationships" xmlns:p="http://schemas.openxmlformats.org/presentationml/2006/main">
+  <p:cSld>
+    <p:spTree>
+      <p:nvGrpSpPr>
+        <p:cNvPr id="1" name=""/>
+        <p:cNvGrpSpPr/>
+        <p:nvPr/>
+      </p:nvGrpSpPr>
+      <p:grpSpPr>
+        <a:xfrm>
+          <a:off x="0" y="0"/>
+          <a:ext cx="0" cy="0"/>
+          <a:chOff x="0" y="0"/>
+          <a:chExt cx="0" cy="0"/>
+        </a:xfrm>
+      </p:grpSpPr>
+      <p:sp>
+        <p:nvSpPr>
+          <p:cNvPr id="2" name="标题 1"/>
+          <p:cNvSpPr>
+            <a:spLocks noGrp="1"/>
+          </p:cNvSpPr>
+          <p:nvPr>
+            <p:ph type="title"/>
+          </p:nvPr>
+        </p:nvSpPr>
+        <p:spPr>
+          <a:xfrm>
+            <a:off x="754225" y="281150"/>
+            <a:ext cx="10515600" cy="1325563"/>
+          </a:xfrm>
+        </p:spPr>
+        <p:txBody>
+          <a:bodyPr>
+            <a:normAutofit/>
+          </a:bodyPr>
+          <a:lstStyle/>
+          <a:p>
+            <a:r>
+              <a:rPr lang="zh-CN" altLang="en-US" sz="4000" dirty="0" smtClean="0"/>
+              <a:t>相似轨迹检索功能</a:t>
+            </a:r>
+            <a:endParaRPr lang="zh-CN" altLang="en-US" sz="4000" dirty="0"/>
+          </a:p>
+        </p:txBody>
+      </p:sp>
+      <p:pic>
+        <p:nvPicPr>
+          <p:cNvPr id="4" name="内容占位符 3"/>
+          <p:cNvPicPr>
+            <a:picLocks noGrp="1" noChangeAspect="1"/>
+          </p:cNvPicPr>
+          <p:nvPr>
+            <p:ph idx="1"/>
+          </p:nvPr>
+        </p:nvPicPr>
+        <p:blipFill>
+          <a:blip r:embed="rId2">
+            <a:extLst>
+              <a:ext uri="{28A0092B-C50C-407E-A947-70E740481C1C}">
+                <a14:useLocalDpi xmlns:a14="http://schemas.microsoft.com/office/drawing/2010/main" val="0"/>
+              </a:ext>
+            </a:extLst>
+          </a:blip>
+          <a:stretch>
+            <a:fillRect/>
+          </a:stretch>
+        </p:blipFill>
+        <p:spPr>
+          <a:xfrm>
+            <a:off x="499188" y="3978019"/>
+            <a:ext cx="4665306" cy="1867062"/>
+          </a:xfrm>
+        </p:spPr>
+      </p:pic>
+      <p:sp>
+        <p:nvSpPr>
+          <p:cNvPr id="5" name="文本框 4"/>
+          <p:cNvSpPr txBox="1"/>
+          <p:nvPr/>
+        </p:nvSpPr>
+        <p:spPr>
+          <a:xfrm>
+            <a:off x="172617" y="1510048"/>
+            <a:ext cx="4991877" cy="1938992"/>
+          </a:xfrm>
+          <a:prstGeom prst="rect">
+            <a:avLst/>
+          </a:prstGeom>
+          <a:noFill/>
+        </p:spPr>
+        <p:txBody>
+          <a:bodyPr wrap="square" rtlCol="0">
+            <a:spAutoFit/>
+          </a:bodyPr>
+          <a:lstStyle/>
+          <a:p>
+            <a:pPr>
+              <a:lnSpc>
+                <a:spcPct val="150000"/>
+              </a:lnSpc>
+            </a:pPr>
+            <a:r>
+              <a:rPr lang="en-US" altLang="zh-CN" sz="2000" dirty="0" smtClean="0"/>
+              <a:t>1.</a:t>
+            </a:r>
+            <a:r>
+              <a:rPr lang="zh-CN" altLang="en-US" sz="2000" dirty="0" smtClean="0"/>
+              <a:t>检索与目标轨迹最相似的</a:t>
+            </a:r>
+            <a:r>
+              <a:rPr lang="en-US" altLang="zh-CN" sz="2000" dirty="0" smtClean="0"/>
+              <a:t>K</a:t>
+            </a:r>
+            <a:r>
+              <a:rPr lang="zh-CN" altLang="en-US" sz="2000" dirty="0" smtClean="0"/>
+              <a:t>个其他轨迹</a:t>
+            </a:r>
+            <a:endParaRPr lang="en-US" altLang="zh-CN" sz="2000" dirty="0" smtClean="0"/>
+          </a:p>
+          <a:p>
+            <a:pPr>
+              <a:lnSpc>
+                <a:spcPct val="150000"/>
+              </a:lnSpc>
+            </a:pPr>
+            <a:r>
+              <a:rPr lang="en-US" altLang="zh-CN" sz="2000" dirty="0" smtClean="0"/>
+              <a:t>2.</a:t>
+            </a:r>
+            <a:r>
+              <a:rPr lang="zh-CN" altLang="en-US" sz="2000" dirty="0" smtClean="0"/>
+              <a:t>常规思路：</a:t>
+            </a:r>
+            <a:r>
+              <a:rPr lang="en-US" altLang="zh-CN" sz="2000" dirty="0" smtClean="0"/>
+              <a:t>size=k</a:t>
+            </a:r>
+            <a:r>
+              <a:rPr lang="zh-CN" altLang="en-US" sz="2000" dirty="0" smtClean="0"/>
+              <a:t>的最小堆</a:t>
+            </a:r>
+            <a:endParaRPr lang="en-US" altLang="zh-CN" sz="2000" dirty="0" smtClean="0"/>
+          </a:p>
+          <a:p>
+            <a:pPr>
+              <a:lnSpc>
+                <a:spcPct val="150000"/>
+              </a:lnSpc>
+            </a:pPr>
+            <a:r>
+              <a:rPr lang="en-US" altLang="zh-CN" sz="2000" dirty="0" smtClean="0"/>
+              <a:t>3.</a:t>
+            </a:r>
+            <a:r>
+              <a:rPr lang="zh-CN" altLang="en-US" sz="2000" dirty="0" smtClean="0"/>
+              <a:t>性能</a:t>
+            </a:r>
+            <a:r>
+              <a:rPr lang="zh-CN" altLang="en-US" sz="2000" dirty="0"/>
+              <a:t>问题：容忍</a:t>
+            </a:r>
+            <a:r>
+              <a:rPr lang="zh-CN" altLang="en-US" sz="2000" dirty="0" smtClean="0"/>
+              <a:t>距离从正无穷开始收敛，起始几个分支不能完成剪枝</a:t>
+            </a:r>
+            <a:endParaRPr lang="en-US" altLang="zh-CN" sz="2000" dirty="0" smtClean="0"/>
+          </a:p>
+        </p:txBody>
+      </p:sp>
+      <p:pic>
+        <p:nvPicPr>
+          <p:cNvPr id="7" name="图片 6"/>
+          <p:cNvPicPr>
+            <a:picLocks noChangeAspect="1"/>
+          </p:cNvPicPr>
+          <p:nvPr/>
+        </p:nvPicPr>
+        <p:blipFill>
+          <a:blip r:embed="rId3">
+            <a:extLst>
+              <a:ext uri="{28A0092B-C50C-407E-A947-70E740481C1C}">
+                <a14:useLocalDpi xmlns:a14="http://schemas.microsoft.com/office/drawing/2010/main" val="0"/>
+              </a:ext>
+            </a:extLst>
+          </a:blip>
+          <a:stretch>
+            <a:fillRect/>
+          </a:stretch>
+        </p:blipFill>
+        <p:spPr>
+          <a:xfrm>
+            <a:off x="5164494" y="1314241"/>
+            <a:ext cx="6979057" cy="3881535"/>
+          </a:xfrm>
+          <a:prstGeom prst="rect">
+            <a:avLst/>
+          </a:prstGeom>
+        </p:spPr>
+      </p:pic>
+      <p:sp>
+        <p:nvSpPr>
+          <p:cNvPr id="8" name="文本框 7"/>
+          <p:cNvSpPr txBox="1"/>
+          <p:nvPr/>
+        </p:nvSpPr>
+        <p:spPr>
+          <a:xfrm>
+            <a:off x="7035162" y="5460266"/>
+            <a:ext cx="2892490" cy="369332"/>
+          </a:xfrm>
+          <a:prstGeom prst="rect">
+            <a:avLst/>
+          </a:prstGeom>
+          <a:noFill/>
+        </p:spPr>
+        <p:txBody>
+          <a:bodyPr wrap="square" rtlCol="0">
+            <a:spAutoFit/>
+          </a:bodyPr>
+          <a:lstStyle/>
+          <a:p>
+            <a:r>
+              <a:rPr lang="zh-CN" altLang="en-US" dirty="0" smtClean="0"/>
+              <a:t>无法剪枝，</a:t>
+            </a:r>
+            <a:r>
+              <a:rPr lang="en-US" altLang="zh-CN" dirty="0" err="1" smtClean="0"/>
+              <a:t>s1-s3</a:t>
+            </a:r>
+            <a:r>
+              <a:rPr lang="zh-CN" altLang="en-US" dirty="0" smtClean="0"/>
+              <a:t>都要搜索</a:t>
+            </a:r>
+            <a:endParaRPr lang="zh-CN" altLang="en-US" dirty="0"/>
+          </a:p>
+        </p:txBody>
+      </p:sp>
+    </p:spTree>
+    <p:extLst>
+      <p:ext uri="{BB962C8B-B14F-4D97-AF65-F5344CB8AC3E}">
+        <p14:creationId xmlns:p14="http://schemas.microsoft.com/office/powerpoint/2010/main" val="1066742560"/>
+      </p:ext>
+    </p:extLst>
+  </p:cSld>
+  <p:clrMapOvr>
+    <a:masterClrMapping/>
+  </p:clrMapOvr>
+  <p:timing>
+    <p:tnLst>
+      <p:par>
+        <p:cTn id="1" dur="indefinite" restart="never" nodeType="tmRoot"/>
+      </p:par>
+    </p:tnLst>
+  </p:timing>
+</p:sld>
+</file>
+
+<file path=ppt/slides/slide15.xml><?xml version="1.0" encoding="utf-8"?>
+<p:sld xmlns:a="http://schemas.openxmlformats.org/drawingml/2006/main" xmlns:r="http://schemas.openxmlformats.org/officeDocument/2006/relationships" xmlns:p="http://schemas.openxmlformats.org/presentationml/2006/main">
+  <p:cSld>
+    <p:spTree>
+      <p:nvGrpSpPr>
+        <p:cNvPr id="1" name=""/>
+        <p:cNvGrpSpPr/>
+        <p:nvPr/>
+      </p:nvGrpSpPr>
+      <p:grpSpPr>
+        <a:xfrm>
+          <a:off x="0" y="0"/>
+          <a:ext cx="0" cy="0"/>
+          <a:chOff x="0" y="0"/>
+          <a:chExt cx="0" cy="0"/>
+        </a:xfrm>
+      </p:grpSpPr>
+      <p:sp>
+        <p:nvSpPr>
+          <p:cNvPr id="2" name="标题 1"/>
+          <p:cNvSpPr>
+            <a:spLocks noGrp="1"/>
+          </p:cNvSpPr>
+          <p:nvPr>
+            <p:ph type="title"/>
+          </p:nvPr>
+        </p:nvSpPr>
+        <p:spPr>
+          <a:xfrm>
+            <a:off x="670248" y="206505"/>
+            <a:ext cx="11179629" cy="1325563"/>
+          </a:xfrm>
+        </p:spPr>
+        <p:txBody>
+          <a:bodyPr/>
+          <a:lstStyle/>
+          <a:p>
+            <a:r>
+              <a:rPr lang="zh-CN" altLang="en-US" dirty="0" smtClean="0"/>
+              <a:t>定位最相似</a:t>
+            </a:r>
+            <a:r>
+              <a:rPr lang="en-US" altLang="zh-CN" dirty="0" smtClean="0"/>
+              <a:t>+</a:t>
+            </a:r>
+            <a:r>
+              <a:rPr lang="zh-CN" altLang="en-US" dirty="0" smtClean="0"/>
+              <a:t>预填结果堆</a:t>
+            </a:r>
+            <a:r>
+              <a:rPr lang="en-US" altLang="zh-CN" dirty="0" smtClean="0"/>
+              <a:t>+</a:t>
+            </a:r>
+            <a:r>
+              <a:rPr lang="zh-CN" altLang="en-US" dirty="0" smtClean="0"/>
+              <a:t>回溯更新</a:t>
+            </a:r>
+            <a:endParaRPr lang="zh-CN" altLang="en-US" dirty="0"/>
+          </a:p>
+        </p:txBody>
+      </p:sp>
+      <p:sp>
+        <p:nvSpPr>
+          <p:cNvPr id="4" name="文本框 3"/>
+          <p:cNvSpPr txBox="1"/>
+          <p:nvPr/>
+        </p:nvSpPr>
+        <p:spPr>
+          <a:xfrm>
+            <a:off x="101082" y="1461408"/>
+            <a:ext cx="4498910" cy="4662815"/>
+          </a:xfrm>
+          <a:prstGeom prst="rect">
+            <a:avLst/>
+          </a:prstGeom>
+          <a:noFill/>
+        </p:spPr>
+        <p:txBody>
+          <a:bodyPr wrap="square" rtlCol="0">
+            <a:spAutoFit/>
+          </a:bodyPr>
+          <a:lstStyle/>
+          <a:p>
+            <a:pPr>
+              <a:lnSpc>
+                <a:spcPct val="150000"/>
+              </a:lnSpc>
+            </a:pPr>
+            <a:r>
+              <a:rPr lang="en-US" altLang="zh-CN" dirty="0" smtClean="0"/>
+              <a:t>1.</a:t>
+            </a:r>
+            <a:r>
+              <a:rPr lang="zh-CN" altLang="en-US" dirty="0" smtClean="0"/>
+              <a:t>定位最相似轨迹，保存为路径</a:t>
+            </a:r>
+            <a:r>
+              <a:rPr lang="en-US" altLang="zh-CN" dirty="0" smtClean="0"/>
+              <a:t>T</a:t>
+            </a:r>
+            <a:r>
+              <a:rPr lang="zh-CN" altLang="en-US" dirty="0" smtClean="0"/>
+              <a:t>。</a:t>
+            </a:r>
+            <a:endParaRPr lang="en-US" altLang="zh-CN" dirty="0" smtClean="0"/>
+          </a:p>
+          <a:p>
+            <a:pPr>
+              <a:lnSpc>
+                <a:spcPct val="150000"/>
+              </a:lnSpc>
+            </a:pPr>
+            <a:r>
+              <a:rPr lang="en-US" altLang="zh-CN" dirty="0" smtClean="0"/>
+              <a:t>2.</a:t>
+            </a:r>
+            <a:r>
+              <a:rPr lang="zh-CN" altLang="en-US" dirty="0" smtClean="0"/>
+              <a:t>尝试使用路径</a:t>
+            </a:r>
+            <a:r>
+              <a:rPr lang="en-US" altLang="zh-CN" dirty="0" smtClean="0"/>
+              <a:t>T</a:t>
+            </a:r>
+            <a:r>
+              <a:rPr lang="zh-CN" altLang="en-US" dirty="0" smtClean="0"/>
+              <a:t>的终端节点预填结果堆。</a:t>
+            </a:r>
+            <a:endParaRPr lang="en-US" altLang="zh-CN" dirty="0" smtClean="0"/>
+          </a:p>
+          <a:p>
+            <a:pPr>
+              <a:lnSpc>
+                <a:spcPct val="150000"/>
+              </a:lnSpc>
+            </a:pPr>
+            <a:r>
+              <a:rPr lang="en-US" altLang="zh-CN" dirty="0" smtClean="0"/>
+              <a:t>3.</a:t>
+            </a:r>
+            <a:r>
+              <a:rPr lang="zh-CN" altLang="en-US" dirty="0" smtClean="0"/>
+              <a:t>假设最相似的</a:t>
+            </a:r>
+            <a:r>
+              <a:rPr lang="en-US" altLang="zh-CN" dirty="0" smtClean="0"/>
+              <a:t>K</a:t>
+            </a:r>
+            <a:r>
+              <a:rPr lang="zh-CN" altLang="en-US" dirty="0" smtClean="0"/>
+              <a:t>个轨迹在路径</a:t>
+            </a:r>
+            <a:r>
+              <a:rPr lang="en-US" altLang="zh-CN" dirty="0" smtClean="0"/>
+              <a:t>T</a:t>
+            </a:r>
+            <a:r>
+              <a:rPr lang="zh-CN" altLang="en-US" dirty="0" smtClean="0"/>
+              <a:t>中（误差）</a:t>
+            </a:r>
+            <a:endParaRPr lang="en-US" altLang="zh-CN" dirty="0" smtClean="0"/>
+          </a:p>
+          <a:p>
+            <a:pPr>
+              <a:lnSpc>
+                <a:spcPct val="150000"/>
+              </a:lnSpc>
+            </a:pPr>
+            <a:r>
+              <a:rPr lang="en-US" altLang="zh-CN" dirty="0" smtClean="0"/>
+              <a:t>4.</a:t>
+            </a:r>
+            <a:r>
+              <a:rPr lang="zh-CN" altLang="en-US" dirty="0" smtClean="0"/>
+              <a:t>回溯路径</a:t>
+            </a:r>
+            <a:r>
+              <a:rPr lang="en-US" altLang="zh-CN" dirty="0" smtClean="0"/>
+              <a:t>T</a:t>
+            </a:r>
+            <a:r>
+              <a:rPr lang="zh-CN" altLang="en-US" dirty="0" smtClean="0"/>
+              <a:t>，以结果堆最大距离做检索。</a:t>
+            </a:r>
+            <a:endParaRPr lang="en-US" altLang="zh-CN" dirty="0"/>
+          </a:p>
+          <a:p>
+            <a:pPr>
+              <a:lnSpc>
+                <a:spcPct val="150000"/>
+              </a:lnSpc>
+            </a:pPr>
+            <a:r>
+              <a:rPr lang="en-US" altLang="zh-CN" dirty="0" smtClean="0"/>
+              <a:t>5.</a:t>
+            </a:r>
+            <a:r>
+              <a:rPr lang="zh-CN" altLang="en-US" dirty="0"/>
+              <a:t>容忍距离从</a:t>
+            </a:r>
+            <a:r>
+              <a:rPr lang="en-US" altLang="zh-CN" dirty="0" err="1"/>
+              <a:t>Gd</a:t>
+            </a:r>
+            <a:r>
+              <a:rPr lang="zh-CN" altLang="en-US" dirty="0"/>
+              <a:t>的距离开始收敛，因为</a:t>
+            </a:r>
+            <a:r>
+              <a:rPr lang="en-US" altLang="zh-CN" dirty="0" err="1"/>
+              <a:t>Gd</a:t>
+            </a:r>
+            <a:r>
+              <a:rPr lang="zh-CN" altLang="en-US" dirty="0"/>
+              <a:t>为当前最大</a:t>
+            </a:r>
+            <a:r>
+              <a:rPr lang="zh-CN" altLang="en-US" dirty="0" smtClean="0"/>
+              <a:t>距离。起点更低，起始阶段剪枝成功率高</a:t>
+            </a:r>
+            <a:endParaRPr lang="zh-CN" altLang="en-US" dirty="0"/>
+          </a:p>
+          <a:p>
+            <a:pPr>
+              <a:lnSpc>
+                <a:spcPct val="150000"/>
+              </a:lnSpc>
+            </a:pPr>
+            <a:r>
+              <a:rPr lang="en-US" altLang="zh-CN" dirty="0" smtClean="0"/>
+              <a:t>7.</a:t>
+            </a:r>
+            <a:r>
+              <a:rPr lang="zh-CN" altLang="en-US" dirty="0" smtClean="0"/>
+              <a:t>使用</a:t>
+            </a:r>
+            <a:r>
+              <a:rPr lang="en-US" altLang="zh-CN" dirty="0" err="1" smtClean="0"/>
+              <a:t>Bitset</a:t>
+            </a:r>
+            <a:r>
+              <a:rPr lang="en-US" altLang="zh-CN" dirty="0" smtClean="0"/>
+              <a:t>-Stack</a:t>
+            </a:r>
+            <a:r>
+              <a:rPr lang="zh-CN" altLang="en-US" dirty="0"/>
+              <a:t>保存</a:t>
+            </a:r>
+            <a:r>
+              <a:rPr lang="zh-CN" altLang="en-US" dirty="0" smtClean="0"/>
+              <a:t>分支访问记录</a:t>
+            </a:r>
+            <a:endParaRPr lang="en-US" altLang="zh-CN" dirty="0" smtClean="0"/>
+          </a:p>
+          <a:p>
+            <a:pPr>
+              <a:lnSpc>
+                <a:spcPct val="150000"/>
+              </a:lnSpc>
+            </a:pPr>
+            <a:r>
+              <a:rPr lang="en-US" altLang="zh-CN" dirty="0" smtClean="0"/>
+              <a:t>8.</a:t>
+            </a:r>
+            <a:r>
+              <a:rPr lang="zh-CN" altLang="en-US" dirty="0" smtClean="0"/>
+              <a:t>受</a:t>
+            </a:r>
+            <a:r>
+              <a:rPr lang="en-US" altLang="zh-CN" dirty="0" smtClean="0"/>
+              <a:t>M-Tree search </a:t>
+            </a:r>
+            <a:r>
+              <a:rPr lang="zh-CN" altLang="en-US" dirty="0" smtClean="0"/>
+              <a:t>启发</a:t>
+            </a:r>
+            <a:endParaRPr lang="en-US" altLang="zh-CN" dirty="0" smtClean="0"/>
+          </a:p>
+          <a:p>
+            <a:pPr>
+              <a:lnSpc>
+                <a:spcPct val="150000"/>
+              </a:lnSpc>
+            </a:pPr>
+            <a:r>
+              <a:rPr lang="en-US" altLang="zh-CN" dirty="0" smtClean="0"/>
+              <a:t>9.</a:t>
+            </a:r>
+            <a:r>
+              <a:rPr lang="zh-CN" altLang="en-US" dirty="0" smtClean="0"/>
+              <a:t>裸最小堆的深度遍历停止条件为完全超出区间。</a:t>
+            </a:r>
+            <a:endParaRPr lang="en-US" altLang="zh-CN" dirty="0" smtClean="0"/>
+          </a:p>
+        </p:txBody>
+      </p:sp>
+      <p:pic>
+        <p:nvPicPr>
+          <p:cNvPr id="9" name="图片 8"/>
+          <p:cNvPicPr>
+            <a:picLocks noChangeAspect="1"/>
+          </p:cNvPicPr>
+          <p:nvPr/>
+        </p:nvPicPr>
+        <p:blipFill>
+          <a:blip r:embed="rId2">
+            <a:extLst>
+              <a:ext uri="{28A0092B-C50C-407E-A947-70E740481C1C}">
+                <a14:useLocalDpi xmlns:a14="http://schemas.microsoft.com/office/drawing/2010/main" val="0"/>
+              </a:ext>
+            </a:extLst>
+          </a:blip>
+          <a:stretch>
+            <a:fillRect/>
+          </a:stretch>
+        </p:blipFill>
+        <p:spPr>
+          <a:xfrm>
+            <a:off x="4532725" y="1461408"/>
+            <a:ext cx="7384420" cy="2591025"/>
+          </a:xfrm>
+          <a:prstGeom prst="rect">
+            <a:avLst/>
+          </a:prstGeom>
+        </p:spPr>
+      </p:pic>
+      <p:pic>
+        <p:nvPicPr>
+          <p:cNvPr id="11" name="图片 10"/>
+          <p:cNvPicPr>
+            <a:picLocks noChangeAspect="1"/>
+          </p:cNvPicPr>
+          <p:nvPr/>
+        </p:nvPicPr>
+        <p:blipFill>
+          <a:blip r:embed="rId3">
+            <a:extLst>
+              <a:ext uri="{28A0092B-C50C-407E-A947-70E740481C1C}">
+                <a14:useLocalDpi xmlns:a14="http://schemas.microsoft.com/office/drawing/2010/main" val="0"/>
+              </a:ext>
+            </a:extLst>
+          </a:blip>
+          <a:stretch>
+            <a:fillRect/>
+          </a:stretch>
+        </p:blipFill>
+        <p:spPr>
+          <a:xfrm>
+            <a:off x="4991197" y="4052433"/>
+            <a:ext cx="6744284" cy="2674852"/>
+          </a:xfrm>
+          <a:prstGeom prst="rect">
+            <a:avLst/>
+          </a:prstGeom>
+        </p:spPr>
+      </p:pic>
+      <p:sp>
+        <p:nvSpPr>
+          <p:cNvPr id="13" name="文本框 12"/>
+          <p:cNvSpPr txBox="1"/>
+          <p:nvPr/>
+        </p:nvSpPr>
+        <p:spPr>
+          <a:xfrm>
+            <a:off x="8721012" y="4189530"/>
+            <a:ext cx="3405674" cy="1200329"/>
+          </a:xfrm>
+          <a:prstGeom prst="rect">
+            <a:avLst/>
+          </a:prstGeom>
+          <a:noFill/>
+        </p:spPr>
+        <p:txBody>
+          <a:bodyPr wrap="square" rtlCol="0">
+            <a:spAutoFit/>
+          </a:bodyPr>
+          <a:lstStyle/>
+          <a:p>
+            <a:r>
+              <a:rPr lang="zh-CN" altLang="en-US" dirty="0" smtClean="0"/>
+              <a:t>无论哪种方式，检索最开始都不能剪枝，但</a:t>
+            </a:r>
+            <a:r>
+              <a:rPr lang="en-US" altLang="zh-CN" dirty="0" err="1" smtClean="0"/>
+              <a:t>nn</a:t>
+            </a:r>
+            <a:r>
+              <a:rPr lang="zh-CN" altLang="en-US" dirty="0" smtClean="0"/>
+              <a:t>搜索会立刻进入有限值，而不是在无限值停留一段时间</a:t>
+            </a:r>
+            <a:endParaRPr lang="zh-CN" altLang="en-US" dirty="0"/>
+          </a:p>
+        </p:txBody>
+      </p:sp>
+    </p:spTree>
+    <p:extLst>
+      <p:ext uri="{BB962C8B-B14F-4D97-AF65-F5344CB8AC3E}">
+        <p14:creationId xmlns:p14="http://schemas.microsoft.com/office/powerpoint/2010/main" val="2901083209"/>
+      </p:ext>
+    </p:extLst>
+  </p:cSld>
+  <p:clrMapOvr>
+    <a:masterClrMapping/>
+  </p:clrMapOvr>
+  <p:timing>
+    <p:tnLst>
+      <p:par>
+        <p:cTn id="1" dur="indefinite" restart="never" nodeType="tmRoot"/>
+      </p:par>
+    </p:tnLst>
+  </p:timing>
+</p:sld>
+</file>
+
+<file path=ppt/slides/slide16.xml><?xml version="1.0" encoding="utf-8"?>
+<p:sld xmlns:a="http://schemas.openxmlformats.org/drawingml/2006/main" xmlns:r="http://schemas.openxmlformats.org/officeDocument/2006/relationships" xmlns:p="http://schemas.openxmlformats.org/presentationml/2006/main">
+  <p:cSld>
+    <p:spTree>
+      <p:nvGrpSpPr>
+        <p:cNvPr id="1" name=""/>
+        <p:cNvGrpSpPr/>
+        <p:nvPr/>
+      </p:nvGrpSpPr>
+      <p:grpSpPr>
+        <a:xfrm>
+          <a:off x="0" y="0"/>
+          <a:ext cx="0" cy="0"/>
+          <a:chOff x="0" y="0"/>
+          <a:chExt cx="0" cy="0"/>
+        </a:xfrm>
+      </p:grpSpPr>
+      <p:sp>
+        <p:nvSpPr>
+          <p:cNvPr id="2" name="标题 1"/>
+          <p:cNvSpPr>
+            <a:spLocks noGrp="1"/>
+          </p:cNvSpPr>
+          <p:nvPr>
+            <p:ph type="title"/>
+          </p:nvPr>
+        </p:nvSpPr>
+        <p:spPr>
+          <a:xfrm>
+            <a:off x="735563" y="169182"/>
+            <a:ext cx="10515600" cy="1325563"/>
+          </a:xfrm>
+        </p:spPr>
+        <p:txBody>
+          <a:bodyPr/>
+          <a:lstStyle/>
+          <a:p>
+            <a:r>
+              <a:rPr lang="zh-CN" altLang="en-US" dirty="0" smtClean="0"/>
+              <a:t>相似轨迹检索流程图</a:t>
+            </a:r>
+            <a:endParaRPr lang="zh-CN" altLang="en-US" dirty="0"/>
+          </a:p>
+        </p:txBody>
+      </p:sp>
+      <p:pic>
+        <p:nvPicPr>
+          <p:cNvPr id="4" name="内容占位符 3"/>
+          <p:cNvPicPr>
+            <a:picLocks noGrp="1" noChangeAspect="1"/>
+          </p:cNvPicPr>
+          <p:nvPr>
+            <p:ph idx="1"/>
+          </p:nvPr>
+        </p:nvPicPr>
+        <p:blipFill>
+          <a:blip r:embed="rId2">
+            <a:extLst>
+              <a:ext uri="{28A0092B-C50C-407E-A947-70E740481C1C}">
+                <a14:useLocalDpi xmlns:a14="http://schemas.microsoft.com/office/drawing/2010/main" val="0"/>
+              </a:ext>
+            </a:extLst>
+          </a:blip>
+          <a:stretch>
+            <a:fillRect/>
+          </a:stretch>
+        </p:blipFill>
+        <p:spPr>
+          <a:xfrm>
+            <a:off x="2864497" y="1250302"/>
+            <a:ext cx="7212563" cy="5467739"/>
+          </a:xfrm>
+        </p:spPr>
+      </p:pic>
+      <p:sp>
+        <p:nvSpPr>
+          <p:cNvPr id="7" name="文本框 6"/>
+          <p:cNvSpPr txBox="1"/>
+          <p:nvPr/>
+        </p:nvSpPr>
+        <p:spPr>
+          <a:xfrm>
+            <a:off x="643812" y="1670180"/>
+            <a:ext cx="3293706" cy="1200329"/>
+          </a:xfrm>
+          <a:prstGeom prst="rect">
+            <a:avLst/>
+          </a:prstGeom>
+          <a:noFill/>
+        </p:spPr>
+        <p:txBody>
+          <a:bodyPr wrap="square" rtlCol="0">
+            <a:spAutoFit/>
+          </a:bodyPr>
+          <a:lstStyle/>
+          <a:p>
+            <a:r>
+              <a:rPr lang="zh-CN" altLang="en-US" dirty="0"/>
+              <a:t>三</a:t>
+            </a:r>
+            <a:r>
+              <a:rPr lang="zh-CN" altLang="en-US" dirty="0" smtClean="0"/>
+              <a:t>个主要子流程</a:t>
+            </a:r>
+            <a:endParaRPr lang="en-US" altLang="zh-CN" dirty="0" smtClean="0"/>
+          </a:p>
+          <a:p>
+            <a:endParaRPr lang="en-US" altLang="zh-CN" dirty="0"/>
+          </a:p>
+          <a:p>
+            <a:endParaRPr lang="en-US" altLang="zh-CN" dirty="0" smtClean="0"/>
+          </a:p>
+          <a:p>
+            <a:endParaRPr lang="zh-CN" altLang="en-US" dirty="0"/>
+          </a:p>
+        </p:txBody>
+      </p:sp>
+    </p:spTree>
+    <p:extLst>
+      <p:ext uri="{BB962C8B-B14F-4D97-AF65-F5344CB8AC3E}">
+        <p14:creationId xmlns:p14="http://schemas.microsoft.com/office/powerpoint/2010/main" val="2409005728"/>
+      </p:ext>
+    </p:extLst>
+  </p:cSld>
+  <p:clrMapOvr>
+    <a:masterClrMapping/>
+  </p:clrMapOvr>
+</p:sld>
+</file>
+
+<file path=ppt/slides/slide17.xml><?xml version="1.0" encoding="utf-8"?>
+<p:sld xmlns:a="http://schemas.openxmlformats.org/drawingml/2006/main" xmlns:r="http://schemas.openxmlformats.org/officeDocument/2006/relationships" xmlns:p="http://schemas.openxmlformats.org/presentationml/2006/main">
+  <p:cSld>
+    <p:spTree>
+      <p:nvGrpSpPr>
+        <p:cNvPr id="1" name=""/>
+        <p:cNvGrpSpPr/>
+        <p:nvPr/>
+      </p:nvGrpSpPr>
+      <p:grpSpPr>
+        <a:xfrm>
+          <a:off x="0" y="0"/>
+          <a:ext cx="0" cy="0"/>
+          <a:chOff x="0" y="0"/>
+          <a:chExt cx="0" cy="0"/>
+        </a:xfrm>
+      </p:grpSpPr>
+      <p:sp>
+        <p:nvSpPr>
+          <p:cNvPr id="2" name="标题 1"/>
+          <p:cNvSpPr>
+            <a:spLocks noGrp="1"/>
+          </p:cNvSpPr>
+          <p:nvPr>
+            <p:ph type="title"/>
+          </p:nvPr>
+        </p:nvSpPr>
+        <p:spPr>
+          <a:xfrm>
+            <a:off x="838200" y="85206"/>
+            <a:ext cx="10515600" cy="1325563"/>
+          </a:xfrm>
+        </p:spPr>
+        <p:txBody>
+          <a:bodyPr/>
+          <a:lstStyle/>
+          <a:p>
+            <a:r>
+              <a:rPr lang="zh-CN" altLang="en-US" dirty="0" smtClean="0"/>
+              <a:t>插入新轨迹功能</a:t>
+            </a:r>
+            <a:endParaRPr lang="zh-CN" altLang="en-US" dirty="0"/>
+          </a:p>
+        </p:txBody>
+      </p:sp>
+      <p:sp>
+        <p:nvSpPr>
+          <p:cNvPr id="4" name="文本框 3"/>
+          <p:cNvSpPr txBox="1"/>
+          <p:nvPr/>
+        </p:nvSpPr>
+        <p:spPr>
+          <a:xfrm>
+            <a:off x="755781" y="1434020"/>
+            <a:ext cx="3554963" cy="2585323"/>
+          </a:xfrm>
+          <a:prstGeom prst="rect">
+            <a:avLst/>
+          </a:prstGeom>
+          <a:noFill/>
+        </p:spPr>
+        <p:txBody>
+          <a:bodyPr wrap="square" rtlCol="0">
+            <a:spAutoFit/>
+          </a:bodyPr>
+          <a:lstStyle/>
+          <a:p>
+            <a:r>
+              <a:rPr lang="en-US" altLang="zh-CN" dirty="0" smtClean="0"/>
+              <a:t>1.</a:t>
+            </a:r>
+            <a:r>
+              <a:rPr lang="zh-CN" altLang="en-US" dirty="0" smtClean="0"/>
+              <a:t>现有算法都是针对最简单</a:t>
+            </a:r>
+            <a:r>
+              <a:rPr lang="en-US" altLang="zh-CN" dirty="0" smtClean="0"/>
+              <a:t>2-way </a:t>
+            </a:r>
+            <a:r>
+              <a:rPr lang="en-US" altLang="zh-CN" dirty="0" err="1" smtClean="0"/>
+              <a:t>vp</a:t>
+            </a:r>
+            <a:r>
+              <a:rPr lang="en-US" altLang="zh-CN" dirty="0" smtClean="0"/>
+              <a:t>-tree,</a:t>
+            </a:r>
+            <a:r>
+              <a:rPr lang="zh-CN" altLang="en-US" dirty="0" smtClean="0"/>
+              <a:t>不能适用于</a:t>
+            </a:r>
+            <a:r>
+              <a:rPr lang="en-US" altLang="zh-CN" dirty="0" smtClean="0"/>
+              <a:t>n-way</a:t>
+            </a:r>
+          </a:p>
+          <a:p>
+            <a:endParaRPr lang="en-US" altLang="zh-CN" dirty="0"/>
+          </a:p>
+          <a:p>
+            <a:r>
+              <a:rPr lang="en-US" altLang="zh-CN" dirty="0" smtClean="0"/>
+              <a:t>2.</a:t>
+            </a:r>
+            <a:r>
+              <a:rPr lang="zh-CN" altLang="en-US" dirty="0" smtClean="0"/>
+              <a:t>独立的</a:t>
+            </a:r>
+            <a:r>
+              <a:rPr lang="en-US" altLang="zh-CN" dirty="0" smtClean="0"/>
+              <a:t>n-way </a:t>
+            </a:r>
+            <a:r>
+              <a:rPr lang="en-US" altLang="zh-CN" dirty="0" err="1" smtClean="0"/>
+              <a:t>vp</a:t>
+            </a:r>
+            <a:r>
+              <a:rPr lang="en-US" altLang="zh-CN" dirty="0" smtClean="0"/>
+              <a:t>-tree</a:t>
+            </a:r>
+            <a:r>
+              <a:rPr lang="zh-CN" altLang="en-US" dirty="0" smtClean="0"/>
+              <a:t>的插入算法</a:t>
+            </a:r>
+            <a:endParaRPr lang="en-US" altLang="zh-CN" dirty="0" smtClean="0"/>
+          </a:p>
+          <a:p>
+            <a:endParaRPr lang="en-US" altLang="zh-CN" dirty="0"/>
+          </a:p>
+          <a:p>
+            <a:r>
+              <a:rPr lang="en-US" altLang="zh-CN" dirty="0" smtClean="0"/>
+              <a:t>3.</a:t>
+            </a:r>
+            <a:r>
+              <a:rPr lang="zh-CN" altLang="en-US" dirty="0" smtClean="0"/>
+              <a:t>插入基于</a:t>
+            </a:r>
+            <a:r>
+              <a:rPr lang="en-US" altLang="zh-CN" dirty="0" err="1" smtClean="0"/>
+              <a:t>vp</a:t>
+            </a:r>
+            <a:r>
+              <a:rPr lang="en-US" altLang="zh-CN" dirty="0" smtClean="0"/>
+              <a:t> point</a:t>
+            </a:r>
+            <a:r>
+              <a:rPr lang="zh-CN" altLang="en-US" dirty="0" smtClean="0"/>
+              <a:t>偏序，不是全序，有别于</a:t>
+            </a:r>
+            <a:r>
+              <a:rPr lang="en-US" altLang="zh-CN" dirty="0" smtClean="0"/>
+              <a:t>B-tree</a:t>
+            </a:r>
+            <a:r>
+              <a:rPr lang="zh-CN" altLang="en-US" dirty="0" smtClean="0"/>
+              <a:t>的插入。</a:t>
+            </a:r>
+            <a:endParaRPr lang="en-US" altLang="zh-CN" dirty="0" smtClean="0"/>
+          </a:p>
+          <a:p>
+            <a:endParaRPr lang="en-US" altLang="zh-CN" dirty="0"/>
+          </a:p>
+          <a:p>
+            <a:r>
+              <a:rPr lang="en-US" altLang="zh-CN" dirty="0" smtClean="0"/>
+              <a:t>4.</a:t>
+            </a:r>
+            <a:r>
+              <a:rPr lang="zh-CN" altLang="en-US" dirty="0" smtClean="0"/>
+              <a:t>尽量避免距离计算。</a:t>
+            </a:r>
+            <a:endParaRPr lang="en-US" altLang="zh-CN" dirty="0" smtClean="0"/>
+          </a:p>
+        </p:txBody>
+      </p:sp>
+      <p:pic>
+        <p:nvPicPr>
+          <p:cNvPr id="5" name="图片 4"/>
+          <p:cNvPicPr>
+            <a:picLocks noChangeAspect="1"/>
+          </p:cNvPicPr>
+          <p:nvPr/>
+        </p:nvPicPr>
+        <p:blipFill>
+          <a:blip r:embed="rId2">
+            <a:extLst>
+              <a:ext uri="{28A0092B-C50C-407E-A947-70E740481C1C}">
+                <a14:useLocalDpi xmlns:a14="http://schemas.microsoft.com/office/drawing/2010/main" val="0"/>
+              </a:ext>
+            </a:extLst>
+          </a:blip>
+          <a:stretch>
+            <a:fillRect/>
+          </a:stretch>
+        </p:blipFill>
+        <p:spPr>
+          <a:xfrm>
+            <a:off x="5128274" y="461969"/>
+            <a:ext cx="6843353" cy="1341236"/>
+          </a:xfrm>
+          <a:prstGeom prst="rect">
+            <a:avLst/>
+          </a:prstGeom>
+        </p:spPr>
+      </p:pic>
+      <p:sp>
+        <p:nvSpPr>
+          <p:cNvPr id="6" name="文本框 5"/>
+          <p:cNvSpPr txBox="1"/>
+          <p:nvPr/>
+        </p:nvSpPr>
+        <p:spPr>
+          <a:xfrm>
+            <a:off x="8033657" y="1869951"/>
+            <a:ext cx="2295331" cy="369332"/>
+          </a:xfrm>
+          <a:prstGeom prst="rect">
+            <a:avLst/>
+          </a:prstGeom>
+          <a:noFill/>
+        </p:spPr>
+        <p:txBody>
+          <a:bodyPr wrap="square" rtlCol="0">
+            <a:spAutoFit/>
+          </a:bodyPr>
+          <a:lstStyle/>
+          <a:p>
+            <a:r>
+              <a:rPr lang="zh-CN" altLang="en-US" dirty="0" smtClean="0"/>
+              <a:t>直接插入</a:t>
+            </a:r>
+            <a:endParaRPr lang="zh-CN" altLang="en-US" dirty="0"/>
+          </a:p>
+        </p:txBody>
+      </p:sp>
+      <p:pic>
+        <p:nvPicPr>
+          <p:cNvPr id="7" name="图片 6"/>
+          <p:cNvPicPr>
+            <a:picLocks noChangeAspect="1"/>
+          </p:cNvPicPr>
+          <p:nvPr/>
+        </p:nvPicPr>
+        <p:blipFill>
+          <a:blip r:embed="rId3">
+            <a:extLst>
+              <a:ext uri="{28A0092B-C50C-407E-A947-70E740481C1C}">
+                <a14:useLocalDpi xmlns:a14="http://schemas.microsoft.com/office/drawing/2010/main" val="0"/>
+              </a:ext>
+            </a:extLst>
+          </a:blip>
+          <a:stretch>
+            <a:fillRect/>
+          </a:stretch>
+        </p:blipFill>
+        <p:spPr>
+          <a:xfrm>
+            <a:off x="5287682" y="2401341"/>
+            <a:ext cx="6904318" cy="2027096"/>
+          </a:xfrm>
+          <a:prstGeom prst="rect">
+            <a:avLst/>
+          </a:prstGeom>
+        </p:spPr>
+      </p:pic>
+      <p:sp>
+        <p:nvSpPr>
+          <p:cNvPr id="9" name="文本框 8"/>
+          <p:cNvSpPr txBox="1"/>
+          <p:nvPr/>
+        </p:nvSpPr>
+        <p:spPr>
+          <a:xfrm>
+            <a:off x="7330917" y="4405829"/>
+            <a:ext cx="3511253" cy="369332"/>
+          </a:xfrm>
+          <a:prstGeom prst="rect">
+            <a:avLst/>
+          </a:prstGeom>
+          <a:noFill/>
+        </p:spPr>
+        <p:txBody>
+          <a:bodyPr wrap="square" rtlCol="0">
+            <a:spAutoFit/>
+          </a:bodyPr>
+          <a:lstStyle/>
+          <a:p>
+            <a:r>
+              <a:rPr lang="zh-CN" altLang="en-US" dirty="0" smtClean="0"/>
+              <a:t>一级非叶节点分支不满，分裂</a:t>
+            </a:r>
+            <a:endParaRPr lang="zh-CN" altLang="en-US" dirty="0"/>
+          </a:p>
+        </p:txBody>
+      </p:sp>
+      <p:sp>
+        <p:nvSpPr>
+          <p:cNvPr id="10" name="文本框 9"/>
+          <p:cNvSpPr txBox="1"/>
+          <p:nvPr/>
+        </p:nvSpPr>
+        <p:spPr>
+          <a:xfrm>
+            <a:off x="6867331" y="4775161"/>
+            <a:ext cx="4124131" cy="646331"/>
+          </a:xfrm>
+          <a:prstGeom prst="rect">
+            <a:avLst/>
+          </a:prstGeom>
+          <a:noFill/>
+        </p:spPr>
+        <p:txBody>
+          <a:bodyPr wrap="square" rtlCol="0">
+            <a:spAutoFit/>
+          </a:bodyPr>
+          <a:lstStyle/>
+          <a:p>
+            <a:r>
+              <a:rPr lang="zh-CN" altLang="en-US" dirty="0" smtClean="0"/>
+              <a:t>注意：如果要分裂最左侧叶节点，同样要依次挪动后面每一棵子树的元数据</a:t>
+            </a:r>
+            <a:endParaRPr lang="zh-CN" altLang="en-US" dirty="0"/>
+          </a:p>
+        </p:txBody>
+      </p:sp>
+    </p:spTree>
+    <p:extLst>
+      <p:ext uri="{BB962C8B-B14F-4D97-AF65-F5344CB8AC3E}">
+        <p14:creationId xmlns:p14="http://schemas.microsoft.com/office/powerpoint/2010/main" val="47284913"/>
+      </p:ext>
+    </p:extLst>
+  </p:cSld>
+  <p:clrMapOvr>
+    <a:masterClrMapping/>
+  </p:clrMapOvr>
+  <p:timing>
+    <p:tnLst>
+      <p:par>
+        <p:cTn id="1" dur="indefinite" restart="never" nodeType="tmRoot"/>
+      </p:par>
+    </p:tnLst>
+  </p:timing>
+</p:sld>
+</file>
+
+<file path=ppt/slides/slide18.xml><?xml version="1.0" encoding="utf-8"?>
+<p:sld xmlns:a="http://schemas.openxmlformats.org/drawingml/2006/main" xmlns:r="http://schemas.openxmlformats.org/officeDocument/2006/relationships" xmlns:p="http://schemas.openxmlformats.org/presentationml/2006/main">
+  <p:cSld>
+    <p:spTree>
+      <p:nvGrpSpPr>
+        <p:cNvPr id="1" name=""/>
+        <p:cNvGrpSpPr/>
+        <p:nvPr/>
+      </p:nvGrpSpPr>
+      <p:grpSpPr>
+        <a:xfrm>
+          <a:off x="0" y="0"/>
+          <a:ext cx="0" cy="0"/>
+          <a:chOff x="0" y="0"/>
+          <a:chExt cx="0" cy="0"/>
+        </a:xfrm>
+      </p:grpSpPr>
+      <p:sp>
+        <p:nvSpPr>
+          <p:cNvPr id="9" name="文本框 8"/>
+          <p:cNvSpPr txBox="1"/>
+          <p:nvPr/>
+        </p:nvSpPr>
+        <p:spPr>
+          <a:xfrm>
+            <a:off x="7243664" y="494269"/>
+            <a:ext cx="6745402" cy="1200329"/>
+          </a:xfrm>
+          <a:prstGeom prst="rect">
+            <a:avLst/>
+          </a:prstGeom>
+          <a:noFill/>
+        </p:spPr>
+        <p:txBody>
+          <a:bodyPr wrap="square" rtlCol="0">
+            <a:spAutoFit/>
+          </a:bodyPr>
+          <a:lstStyle/>
+          <a:p>
+            <a:r>
+              <a:rPr lang="zh-CN" altLang="en-US" dirty="0" smtClean="0"/>
+              <a:t>一级非叶节点分支已经满了，</a:t>
+            </a:r>
+            <a:endParaRPr lang="en-US" altLang="zh-CN" dirty="0" smtClean="0"/>
+          </a:p>
+          <a:p>
+            <a:r>
+              <a:rPr lang="zh-CN" altLang="en-US" dirty="0" smtClean="0"/>
+              <a:t>但是数据槽位不满，数据点重分布</a:t>
+            </a:r>
+            <a:endParaRPr lang="en-US" altLang="zh-CN" dirty="0" smtClean="0"/>
+          </a:p>
+          <a:p>
+            <a:endParaRPr lang="en-US" altLang="zh-CN" dirty="0"/>
+          </a:p>
+          <a:p>
+            <a:r>
+              <a:rPr lang="zh-CN" altLang="en-US" dirty="0" smtClean="0"/>
+              <a:t>这里要判定最佳的重分布目标分支，距离优先</a:t>
+            </a:r>
+            <a:endParaRPr lang="zh-CN" altLang="en-US" dirty="0"/>
+          </a:p>
+        </p:txBody>
+      </p:sp>
+      <p:pic>
+        <p:nvPicPr>
+          <p:cNvPr id="10" name="图片 9"/>
+          <p:cNvPicPr>
+            <a:picLocks noChangeAspect="1"/>
+          </p:cNvPicPr>
+          <p:nvPr/>
+        </p:nvPicPr>
+        <p:blipFill>
+          <a:blip r:embed="rId2">
+            <a:extLst>
+              <a:ext uri="{28A0092B-C50C-407E-A947-70E740481C1C}">
+                <a14:useLocalDpi xmlns:a14="http://schemas.microsoft.com/office/drawing/2010/main" val="0"/>
+              </a:ext>
+            </a:extLst>
+          </a:blip>
+          <a:stretch>
+            <a:fillRect/>
+          </a:stretch>
+        </p:blipFill>
+        <p:spPr>
+          <a:xfrm>
+            <a:off x="139960" y="2072141"/>
+            <a:ext cx="5803640" cy="4627239"/>
+          </a:xfrm>
+          <a:prstGeom prst="rect">
+            <a:avLst/>
+          </a:prstGeom>
+        </p:spPr>
+      </p:pic>
+      <p:pic>
+        <p:nvPicPr>
+          <p:cNvPr id="11" name="图片 10"/>
+          <p:cNvPicPr>
+            <a:picLocks noChangeAspect="1"/>
+          </p:cNvPicPr>
+          <p:nvPr/>
+        </p:nvPicPr>
+        <p:blipFill>
+          <a:blip r:embed="rId3">
+            <a:extLst>
+              <a:ext uri="{28A0092B-C50C-407E-A947-70E740481C1C}">
+                <a14:useLocalDpi xmlns:a14="http://schemas.microsoft.com/office/drawing/2010/main" val="0"/>
+              </a:ext>
+            </a:extLst>
+          </a:blip>
+          <a:stretch>
+            <a:fillRect/>
+          </a:stretch>
+        </p:blipFill>
+        <p:spPr>
+          <a:xfrm>
+            <a:off x="6095998" y="2007199"/>
+            <a:ext cx="5764912" cy="4757121"/>
+          </a:xfrm>
+          <a:prstGeom prst="rect">
+            <a:avLst/>
+          </a:prstGeom>
+        </p:spPr>
+      </p:pic>
+      <p:cxnSp>
+        <p:nvCxnSpPr>
+          <p:cNvPr id="13" name="直接连接符 12"/>
+          <p:cNvCxnSpPr/>
+          <p:nvPr/>
+        </p:nvCxnSpPr>
+        <p:spPr>
+          <a:xfrm flipV="1">
+            <a:off x="0" y="1894114"/>
+            <a:ext cx="12192000" cy="83976"/>
+          </a:xfrm>
+          <a:prstGeom prst="line">
+            <a:avLst/>
+          </a:prstGeom>
+        </p:spPr>
+        <p:style>
+          <a:lnRef idx="3">
+            <a:schemeClr val="dk1"/>
+          </a:lnRef>
+          <a:fillRef idx="0">
+            <a:schemeClr val="dk1"/>
+          </a:fillRef>
+          <a:effectRef idx="2">
+            <a:schemeClr val="dk1"/>
+          </a:effectRef>
+          <a:fontRef idx="minor">
+            <a:schemeClr val="tx1"/>
+          </a:fontRef>
+        </p:style>
+      </p:cxnSp>
+      <p:cxnSp>
+        <p:nvCxnSpPr>
+          <p:cNvPr id="15" name="直接连接符 14"/>
+          <p:cNvCxnSpPr/>
+          <p:nvPr/>
+        </p:nvCxnSpPr>
+        <p:spPr>
+          <a:xfrm>
+            <a:off x="5943600" y="1894114"/>
+            <a:ext cx="0" cy="4935148"/>
+          </a:xfrm>
+          <a:prstGeom prst="line">
+            <a:avLst/>
+          </a:prstGeom>
+        </p:spPr>
+        <p:style>
+          <a:lnRef idx="3">
+            <a:schemeClr val="dk1"/>
+          </a:lnRef>
+          <a:fillRef idx="0">
+            <a:schemeClr val="dk1"/>
+          </a:fillRef>
+          <a:effectRef idx="2">
+            <a:schemeClr val="dk1"/>
+          </a:effectRef>
+          <a:fontRef idx="minor">
+            <a:schemeClr val="tx1"/>
+          </a:fontRef>
+        </p:style>
+      </p:cxnSp>
+      <p:sp>
+        <p:nvSpPr>
+          <p:cNvPr id="16" name="文本框 15"/>
+          <p:cNvSpPr txBox="1"/>
+          <p:nvPr/>
+        </p:nvSpPr>
+        <p:spPr>
+          <a:xfrm>
+            <a:off x="4509793" y="2043986"/>
+            <a:ext cx="1586205" cy="1323439"/>
+          </a:xfrm>
+          <a:prstGeom prst="rect">
+            <a:avLst/>
+          </a:prstGeom>
+          <a:noFill/>
+        </p:spPr>
+        <p:txBody>
+          <a:bodyPr wrap="square" rtlCol="0">
+            <a:spAutoFit/>
+          </a:bodyPr>
+          <a:lstStyle/>
+          <a:p>
+            <a:r>
+              <a:rPr lang="zh-CN" altLang="en-US" sz="1600" dirty="0" smtClean="0"/>
+              <a:t>分支节点分支未满，分支分裂，局部重新建树（距离计算）</a:t>
+            </a:r>
+            <a:endParaRPr lang="zh-CN" altLang="en-US" sz="1600" dirty="0"/>
+          </a:p>
+        </p:txBody>
+      </p:sp>
+      <p:sp>
+        <p:nvSpPr>
+          <p:cNvPr id="18" name="文本框 17"/>
+          <p:cNvSpPr txBox="1"/>
+          <p:nvPr/>
+        </p:nvSpPr>
+        <p:spPr>
+          <a:xfrm>
+            <a:off x="6095999" y="2149305"/>
+            <a:ext cx="2295331" cy="584775"/>
+          </a:xfrm>
+          <a:prstGeom prst="rect">
+            <a:avLst/>
+          </a:prstGeom>
+          <a:noFill/>
+        </p:spPr>
+        <p:txBody>
+          <a:bodyPr wrap="square" rtlCol="0">
+            <a:spAutoFit/>
+          </a:bodyPr>
+          <a:lstStyle/>
+          <a:p>
+            <a:r>
+              <a:rPr lang="zh-CN" altLang="en-US" sz="1600" dirty="0" smtClean="0"/>
+              <a:t>分支已满，槽位不</a:t>
+            </a:r>
+            <a:endParaRPr lang="en-US" altLang="zh-CN" sz="1600" dirty="0" smtClean="0"/>
+          </a:p>
+          <a:p>
+            <a:r>
+              <a:rPr lang="zh-CN" altLang="en-US" sz="1600" dirty="0" smtClean="0"/>
+              <a:t>满，数据重分布</a:t>
+            </a:r>
+            <a:endParaRPr lang="zh-CN" altLang="en-US" sz="1600" dirty="0"/>
+          </a:p>
+        </p:txBody>
+      </p:sp>
+      <p:sp>
+        <p:nvSpPr>
+          <p:cNvPr id="19" name="文本框 18"/>
+          <p:cNvSpPr txBox="1"/>
+          <p:nvPr/>
+        </p:nvSpPr>
+        <p:spPr>
+          <a:xfrm>
+            <a:off x="6095999" y="4450701"/>
+            <a:ext cx="2049625" cy="861774"/>
+          </a:xfrm>
+          <a:prstGeom prst="rect">
+            <a:avLst/>
+          </a:prstGeom>
+          <a:noFill/>
+        </p:spPr>
+        <p:txBody>
+          <a:bodyPr wrap="square" rtlCol="0">
+            <a:spAutoFit/>
+          </a:bodyPr>
+          <a:lstStyle/>
+          <a:p>
+            <a:r>
+              <a:rPr lang="zh-CN" altLang="en-US" sz="1600" dirty="0" smtClean="0"/>
+              <a:t>数据在分支间移动，也需要重新</a:t>
+            </a:r>
+            <a:endParaRPr lang="en-US" altLang="zh-CN" sz="1600" dirty="0" smtClean="0"/>
+          </a:p>
+          <a:p>
+            <a:r>
+              <a:rPr lang="zh-CN" altLang="en-US" sz="1600" dirty="0" smtClean="0"/>
+              <a:t>距离计算</a:t>
+            </a:r>
+            <a:endParaRPr lang="zh-CN" altLang="en-US" sz="1600" dirty="0"/>
+          </a:p>
+        </p:txBody>
+      </p:sp>
+      <p:pic>
+        <p:nvPicPr>
+          <p:cNvPr id="21" name="内容占位符 20"/>
+          <p:cNvPicPr>
+            <a:picLocks noGrp="1" noChangeAspect="1"/>
+          </p:cNvPicPr>
+          <p:nvPr>
+            <p:ph idx="1"/>
+          </p:nvPr>
+        </p:nvPicPr>
+        <p:blipFill>
+          <a:blip r:embed="rId4">
+            <a:extLst>
+              <a:ext uri="{28A0092B-C50C-407E-A947-70E740481C1C}">
+                <a14:useLocalDpi xmlns:a14="http://schemas.microsoft.com/office/drawing/2010/main" val="0"/>
+              </a:ext>
+            </a:extLst>
+          </a:blip>
+          <a:stretch>
+            <a:fillRect/>
+          </a:stretch>
+        </p:blipFill>
+        <p:spPr>
+          <a:xfrm>
+            <a:off x="147907" y="259609"/>
+            <a:ext cx="6972904" cy="1402202"/>
+          </a:xfrm>
+        </p:spPr>
+      </p:pic>
+    </p:spTree>
+    <p:extLst>
+      <p:ext uri="{BB962C8B-B14F-4D97-AF65-F5344CB8AC3E}">
+        <p14:creationId xmlns:p14="http://schemas.microsoft.com/office/powerpoint/2010/main" val="3967481951"/>
+      </p:ext>
+    </p:extLst>
+  </p:cSld>
+  <p:clrMapOvr>
+    <a:masterClrMapping/>
+  </p:clrMapOvr>
+  <p:timing>
+    <p:tnLst>
+      <p:par>
+        <p:cTn id="1" dur="indefinite" restart="never" nodeType="tmRoot"/>
+      </p:par>
+    </p:tnLst>
+  </p:timing>
+</p:sld>
+</file>
+
+<file path=ppt/slides/slide19.xml><?xml version="1.0" encoding="utf-8"?>
+<p:sld xmlns:a="http://schemas.openxmlformats.org/drawingml/2006/main" xmlns:r="http://schemas.openxmlformats.org/officeDocument/2006/relationships" xmlns:p="http://schemas.openxmlformats.org/presentationml/2006/main">
+  <p:cSld>
+    <p:spTree>
+      <p:nvGrpSpPr>
+        <p:cNvPr id="1" name=""/>
+        <p:cNvGrpSpPr/>
+        <p:nvPr/>
+      </p:nvGrpSpPr>
+      <p:grpSpPr>
+        <a:xfrm>
+          <a:off x="0" y="0"/>
+          <a:ext cx="0" cy="0"/>
+          <a:chOff x="0" y="0"/>
+          <a:chExt cx="0" cy="0"/>
+        </a:xfrm>
+      </p:grpSpPr>
+      <p:sp>
+        <p:nvSpPr>
+          <p:cNvPr id="2" name="标题 1"/>
+          <p:cNvSpPr>
+            <a:spLocks noGrp="1"/>
+          </p:cNvSpPr>
+          <p:nvPr>
+            <p:ph type="title"/>
+          </p:nvPr>
+        </p:nvSpPr>
+        <p:spPr>
+          <a:xfrm>
+            <a:off x="119743" y="1"/>
+            <a:ext cx="10515600" cy="1063690"/>
+          </a:xfrm>
+        </p:spPr>
+        <p:txBody>
+          <a:bodyPr/>
+          <a:lstStyle/>
+          <a:p>
+            <a:r>
+              <a:rPr lang="en-US" altLang="zh-CN" dirty="0" smtClean="0"/>
+              <a:t>Insert</a:t>
+            </a:r>
+            <a:r>
+              <a:rPr lang="zh-CN" altLang="en-US" dirty="0" smtClean="0"/>
+              <a:t>算法实现流程图</a:t>
+            </a:r>
+            <a:endParaRPr lang="zh-CN" altLang="en-US" dirty="0"/>
+          </a:p>
+        </p:txBody>
+      </p:sp>
+      <p:pic>
+        <p:nvPicPr>
+          <p:cNvPr id="4" name="内容占位符 3"/>
+          <p:cNvPicPr>
+            <a:picLocks noGrp="1" noChangeAspect="1"/>
+          </p:cNvPicPr>
+          <p:nvPr>
+            <p:ph idx="1"/>
+          </p:nvPr>
+        </p:nvPicPr>
+        <p:blipFill>
+          <a:blip r:embed="rId2">
+            <a:extLst>
+              <a:ext uri="{28A0092B-C50C-407E-A947-70E740481C1C}">
+                <a14:useLocalDpi xmlns:a14="http://schemas.microsoft.com/office/drawing/2010/main" val="0"/>
+              </a:ext>
+            </a:extLst>
+          </a:blip>
+          <a:stretch>
+            <a:fillRect/>
+          </a:stretch>
+        </p:blipFill>
+        <p:spPr>
+          <a:xfrm>
+            <a:off x="4357396" y="830425"/>
+            <a:ext cx="7259217" cy="6092890"/>
+          </a:xfrm>
+        </p:spPr>
+      </p:pic>
+      <p:sp>
+        <p:nvSpPr>
+          <p:cNvPr id="6" name="文本框 5"/>
+          <p:cNvSpPr txBox="1"/>
+          <p:nvPr/>
+        </p:nvSpPr>
+        <p:spPr>
+          <a:xfrm>
+            <a:off x="950946" y="1838131"/>
+            <a:ext cx="2995903" cy="646331"/>
+          </a:xfrm>
+          <a:prstGeom prst="rect">
+            <a:avLst/>
+          </a:prstGeom>
+          <a:noFill/>
+        </p:spPr>
+        <p:txBody>
+          <a:bodyPr wrap="square" rtlCol="0">
+            <a:spAutoFit/>
+          </a:bodyPr>
+          <a:lstStyle/>
+          <a:p>
+            <a:r>
+              <a:rPr lang="zh-CN" altLang="en-US" dirty="0" smtClean="0"/>
+              <a:t>如果所有分支和槽位都已经满了，则重新建立索引</a:t>
+            </a:r>
+            <a:endParaRPr lang="zh-CN" altLang="en-US" dirty="0"/>
+          </a:p>
+        </p:txBody>
+      </p:sp>
+    </p:spTree>
+    <p:extLst>
+      <p:ext uri="{BB962C8B-B14F-4D97-AF65-F5344CB8AC3E}">
+        <p14:creationId xmlns:p14="http://schemas.microsoft.com/office/powerpoint/2010/main" val="232799349"/>
+      </p:ext>
+    </p:extLst>
+  </p:cSld>
+  <p:clrMapOvr>
+    <a:masterClrMapping/>
+  </p:clrMapOvr>
+</p:sld>
+</file>
+
 <file path=ppt/slides/slide2.xml><?xml version="1.0" encoding="utf-8"?>
 <p:sld xmlns:a="http://schemas.openxmlformats.org/drawingml/2006/main" xmlns:r="http://schemas.openxmlformats.org/officeDocument/2006/relationships" xmlns:p="http://schemas.openxmlformats.org/presentationml/2006/main">
   <p:cSld>
@@ -3269,6 +5814,966 @@
       </p:par>
     </p:tnLst>
   </p:timing>
+</p:sld>
+</file>
+
+<file path=ppt/slides/slide20.xml><?xml version="1.0" encoding="utf-8"?>
+<p:sld xmlns:a="http://schemas.openxmlformats.org/drawingml/2006/main" xmlns:r="http://schemas.openxmlformats.org/officeDocument/2006/relationships" xmlns:p="http://schemas.openxmlformats.org/presentationml/2006/main">
+  <p:cSld>
+    <p:spTree>
+      <p:nvGrpSpPr>
+        <p:cNvPr id="1" name=""/>
+        <p:cNvGrpSpPr/>
+        <p:nvPr/>
+      </p:nvGrpSpPr>
+      <p:grpSpPr>
+        <a:xfrm>
+          <a:off x="0" y="0"/>
+          <a:ext cx="0" cy="0"/>
+          <a:chOff x="0" y="0"/>
+          <a:chExt cx="0" cy="0"/>
+        </a:xfrm>
+      </p:grpSpPr>
+      <p:sp>
+        <p:nvSpPr>
+          <p:cNvPr id="2" name="标题 1"/>
+          <p:cNvSpPr>
+            <a:spLocks noGrp="1"/>
+          </p:cNvSpPr>
+          <p:nvPr>
+            <p:ph type="title"/>
+          </p:nvPr>
+        </p:nvSpPr>
+        <p:spPr>
+          <a:xfrm>
+            <a:off x="474306" y="0"/>
+            <a:ext cx="10515600" cy="1325563"/>
+          </a:xfrm>
+        </p:spPr>
+        <p:txBody>
+          <a:bodyPr/>
+          <a:lstStyle/>
+          <a:p>
+            <a:r>
+              <a:rPr lang="en-US" altLang="zh-CN" dirty="0" smtClean="0"/>
+              <a:t>Insert</a:t>
+            </a:r>
+            <a:r>
+              <a:rPr lang="zh-CN" altLang="en-US" dirty="0" smtClean="0"/>
+              <a:t>算法实现细节</a:t>
+            </a:r>
+            <a:endParaRPr lang="zh-CN" altLang="en-US" dirty="0"/>
+          </a:p>
+        </p:txBody>
+      </p:sp>
+      <p:sp>
+        <p:nvSpPr>
+          <p:cNvPr id="3" name="内容占位符 2"/>
+          <p:cNvSpPr>
+            <a:spLocks noGrp="1"/>
+          </p:cNvSpPr>
+          <p:nvPr>
+            <p:ph idx="1"/>
+          </p:nvPr>
+        </p:nvSpPr>
+        <p:spPr>
+          <a:xfrm>
+            <a:off x="548951" y="1163151"/>
+            <a:ext cx="4517571" cy="5228317"/>
+          </a:xfrm>
+        </p:spPr>
+        <p:txBody>
+          <a:bodyPr>
+            <a:normAutofit fontScale="85000" lnSpcReduction="20000"/>
+          </a:bodyPr>
+          <a:lstStyle/>
+          <a:p>
+            <a:pPr>
+              <a:lnSpc>
+                <a:spcPct val="150000"/>
+              </a:lnSpc>
+            </a:pPr>
+            <a:r>
+              <a:rPr lang="en-US" altLang="zh-CN" sz="2400" dirty="0" smtClean="0"/>
+              <a:t>1.</a:t>
+            </a:r>
+            <a:r>
+              <a:rPr lang="zh-CN" altLang="en-US" sz="2400" dirty="0" smtClean="0"/>
+              <a:t>延迟初始建树</a:t>
+            </a:r>
+            <a:endParaRPr lang="en-US" altLang="zh-CN" sz="2400" dirty="0" smtClean="0"/>
+          </a:p>
+          <a:p>
+            <a:pPr lvl="1">
+              <a:lnSpc>
+                <a:spcPct val="150000"/>
+              </a:lnSpc>
+            </a:pPr>
+            <a:r>
+              <a:rPr lang="zh-CN" altLang="en-US" sz="2000" dirty="0" smtClean="0"/>
+              <a:t>预留足够多的空槽位，尽量在叶节点直接插入。</a:t>
+            </a:r>
+            <a:endParaRPr lang="en-US" altLang="zh-CN" sz="2000" dirty="0" smtClean="0"/>
+          </a:p>
+          <a:p>
+            <a:pPr lvl="1">
+              <a:lnSpc>
+                <a:spcPct val="150000"/>
+              </a:lnSpc>
+            </a:pPr>
+            <a:r>
+              <a:rPr lang="zh-CN" altLang="en-US" sz="2000" dirty="0" smtClean="0"/>
+              <a:t>一定的内存耗费</a:t>
+            </a:r>
+            <a:endParaRPr lang="en-US" altLang="zh-CN" sz="2000" dirty="0" smtClean="0"/>
+          </a:p>
+          <a:p>
+            <a:pPr>
+              <a:lnSpc>
+                <a:spcPct val="150000"/>
+              </a:lnSpc>
+            </a:pPr>
+            <a:r>
+              <a:rPr lang="en-US" altLang="zh-CN" sz="2400" dirty="0" smtClean="0"/>
+              <a:t>2.</a:t>
+            </a:r>
+            <a:r>
+              <a:rPr lang="zh-CN" altLang="en-US" sz="2400" dirty="0" smtClean="0"/>
+              <a:t>分裂优先于数据重分布</a:t>
+            </a:r>
+            <a:endParaRPr lang="en-US" altLang="zh-CN" sz="2400" dirty="0" smtClean="0"/>
+          </a:p>
+          <a:p>
+            <a:pPr lvl="1">
+              <a:lnSpc>
+                <a:spcPct val="150000"/>
+              </a:lnSpc>
+            </a:pPr>
+            <a:r>
+              <a:rPr lang="zh-CN" altLang="en-US" sz="2000" dirty="0"/>
+              <a:t>因为多路树重分布代价更高，分裂可以预留空槽</a:t>
+            </a:r>
+            <a:r>
+              <a:rPr lang="zh-CN" altLang="en-US" sz="2000" dirty="0" smtClean="0"/>
+              <a:t>位</a:t>
+            </a:r>
+            <a:endParaRPr lang="en-US" altLang="zh-CN" sz="2000" dirty="0" smtClean="0"/>
+          </a:p>
+          <a:p>
+            <a:pPr>
+              <a:lnSpc>
+                <a:spcPct val="150000"/>
+              </a:lnSpc>
+            </a:pPr>
+            <a:r>
+              <a:rPr lang="en-US" altLang="zh-CN" sz="2400" dirty="0" smtClean="0"/>
+              <a:t>3.</a:t>
+            </a:r>
+            <a:r>
+              <a:rPr lang="zh-CN" altLang="en-US" sz="2400" dirty="0"/>
+              <a:t>存储数据点距离</a:t>
+            </a:r>
+            <a:r>
+              <a:rPr lang="zh-CN" altLang="en-US" sz="2400" dirty="0" smtClean="0"/>
+              <a:t>顺序（减少距离计算次数）</a:t>
+            </a:r>
+            <a:endParaRPr lang="en-US" altLang="zh-CN" sz="2400" dirty="0" smtClean="0"/>
+          </a:p>
+          <a:p>
+            <a:pPr>
+              <a:lnSpc>
+                <a:spcPct val="150000"/>
+              </a:lnSpc>
+            </a:pPr>
+            <a:r>
+              <a:rPr lang="en-US" altLang="zh-CN" sz="2400" dirty="0" smtClean="0"/>
+              <a:t>4.</a:t>
+            </a:r>
+            <a:r>
+              <a:rPr lang="zh-CN" altLang="en-US" sz="2400" dirty="0"/>
+              <a:t>分支节点数据未满的</a:t>
+            </a:r>
+            <a:r>
+              <a:rPr lang="zh-CN" altLang="en-US" sz="2400" dirty="0" smtClean="0"/>
+              <a:t>判断</a:t>
+            </a:r>
+            <a:endParaRPr lang="en-US" altLang="zh-CN" sz="2400" dirty="0" smtClean="0"/>
+          </a:p>
+          <a:p>
+            <a:pPr lvl="1">
+              <a:lnSpc>
+                <a:spcPct val="150000"/>
+              </a:lnSpc>
+            </a:pPr>
+            <a:r>
+              <a:rPr lang="en-US" altLang="zh-CN" sz="2000" dirty="0" err="1" smtClean="0"/>
+              <a:t>FANOUT</a:t>
+            </a:r>
+            <a:r>
+              <a:rPr lang="zh-CN" altLang="en-US" sz="2000" dirty="0" smtClean="0"/>
+              <a:t>为扇出度，</a:t>
+            </a:r>
+            <a:r>
+              <a:rPr lang="en-US" altLang="zh-CN" sz="2000" dirty="0" smtClean="0"/>
+              <a:t>Height</a:t>
+            </a:r>
+            <a:r>
+              <a:rPr lang="zh-CN" altLang="en-US" sz="2000" dirty="0" smtClean="0"/>
+              <a:t>为高度，</a:t>
+            </a:r>
+            <a:r>
+              <a:rPr lang="en-US" altLang="zh-CN" sz="2000" dirty="0" err="1" smtClean="0"/>
+              <a:t>EntrySize</a:t>
+            </a:r>
+            <a:r>
+              <a:rPr lang="zh-CN" altLang="en-US" sz="2000" dirty="0" smtClean="0"/>
+              <a:t>为叶子节点数据量</a:t>
+            </a:r>
+            <a:endParaRPr lang="en-US" altLang="zh-CN" sz="2000" dirty="0" smtClean="0"/>
+          </a:p>
+          <a:p>
+            <a:pPr lvl="1">
+              <a:lnSpc>
+                <a:spcPct val="150000"/>
+              </a:lnSpc>
+            </a:pPr>
+            <a:endParaRPr lang="en-US" altLang="zh-CN" sz="2000" dirty="0" smtClean="0"/>
+          </a:p>
+        </p:txBody>
+      </p:sp>
+      <p:pic>
+        <p:nvPicPr>
+          <p:cNvPr id="4" name="图片 3"/>
+          <p:cNvPicPr>
+            <a:picLocks noChangeAspect="1"/>
+          </p:cNvPicPr>
+          <p:nvPr/>
+        </p:nvPicPr>
+        <p:blipFill>
+          <a:blip r:embed="rId2">
+            <a:extLst>
+              <a:ext uri="{28A0092B-C50C-407E-A947-70E740481C1C}">
+                <a14:useLocalDpi xmlns:a14="http://schemas.microsoft.com/office/drawing/2010/main" val="0"/>
+              </a:ext>
+            </a:extLst>
+          </a:blip>
+          <a:stretch>
+            <a:fillRect/>
+          </a:stretch>
+        </p:blipFill>
+        <p:spPr>
+          <a:xfrm>
+            <a:off x="5813893" y="120280"/>
+            <a:ext cx="5677392" cy="3299746"/>
+          </a:xfrm>
+          <a:prstGeom prst="rect">
+            <a:avLst/>
+          </a:prstGeom>
+        </p:spPr>
+      </p:pic>
+      <p:pic>
+        <p:nvPicPr>
+          <p:cNvPr id="5" name="图片 4"/>
+          <p:cNvPicPr>
+            <a:picLocks noChangeAspect="1"/>
+          </p:cNvPicPr>
+          <p:nvPr/>
+        </p:nvPicPr>
+        <p:blipFill>
+          <a:blip r:embed="rId3">
+            <a:extLst>
+              <a:ext uri="{28A0092B-C50C-407E-A947-70E740481C1C}">
+                <a14:useLocalDpi xmlns:a14="http://schemas.microsoft.com/office/drawing/2010/main" val="0"/>
+              </a:ext>
+            </a:extLst>
+          </a:blip>
+          <a:stretch>
+            <a:fillRect/>
+          </a:stretch>
+        </p:blipFill>
+        <p:spPr>
+          <a:xfrm>
+            <a:off x="5231896" y="5249991"/>
+            <a:ext cx="6576630" cy="762066"/>
+          </a:xfrm>
+          <a:prstGeom prst="rect">
+            <a:avLst/>
+          </a:prstGeom>
+        </p:spPr>
+      </p:pic>
+    </p:spTree>
+    <p:extLst>
+      <p:ext uri="{BB962C8B-B14F-4D97-AF65-F5344CB8AC3E}">
+        <p14:creationId xmlns:p14="http://schemas.microsoft.com/office/powerpoint/2010/main" val="1359118064"/>
+      </p:ext>
+    </p:extLst>
+  </p:cSld>
+  <p:clrMapOvr>
+    <a:masterClrMapping/>
+  </p:clrMapOvr>
+  <p:timing>
+    <p:tnLst>
+      <p:par>
+        <p:cTn id="1" dur="indefinite" restart="never" nodeType="tmRoot"/>
+      </p:par>
+    </p:tnLst>
+  </p:timing>
+</p:sld>
+</file>
+
+<file path=ppt/slides/slide21.xml><?xml version="1.0" encoding="utf-8"?>
+<p:sld xmlns:a="http://schemas.openxmlformats.org/drawingml/2006/main" xmlns:r="http://schemas.openxmlformats.org/officeDocument/2006/relationships" xmlns:p="http://schemas.openxmlformats.org/presentationml/2006/main">
+  <p:cSld>
+    <p:spTree>
+      <p:nvGrpSpPr>
+        <p:cNvPr id="1" name=""/>
+        <p:cNvGrpSpPr/>
+        <p:nvPr/>
+      </p:nvGrpSpPr>
+      <p:grpSpPr>
+        <a:xfrm>
+          <a:off x="0" y="0"/>
+          <a:ext cx="0" cy="0"/>
+          <a:chOff x="0" y="0"/>
+          <a:chExt cx="0" cy="0"/>
+        </a:xfrm>
+      </p:grpSpPr>
+      <p:sp>
+        <p:nvSpPr>
+          <p:cNvPr id="2" name="标题 1"/>
+          <p:cNvSpPr>
+            <a:spLocks noGrp="1"/>
+          </p:cNvSpPr>
+          <p:nvPr>
+            <p:ph type="title"/>
+          </p:nvPr>
+        </p:nvSpPr>
+        <p:spPr>
+          <a:xfrm>
+            <a:off x="278363" y="206504"/>
+            <a:ext cx="10515600" cy="1325563"/>
+          </a:xfrm>
+        </p:spPr>
+        <p:txBody>
+          <a:bodyPr/>
+          <a:lstStyle/>
+          <a:p>
+            <a:r>
+              <a:rPr lang="zh-CN" altLang="en-US" dirty="0" smtClean="0"/>
+              <a:t>相似轨迹检索运行效果图</a:t>
+            </a:r>
+            <a:endParaRPr lang="zh-CN" altLang="en-US" dirty="0"/>
+          </a:p>
+        </p:txBody>
+      </p:sp>
+      <p:pic>
+        <p:nvPicPr>
+          <p:cNvPr id="4" name="内容占位符 3"/>
+          <p:cNvPicPr>
+            <a:picLocks noGrp="1" noChangeAspect="1"/>
+          </p:cNvPicPr>
+          <p:nvPr>
+            <p:ph idx="1"/>
+          </p:nvPr>
+        </p:nvPicPr>
+        <p:blipFill>
+          <a:blip r:embed="rId2">
+            <a:extLst>
+              <a:ext uri="{28A0092B-C50C-407E-A947-70E740481C1C}">
+                <a14:useLocalDpi xmlns:a14="http://schemas.microsoft.com/office/drawing/2010/main" val="0"/>
+              </a:ext>
+            </a:extLst>
+          </a:blip>
+          <a:stretch>
+            <a:fillRect/>
+          </a:stretch>
+        </p:blipFill>
+        <p:spPr>
+          <a:xfrm>
+            <a:off x="173549" y="1306286"/>
+            <a:ext cx="8923798" cy="5262465"/>
+          </a:xfrm>
+        </p:spPr>
+      </p:pic>
+    </p:spTree>
+    <p:extLst>
+      <p:ext uri="{BB962C8B-B14F-4D97-AF65-F5344CB8AC3E}">
+        <p14:creationId xmlns:p14="http://schemas.microsoft.com/office/powerpoint/2010/main" val="1431940741"/>
+      </p:ext>
+    </p:extLst>
+  </p:cSld>
+  <p:clrMapOvr>
+    <a:masterClrMapping/>
+  </p:clrMapOvr>
+</p:sld>
+</file>
+
+<file path=ppt/slides/slide22.xml><?xml version="1.0" encoding="utf-8"?>
+<p:sld xmlns:a="http://schemas.openxmlformats.org/drawingml/2006/main" xmlns:r="http://schemas.openxmlformats.org/officeDocument/2006/relationships" xmlns:p="http://schemas.openxmlformats.org/presentationml/2006/main">
+  <p:cSld>
+    <p:spTree>
+      <p:nvGrpSpPr>
+        <p:cNvPr id="1" name=""/>
+        <p:cNvGrpSpPr/>
+        <p:nvPr/>
+      </p:nvGrpSpPr>
+      <p:grpSpPr>
+        <a:xfrm>
+          <a:off x="0" y="0"/>
+          <a:ext cx="0" cy="0"/>
+          <a:chOff x="0" y="0"/>
+          <a:chExt cx="0" cy="0"/>
+        </a:xfrm>
+      </p:grpSpPr>
+      <p:sp>
+        <p:nvSpPr>
+          <p:cNvPr id="4" name="文本框 3"/>
+          <p:cNvSpPr txBox="1"/>
+          <p:nvPr/>
+        </p:nvSpPr>
+        <p:spPr>
+          <a:xfrm>
+            <a:off x="382554" y="373225"/>
+            <a:ext cx="6671389" cy="646331"/>
+          </a:xfrm>
+          <a:prstGeom prst="rect">
+            <a:avLst/>
+          </a:prstGeom>
+          <a:noFill/>
+        </p:spPr>
+        <p:txBody>
+          <a:bodyPr wrap="square" rtlCol="0">
+            <a:spAutoFit/>
+          </a:bodyPr>
+          <a:lstStyle/>
+          <a:p>
+            <a:r>
+              <a:rPr lang="zh-CN" altLang="en-US" sz="3600" dirty="0" smtClean="0"/>
+              <a:t>地图瓦片子服务详细设计与实现</a:t>
+            </a:r>
+            <a:endParaRPr lang="zh-CN" altLang="en-US" sz="3600" dirty="0"/>
+          </a:p>
+        </p:txBody>
+      </p:sp>
+      <p:sp>
+        <p:nvSpPr>
+          <p:cNvPr id="5" name="文本框 4"/>
+          <p:cNvSpPr txBox="1"/>
+          <p:nvPr/>
+        </p:nvSpPr>
+        <p:spPr>
+          <a:xfrm>
+            <a:off x="195941" y="1212980"/>
+            <a:ext cx="4758614" cy="3416320"/>
+          </a:xfrm>
+          <a:prstGeom prst="rect">
+            <a:avLst/>
+          </a:prstGeom>
+          <a:noFill/>
+        </p:spPr>
+        <p:txBody>
+          <a:bodyPr wrap="square" rtlCol="0">
+            <a:spAutoFit/>
+          </a:bodyPr>
+          <a:lstStyle/>
+          <a:p>
+            <a:pPr>
+              <a:lnSpc>
+                <a:spcPct val="150000"/>
+              </a:lnSpc>
+            </a:pPr>
+            <a:r>
+              <a:rPr lang="en-US" altLang="zh-CN" sz="2400" dirty="0" smtClean="0"/>
+              <a:t>1.</a:t>
+            </a:r>
+            <a:r>
+              <a:rPr lang="zh-CN" altLang="en-US" sz="2400" dirty="0" smtClean="0"/>
+              <a:t>提供地图瓦片的读，写功能</a:t>
+            </a:r>
+            <a:endParaRPr lang="en-US" altLang="zh-CN" sz="2400" dirty="0" smtClean="0"/>
+          </a:p>
+          <a:p>
+            <a:pPr>
+              <a:lnSpc>
+                <a:spcPct val="150000"/>
+              </a:lnSpc>
+            </a:pPr>
+            <a:r>
+              <a:rPr lang="en-US" altLang="zh-CN" sz="2400" dirty="0" smtClean="0"/>
+              <a:t>2.</a:t>
+            </a:r>
+            <a:r>
+              <a:rPr lang="zh-CN" altLang="en-US" sz="2400" dirty="0" smtClean="0"/>
+              <a:t>读功能，简单的</a:t>
+            </a:r>
+            <a:r>
+              <a:rPr lang="en-US" altLang="zh-CN" sz="2400" dirty="0" err="1" smtClean="0"/>
+              <a:t>sql</a:t>
+            </a:r>
+            <a:r>
+              <a:rPr lang="zh-CN" altLang="en-US" sz="2400" dirty="0" smtClean="0"/>
+              <a:t>操作</a:t>
+            </a:r>
+            <a:r>
+              <a:rPr lang="en-US" altLang="zh-CN" sz="2400" dirty="0" smtClean="0"/>
+              <a:t>         </a:t>
+            </a:r>
+          </a:p>
+          <a:p>
+            <a:pPr>
+              <a:lnSpc>
+                <a:spcPct val="150000"/>
+              </a:lnSpc>
+            </a:pPr>
+            <a:r>
+              <a:rPr lang="en-US" altLang="zh-CN" sz="2400" dirty="0" smtClean="0"/>
+              <a:t>	get  z/x/</a:t>
+            </a:r>
+            <a:r>
+              <a:rPr lang="en-US" altLang="zh-CN" sz="2400" dirty="0" err="1" smtClean="0"/>
+              <a:t>y.pdf</a:t>
+            </a:r>
+            <a:endParaRPr lang="en-US" altLang="zh-CN" sz="2400" dirty="0" smtClean="0"/>
+          </a:p>
+          <a:p>
+            <a:pPr>
+              <a:lnSpc>
+                <a:spcPct val="150000"/>
+              </a:lnSpc>
+            </a:pPr>
+            <a:r>
+              <a:rPr lang="zh-CN" altLang="en-US" sz="2400" dirty="0" smtClean="0"/>
+              <a:t>（</a:t>
+            </a:r>
+            <a:r>
+              <a:rPr lang="en-US" altLang="zh-CN" sz="2400" dirty="0" smtClean="0"/>
+              <a:t> </a:t>
+            </a:r>
+            <a:r>
+              <a:rPr lang="en-US" altLang="zh-CN" sz="2400" dirty="0" err="1"/>
+              <a:t>mbtiles</a:t>
+            </a:r>
+            <a:r>
+              <a:rPr lang="zh-CN" altLang="en-US" sz="2400" dirty="0" smtClean="0"/>
+              <a:t>文件中一行数据）</a:t>
+            </a:r>
+            <a:endParaRPr lang="en-US" altLang="zh-CN" sz="2400" dirty="0" smtClean="0"/>
+          </a:p>
+          <a:p>
+            <a:pPr>
+              <a:lnSpc>
+                <a:spcPct val="150000"/>
+              </a:lnSpc>
+            </a:pPr>
+            <a:r>
+              <a:rPr lang="en-US" altLang="zh-CN" sz="2400" dirty="0" smtClean="0"/>
+              <a:t>3.</a:t>
+            </a:r>
+            <a:r>
+              <a:rPr lang="zh-CN" altLang="en-US" sz="2400" dirty="0" smtClean="0"/>
+              <a:t>重点介绍局部更新功能</a:t>
+            </a:r>
+            <a:endParaRPr lang="en-US" altLang="zh-CN" sz="2400" dirty="0" smtClean="0"/>
+          </a:p>
+          <a:p>
+            <a:pPr>
+              <a:lnSpc>
+                <a:spcPct val="150000"/>
+              </a:lnSpc>
+            </a:pPr>
+            <a:r>
+              <a:rPr lang="en-US" altLang="zh-CN" sz="2400" dirty="0" smtClean="0"/>
+              <a:t>(</a:t>
+            </a:r>
+            <a:r>
+              <a:rPr lang="zh-CN" altLang="en-US" sz="2400" dirty="0" smtClean="0"/>
+              <a:t>类似开源系统没有此功能）</a:t>
+            </a:r>
+            <a:endParaRPr lang="en-US" altLang="zh-CN" sz="2400" dirty="0" smtClean="0"/>
+          </a:p>
+        </p:txBody>
+      </p:sp>
+    </p:spTree>
+    <p:extLst>
+      <p:ext uri="{BB962C8B-B14F-4D97-AF65-F5344CB8AC3E}">
+        <p14:creationId xmlns:p14="http://schemas.microsoft.com/office/powerpoint/2010/main" val="980360770"/>
+      </p:ext>
+    </p:extLst>
+  </p:cSld>
+  <p:clrMapOvr>
+    <a:masterClrMapping/>
+  </p:clrMapOvr>
+</p:sld>
+</file>
+
+<file path=ppt/slides/slide23.xml><?xml version="1.0" encoding="utf-8"?>
+<p:sld xmlns:a="http://schemas.openxmlformats.org/drawingml/2006/main" xmlns:r="http://schemas.openxmlformats.org/officeDocument/2006/relationships" xmlns:p="http://schemas.openxmlformats.org/presentationml/2006/main">
+  <p:cSld>
+    <p:spTree>
+      <p:nvGrpSpPr>
+        <p:cNvPr id="1" name=""/>
+        <p:cNvGrpSpPr/>
+        <p:nvPr/>
+      </p:nvGrpSpPr>
+      <p:grpSpPr>
+        <a:xfrm>
+          <a:off x="0" y="0"/>
+          <a:ext cx="0" cy="0"/>
+          <a:chOff x="0" y="0"/>
+          <a:chExt cx="0" cy="0"/>
+        </a:xfrm>
+      </p:grpSpPr>
+      <p:sp>
+        <p:nvSpPr>
+          <p:cNvPr id="2" name="标题 1"/>
+          <p:cNvSpPr>
+            <a:spLocks noGrp="1"/>
+          </p:cNvSpPr>
+          <p:nvPr>
+            <p:ph type="title"/>
+          </p:nvPr>
+        </p:nvSpPr>
+        <p:spPr>
+          <a:xfrm>
+            <a:off x="297024" y="-120067"/>
+            <a:ext cx="10515600" cy="1325563"/>
+          </a:xfrm>
+        </p:spPr>
+        <p:txBody>
+          <a:bodyPr/>
+          <a:lstStyle/>
+          <a:p>
+            <a:r>
+              <a:rPr lang="zh-CN" altLang="en-US" dirty="0" smtClean="0"/>
+              <a:t>地图局部更新功能流程图</a:t>
+            </a:r>
+            <a:endParaRPr lang="zh-CN" altLang="en-US" dirty="0"/>
+          </a:p>
+        </p:txBody>
+      </p:sp>
+      <p:pic>
+        <p:nvPicPr>
+          <p:cNvPr id="4" name="内容占位符 3"/>
+          <p:cNvPicPr>
+            <a:picLocks noGrp="1" noChangeAspect="1"/>
+          </p:cNvPicPr>
+          <p:nvPr>
+            <p:ph idx="1"/>
+          </p:nvPr>
+        </p:nvPicPr>
+        <p:blipFill>
+          <a:blip r:embed="rId2">
+            <a:extLst>
+              <a:ext uri="{28A0092B-C50C-407E-A947-70E740481C1C}">
+                <a14:useLocalDpi xmlns:a14="http://schemas.microsoft.com/office/drawing/2010/main" val="0"/>
+              </a:ext>
+            </a:extLst>
+          </a:blip>
+          <a:stretch>
+            <a:fillRect/>
+          </a:stretch>
+        </p:blipFill>
+        <p:spPr>
+          <a:xfrm>
+            <a:off x="6036906" y="998375"/>
+            <a:ext cx="5014975" cy="5756988"/>
+          </a:xfrm>
+        </p:spPr>
+      </p:pic>
+      <p:pic>
+        <p:nvPicPr>
+          <p:cNvPr id="5" name="图片 4"/>
+          <p:cNvPicPr>
+            <a:picLocks noChangeAspect="1"/>
+          </p:cNvPicPr>
+          <p:nvPr/>
+        </p:nvPicPr>
+        <p:blipFill>
+          <a:blip r:embed="rId3">
+            <a:extLst>
+              <a:ext uri="{28A0092B-C50C-407E-A947-70E740481C1C}">
+                <a14:useLocalDpi xmlns:a14="http://schemas.microsoft.com/office/drawing/2010/main" val="0"/>
+              </a:ext>
+            </a:extLst>
+          </a:blip>
+          <a:stretch>
+            <a:fillRect/>
+          </a:stretch>
+        </p:blipFill>
+        <p:spPr>
+          <a:xfrm>
+            <a:off x="1250302" y="1721870"/>
+            <a:ext cx="2354355" cy="1159205"/>
+          </a:xfrm>
+          <a:prstGeom prst="rect">
+            <a:avLst/>
+          </a:prstGeom>
+        </p:spPr>
+      </p:pic>
+      <p:sp>
+        <p:nvSpPr>
+          <p:cNvPr id="6" name="文本框 5"/>
+          <p:cNvSpPr txBox="1"/>
+          <p:nvPr/>
+        </p:nvSpPr>
+        <p:spPr>
+          <a:xfrm>
+            <a:off x="1250302" y="1352538"/>
+            <a:ext cx="1866122" cy="369332"/>
+          </a:xfrm>
+          <a:prstGeom prst="rect">
+            <a:avLst/>
+          </a:prstGeom>
+          <a:noFill/>
+        </p:spPr>
+        <p:txBody>
+          <a:bodyPr wrap="square" rtlCol="0">
+            <a:spAutoFit/>
+          </a:bodyPr>
+          <a:lstStyle/>
+          <a:p>
+            <a:r>
+              <a:rPr lang="en-US" altLang="zh-CN" dirty="0" smtClean="0"/>
+              <a:t>Web</a:t>
+            </a:r>
+            <a:r>
+              <a:rPr lang="zh-CN" altLang="en-US" dirty="0" smtClean="0"/>
+              <a:t>墨卡托公式</a:t>
+            </a:r>
+            <a:endParaRPr lang="zh-CN" altLang="en-US" dirty="0"/>
+          </a:p>
+        </p:txBody>
+      </p:sp>
+      <p:sp>
+        <p:nvSpPr>
+          <p:cNvPr id="7" name="文本框 6"/>
+          <p:cNvSpPr txBox="1"/>
+          <p:nvPr/>
+        </p:nvSpPr>
+        <p:spPr>
+          <a:xfrm>
+            <a:off x="821094" y="3191069"/>
+            <a:ext cx="4376057" cy="369332"/>
+          </a:xfrm>
+          <a:prstGeom prst="rect">
+            <a:avLst/>
+          </a:prstGeom>
+          <a:noFill/>
+        </p:spPr>
+        <p:txBody>
+          <a:bodyPr wrap="square" rtlCol="0">
+            <a:spAutoFit/>
+          </a:bodyPr>
+          <a:lstStyle/>
+          <a:p>
+            <a:r>
+              <a:rPr lang="zh-CN" altLang="en-US" dirty="0" smtClean="0"/>
+              <a:t>将经纬度坐标转为地图瓦片坐标</a:t>
+            </a:r>
+            <a:endParaRPr lang="zh-CN" altLang="en-US" dirty="0"/>
+          </a:p>
+        </p:txBody>
+      </p:sp>
+    </p:spTree>
+    <p:extLst>
+      <p:ext uri="{BB962C8B-B14F-4D97-AF65-F5344CB8AC3E}">
+        <p14:creationId xmlns:p14="http://schemas.microsoft.com/office/powerpoint/2010/main" val="3308206205"/>
+      </p:ext>
+    </p:extLst>
+  </p:cSld>
+  <p:clrMapOvr>
+    <a:masterClrMapping/>
+  </p:clrMapOvr>
+</p:sld>
+</file>
+
+<file path=ppt/slides/slide24.xml><?xml version="1.0" encoding="utf-8"?>
+<p:sld xmlns:a="http://schemas.openxmlformats.org/drawingml/2006/main" xmlns:r="http://schemas.openxmlformats.org/officeDocument/2006/relationships" xmlns:p="http://schemas.openxmlformats.org/presentationml/2006/main">
+  <p:cSld>
+    <p:spTree>
+      <p:nvGrpSpPr>
+        <p:cNvPr id="1" name=""/>
+        <p:cNvGrpSpPr/>
+        <p:nvPr/>
+      </p:nvGrpSpPr>
+      <p:grpSpPr>
+        <a:xfrm>
+          <a:off x="0" y="0"/>
+          <a:ext cx="0" cy="0"/>
+          <a:chOff x="0" y="0"/>
+          <a:chExt cx="0" cy="0"/>
+        </a:xfrm>
+      </p:grpSpPr>
+      <p:sp>
+        <p:nvSpPr>
+          <p:cNvPr id="2" name="标题 1"/>
+          <p:cNvSpPr>
+            <a:spLocks noGrp="1"/>
+          </p:cNvSpPr>
+          <p:nvPr>
+            <p:ph type="title"/>
+          </p:nvPr>
+        </p:nvSpPr>
+        <p:spPr>
+          <a:xfrm>
+            <a:off x="476250" y="0"/>
+            <a:ext cx="10515600" cy="1325563"/>
+          </a:xfrm>
+        </p:spPr>
+        <p:txBody>
+          <a:bodyPr/>
+          <a:lstStyle/>
+          <a:p>
+            <a:r>
+              <a:rPr lang="zh-CN" altLang="en-US" dirty="0" smtClean="0"/>
+              <a:t>局部更新一致性保障</a:t>
+            </a:r>
+            <a:endParaRPr lang="zh-CN" altLang="en-US" dirty="0"/>
+          </a:p>
+        </p:txBody>
+      </p:sp>
+    </p:spTree>
+    <p:extLst>
+      <p:ext uri="{BB962C8B-B14F-4D97-AF65-F5344CB8AC3E}">
+        <p14:creationId xmlns:p14="http://schemas.microsoft.com/office/powerpoint/2010/main" val="3163544939"/>
+      </p:ext>
+    </p:extLst>
+  </p:cSld>
+  <p:clrMapOvr>
+    <a:masterClrMapping/>
+  </p:clrMapOvr>
+</p:sld>
+</file>
+
+<file path=ppt/slides/slide25.xml><?xml version="1.0" encoding="utf-8"?>
+<p:sld xmlns:a="http://schemas.openxmlformats.org/drawingml/2006/main" xmlns:r="http://schemas.openxmlformats.org/officeDocument/2006/relationships" xmlns:p="http://schemas.openxmlformats.org/presentationml/2006/main">
+  <p:cSld>
+    <p:spTree>
+      <p:nvGrpSpPr>
+        <p:cNvPr id="1" name=""/>
+        <p:cNvGrpSpPr/>
+        <p:nvPr/>
+      </p:nvGrpSpPr>
+      <p:grpSpPr>
+        <a:xfrm>
+          <a:off x="0" y="0"/>
+          <a:ext cx="0" cy="0"/>
+          <a:chOff x="0" y="0"/>
+          <a:chExt cx="0" cy="0"/>
+        </a:xfrm>
+      </p:grpSpPr>
+      <p:sp>
+        <p:nvSpPr>
+          <p:cNvPr id="2" name="标题 1"/>
+          <p:cNvSpPr>
+            <a:spLocks noGrp="1"/>
+          </p:cNvSpPr>
+          <p:nvPr>
+            <p:ph type="title"/>
+          </p:nvPr>
+        </p:nvSpPr>
+        <p:spPr/>
+        <p:txBody>
+          <a:bodyPr/>
+          <a:lstStyle/>
+          <a:p>
+            <a:r>
+              <a:rPr lang="zh-CN" altLang="en-US" dirty="0" smtClean="0"/>
+              <a:t>总结</a:t>
+            </a:r>
+            <a:endParaRPr lang="zh-CN" altLang="en-US" dirty="0"/>
+          </a:p>
+        </p:txBody>
+      </p:sp>
+      <p:sp>
+        <p:nvSpPr>
+          <p:cNvPr id="3" name="内容占位符 2"/>
+          <p:cNvSpPr>
+            <a:spLocks noGrp="1"/>
+          </p:cNvSpPr>
+          <p:nvPr>
+            <p:ph idx="1"/>
+          </p:nvPr>
+        </p:nvSpPr>
+        <p:spPr/>
+        <p:txBody>
+          <a:bodyPr/>
+          <a:lstStyle/>
+          <a:p>
+            <a:endParaRPr lang="zh-CN" altLang="en-US" dirty="0"/>
+          </a:p>
+        </p:txBody>
+      </p:sp>
+    </p:spTree>
+    <p:extLst>
+      <p:ext uri="{BB962C8B-B14F-4D97-AF65-F5344CB8AC3E}">
+        <p14:creationId xmlns:p14="http://schemas.microsoft.com/office/powerpoint/2010/main" val="3127736209"/>
+      </p:ext>
+    </p:extLst>
+  </p:cSld>
+  <p:clrMapOvr>
+    <a:masterClrMapping/>
+  </p:clrMapOvr>
+</p:sld>
+</file>
+
+<file path=ppt/slides/slide26.xml><?xml version="1.0" encoding="utf-8"?>
+<p:sld xmlns:a="http://schemas.openxmlformats.org/drawingml/2006/main" xmlns:r="http://schemas.openxmlformats.org/officeDocument/2006/relationships" xmlns:p="http://schemas.openxmlformats.org/presentationml/2006/main">
+  <p:cSld>
+    <p:spTree>
+      <p:nvGrpSpPr>
+        <p:cNvPr id="1" name=""/>
+        <p:cNvGrpSpPr/>
+        <p:nvPr/>
+      </p:nvGrpSpPr>
+      <p:grpSpPr>
+        <a:xfrm>
+          <a:off x="0" y="0"/>
+          <a:ext cx="0" cy="0"/>
+          <a:chOff x="0" y="0"/>
+          <a:chExt cx="0" cy="0"/>
+        </a:xfrm>
+      </p:grpSpPr>
+      <p:sp>
+        <p:nvSpPr>
+          <p:cNvPr id="3" name="内容占位符 2"/>
+          <p:cNvSpPr>
+            <a:spLocks noGrp="1"/>
+          </p:cNvSpPr>
+          <p:nvPr>
+            <p:ph idx="1"/>
+          </p:nvPr>
+        </p:nvSpPr>
+        <p:spPr>
+          <a:xfrm>
+            <a:off x="4402495" y="2348042"/>
+            <a:ext cx="10515600" cy="4351338"/>
+          </a:xfrm>
+        </p:spPr>
+        <p:txBody>
+          <a:bodyPr>
+            <a:normAutofit/>
+          </a:bodyPr>
+          <a:lstStyle/>
+          <a:p>
+            <a:r>
+              <a:rPr lang="zh-CN" altLang="en-US" sz="4800" dirty="0" smtClean="0"/>
+              <a:t>谢谢</a:t>
+            </a:r>
+            <a:endParaRPr lang="zh-CN" altLang="en-US" sz="4800" dirty="0"/>
+          </a:p>
+        </p:txBody>
+      </p:sp>
+    </p:spTree>
+    <p:extLst>
+      <p:ext uri="{BB962C8B-B14F-4D97-AF65-F5344CB8AC3E}">
+        <p14:creationId xmlns:p14="http://schemas.microsoft.com/office/powerpoint/2010/main" val="3164978140"/>
+      </p:ext>
+    </p:extLst>
+  </p:cSld>
+  <p:clrMapOvr>
+    <a:masterClrMapping/>
+  </p:clrMapOvr>
 </p:sld>
 </file>
 
@@ -4415,11 +7920,7 @@
             </a:r>
             <a:r>
               <a:rPr lang="zh-CN" altLang="en-US" dirty="0"/>
-              <a:t>为</a:t>
-            </a:r>
-            <a:r>
-              <a:rPr lang="zh-CN" altLang="en-US" dirty="0"/>
-              <a:t>地球的</a:t>
+              <a:t>为地球的</a:t>
             </a:r>
             <a:r>
               <a:rPr lang="zh-CN" altLang="en-US" dirty="0" smtClean="0"/>
@@ -4444,15 +7945,7 @@
             </a:r>
             <a:r>
               <a:rPr lang="zh-CN" altLang="en-US" dirty="0"/>
-              <a:t>为经度弧度</a:t>
-            </a:r>
-            <a:r>
-              <a:rPr lang="zh-CN" altLang="en-US" dirty="0"/>
-              <a:t>值，取值</a:t>
-            </a:r>
-            <a:r>
-              <a:rPr lang="zh-CN" altLang="en-US" dirty="0"/>
-              <a:t>区间为</a:t>
+              <a:t>为经度弧度值，取值区间为</a:t>
             </a:r>
             <a:r>
               <a:rPr lang="en-US" altLang="zh-CN" dirty="0"/>
@@ -4460,11 +7953,7 @@
             </a:r>
             <a:r>
               <a:rPr lang="zh-CN" altLang="en-US" dirty="0"/>
-              <a:t>正值为东经，负值为西经</a:t>
-            </a:r>
-            <a:r>
-              <a:rPr lang="zh-CN" altLang="en-US" dirty="0"/>
-              <a:t>。</a:t>
+              <a:t>正值为东经，负值为西经。</a:t>
             </a:r>
             <a:endParaRPr lang="en-US" altLang="zh-CN" dirty="0"/>
           </a:p>
@@ -4485,11 +7974,7 @@
             </a:r>
             <a:r>
               <a:rPr lang="zh-CN" altLang="en-US" dirty="0"/>
-              <a:t>为纬度</a:t>
-            </a:r>
-            <a:r>
-              <a:rPr lang="zh-CN" altLang="en-US" dirty="0"/>
-              <a:t>值弧度值，取值区间为</a:t>
+              <a:t>为纬度值弧度值，取值区间为</a:t>
             </a:r>
             <a:r>
               <a:rPr lang="en-US" altLang="zh-CN" dirty="0"/>
@@ -4683,8 +8168,8 @@
         </p:nvSpPr>
         <p:spPr>
           <a:xfrm>
-            <a:off x="382556" y="1156998"/>
-            <a:ext cx="3265714" cy="923330"/>
+            <a:off x="382555" y="1156998"/>
+            <a:ext cx="3415003" cy="1200329"/>
           </a:xfrm>
           <a:prstGeom prst="rect">
             <a:avLst/>
@@ -4699,7 +8184,19 @@
           <a:p>
             <a:r>
               <a:rPr lang="zh-CN" altLang="en-US" dirty="0" smtClean="0"/>
-              <a:t>索引粒度：单个轨迹数据对象</a:t>
+              <a:t>索引粒度：单个轨迹数据</a:t>
+            </a:r>
+            <a:r>
+              <a:rPr lang="zh-CN" altLang="en-US" dirty="0" smtClean="0"/>
+              <a:t>对象</a:t>
+            </a:r>
+            <a:r>
+              <a:rPr lang="en-US" altLang="zh-CN" dirty="0" smtClean="0"/>
+              <a:t>=</a:t>
+            </a:r>
+            <a:r>
+              <a:rPr lang="zh-CN" altLang="en-US" dirty="0" smtClean="0"/>
+              <a:t>单个空间数据点</a:t>
             </a:r>
             <a:endParaRPr lang="en-US" altLang="zh-CN" dirty="0" smtClean="0"/>
           </a:p>
@@ -4783,6 +8280,189 @@
           </a:prstGeom>
         </p:spPr>
       </p:pic>
+      <p:cxnSp>
+        <p:nvCxnSpPr>
+          <p:cNvPr id="3" name="直接连接符 2"/>
+          <p:cNvCxnSpPr/>
+          <p:nvPr/>
+        </p:nvCxnSpPr>
+        <p:spPr>
+          <a:xfrm>
+            <a:off x="3872205" y="1156998"/>
+            <a:ext cx="18662" cy="5701002"/>
+          </a:xfrm>
+          <a:prstGeom prst="line">
+            <a:avLst/>
+          </a:prstGeom>
+        </p:spPr>
+        <p:style>
+          <a:lnRef idx="1">
+            <a:schemeClr val="accent1"/>
+          </a:lnRef>
+          <a:fillRef idx="0">
+            <a:schemeClr val="accent1"/>
+          </a:fillRef>
+          <a:effectRef idx="0">
+            <a:schemeClr val="accent1"/>
+          </a:effectRef>
+          <a:fontRef idx="minor">
+            <a:schemeClr val="tx1"/>
+          </a:fontRef>
+        </p:style>
+      </p:cxnSp>
+      <p:pic>
+        <p:nvPicPr>
+          <p:cNvPr id="8" name="图片 7"/>
+          <p:cNvPicPr>
+            <a:picLocks noChangeAspect="1"/>
+          </p:cNvPicPr>
+          <p:nvPr/>
+        </p:nvPicPr>
+        <p:blipFill>
+          <a:blip r:embed="rId3">
+            <a:extLst>
+              <a:ext uri="{28A0092B-C50C-407E-A947-70E740481C1C}">
+                <a14:useLocalDpi xmlns:a14="http://schemas.microsoft.com/office/drawing/2010/main" val="0"/>
+              </a:ext>
+            </a:extLst>
+          </a:blip>
+          <a:stretch>
+            <a:fillRect/>
+          </a:stretch>
+        </p:blipFill>
+        <p:spPr>
+          <a:xfrm>
+            <a:off x="4086812" y="2248109"/>
+            <a:ext cx="5225920" cy="4321041"/>
+          </a:xfrm>
+          <a:prstGeom prst="rect">
+            <a:avLst/>
+          </a:prstGeom>
+        </p:spPr>
+      </p:pic>
+      <p:sp>
+        <p:nvSpPr>
+          <p:cNvPr id="9" name="文本框 8"/>
+          <p:cNvSpPr txBox="1"/>
+          <p:nvPr/>
+        </p:nvSpPr>
+        <p:spPr>
+          <a:xfrm>
+            <a:off x="6699772" y="1572012"/>
+            <a:ext cx="4553339" cy="1754326"/>
+          </a:xfrm>
+          <a:prstGeom prst="rect">
+            <a:avLst/>
+          </a:prstGeom>
+          <a:noFill/>
+        </p:spPr>
+        <p:txBody>
+          <a:bodyPr wrap="square" rtlCol="0">
+            <a:spAutoFit/>
+          </a:bodyPr>
+          <a:lstStyle/>
+          <a:p>
+            <a:r>
+              <a:rPr lang="zh-CN" altLang="en-US" dirty="0" smtClean="0"/>
+              <a:t>建立一个</a:t>
+            </a:r>
+            <a:r>
+              <a:rPr lang="en-US" altLang="zh-CN" dirty="0" smtClean="0"/>
+              <a:t>n</a:t>
+            </a:r>
+            <a:r>
+              <a:rPr lang="zh-CN" altLang="en-US" dirty="0" smtClean="0"/>
+              <a:t>路</a:t>
+            </a:r>
+            <a:r>
+              <a:rPr lang="en-US" altLang="zh-CN" dirty="0" err="1" smtClean="0"/>
+              <a:t>vp</a:t>
+            </a:r>
+            <a:r>
+              <a:rPr lang="en-US" altLang="zh-CN" dirty="0" smtClean="0"/>
+              <a:t>-tree</a:t>
+            </a:r>
+          </a:p>
+          <a:p>
+            <a:r>
+              <a:rPr lang="en-US" altLang="zh-CN" dirty="0" smtClean="0"/>
+              <a:t>VP-ID:</a:t>
+            </a:r>
+            <a:r>
+              <a:rPr lang="zh-CN" altLang="en-US" dirty="0" smtClean="0"/>
+              <a:t>被选做优先点的轨迹</a:t>
+            </a:r>
+            <a:r>
+              <a:rPr lang="en-US" altLang="zh-CN" dirty="0" smtClean="0"/>
+              <a:t>ID</a:t>
+            </a:r>
+          </a:p>
+          <a:p>
+            <a:r>
+              <a:rPr lang="en-US" altLang="zh-CN" dirty="0" err="1" smtClean="0"/>
+              <a:t>d1-d4</a:t>
+            </a:r>
+            <a:r>
+              <a:rPr lang="en-US" altLang="zh-CN" dirty="0" smtClean="0"/>
+              <a:t>:</a:t>
+            </a:r>
+            <a:r>
+              <a:rPr lang="zh-CN" altLang="en-US" dirty="0" smtClean="0"/>
+              <a:t>各个子集合与</a:t>
+            </a:r>
+            <a:r>
+              <a:rPr lang="en-US" altLang="zh-CN" dirty="0" smtClean="0"/>
+              <a:t>VP</a:t>
+            </a:r>
+            <a:r>
+              <a:rPr lang="zh-CN" altLang="en-US" dirty="0" smtClean="0"/>
+              <a:t>距离的最大值</a:t>
+            </a:r>
+            <a:endParaRPr lang="en-US" altLang="zh-CN" dirty="0" smtClean="0"/>
+          </a:p>
+          <a:p>
+            <a:r>
+              <a:rPr lang="en-US" altLang="zh-CN" dirty="0"/>
+              <a:t>l</a:t>
+            </a:r>
+            <a:r>
+              <a:rPr lang="en-US" altLang="zh-CN" dirty="0" smtClean="0"/>
+              <a:t>ower:</a:t>
+            </a:r>
+            <a:r>
+              <a:rPr lang="zh-CN" altLang="en-US" dirty="0" smtClean="0"/>
+              <a:t>距离上界</a:t>
+            </a:r>
+            <a:endParaRPr lang="en-US" altLang="zh-CN" dirty="0" smtClean="0"/>
+          </a:p>
+          <a:p>
+            <a:r>
+              <a:rPr lang="en-US" altLang="zh-CN" dirty="0" smtClean="0"/>
+              <a:t>upper:</a:t>
+            </a:r>
+            <a:r>
+              <a:rPr lang="zh-CN" altLang="en-US" dirty="0" smtClean="0"/>
+              <a:t>距离下界</a:t>
+            </a:r>
+            <a:endParaRPr lang="en-US" altLang="zh-CN" dirty="0" smtClean="0"/>
+          </a:p>
+          <a:p>
+            <a:r>
+              <a:rPr lang="en-US" altLang="zh-CN" dirty="0"/>
+              <a:t>c</a:t>
+            </a:r>
+            <a:r>
+              <a:rPr lang="en-US" altLang="zh-CN" dirty="0" smtClean="0"/>
+              <a:t>hild:</a:t>
+            </a:r>
+            <a:r>
+              <a:rPr lang="zh-CN" altLang="en-US" dirty="0" smtClean="0"/>
+              <a:t>子节点指针</a:t>
+            </a:r>
+            <a:endParaRPr lang="zh-CN" altLang="en-US" dirty="0"/>
+          </a:p>
+        </p:txBody>
+      </p:sp>
     </p:spTree>
     <p:extLst>
       <p:ext uri="{BB962C8B-B14F-4D97-AF65-F5344CB8AC3E}">
@@ -4793,6 +8473,13 @@
   <p:clrMapOvr>
     <a:masterClrMapping/>
   </p:clrMapOvr>
+  <p:timing>
+    <p:tnLst>
+      <p:par>
+        <p:cTn id="1" dur="indefinite" restart="never" nodeType="tmRoot"/>
+      </p:par>
+    </p:tnLst>
+  </p:timing>
 </p:sld>
 </file>
 

--- a/地理轨迹相似性分析服务的设计和.pptx
+++ b/地理轨迹相似性分析服务的设计和.pptx
@@ -322,7 +322,7 @@
           <a:p>
             <a:fld id="{FCB3D494-3462-4D34-9547-67E8B3E96D9E}" type="datetimeFigureOut">
               <a:rPr lang="zh-CN" altLang="en-US" smtClean="0"/>
-              <a:t>2019/5/4</a:t>
+              <a:t>2019/5/6</a:t>
             </a:fld>
             <a:endParaRPr lang="zh-CN" altLang="en-US"/>
           </a:p>
@@ -492,7 +492,7 @@
           <a:p>
             <a:fld id="{FCB3D494-3462-4D34-9547-67E8B3E96D9E}" type="datetimeFigureOut">
               <a:rPr lang="zh-CN" altLang="en-US" smtClean="0"/>
-              <a:t>2019/5/4</a:t>
+              <a:t>2019/5/6</a:t>
             </a:fld>
             <a:endParaRPr lang="zh-CN" altLang="en-US"/>
           </a:p>
@@ -672,7 +672,7 @@
           <a:p>
             <a:fld id="{FCB3D494-3462-4D34-9547-67E8B3E96D9E}" type="datetimeFigureOut">
               <a:rPr lang="zh-CN" altLang="en-US" smtClean="0"/>
-              <a:t>2019/5/4</a:t>
+              <a:t>2019/5/6</a:t>
             </a:fld>
             <a:endParaRPr lang="zh-CN" altLang="en-US"/>
           </a:p>
@@ -842,7 +842,7 @@
           <a:p>
             <a:fld id="{FCB3D494-3462-4D34-9547-67E8B3E96D9E}" type="datetimeFigureOut">
               <a:rPr lang="zh-CN" altLang="en-US" smtClean="0"/>
-              <a:t>2019/5/4</a:t>
+              <a:t>2019/5/6</a:t>
             </a:fld>
             <a:endParaRPr lang="zh-CN" altLang="en-US"/>
           </a:p>
@@ -1088,7 +1088,7 @@
           <a:p>
             <a:fld id="{FCB3D494-3462-4D34-9547-67E8B3E96D9E}" type="datetimeFigureOut">
               <a:rPr lang="zh-CN" altLang="en-US" smtClean="0"/>
-              <a:t>2019/5/4</a:t>
+              <a:t>2019/5/6</a:t>
             </a:fld>
             <a:endParaRPr lang="zh-CN" altLang="en-US"/>
           </a:p>
@@ -1320,7 +1320,7 @@
           <a:p>
             <a:fld id="{FCB3D494-3462-4D34-9547-67E8B3E96D9E}" type="datetimeFigureOut">
               <a:rPr lang="zh-CN" altLang="en-US" smtClean="0"/>
-              <a:t>2019/5/4</a:t>
+              <a:t>2019/5/6</a:t>
             </a:fld>
             <a:endParaRPr lang="zh-CN" altLang="en-US"/>
           </a:p>
@@ -1687,7 +1687,7 @@
           <a:p>
             <a:fld id="{FCB3D494-3462-4D34-9547-67E8B3E96D9E}" type="datetimeFigureOut">
               <a:rPr lang="zh-CN" altLang="en-US" smtClean="0"/>
-              <a:t>2019/5/4</a:t>
+              <a:t>2019/5/6</a:t>
             </a:fld>
             <a:endParaRPr lang="zh-CN" altLang="en-US"/>
           </a:p>
@@ -1805,7 +1805,7 @@
           <a:p>
             <a:fld id="{FCB3D494-3462-4D34-9547-67E8B3E96D9E}" type="datetimeFigureOut">
               <a:rPr lang="zh-CN" altLang="en-US" smtClean="0"/>
-              <a:t>2019/5/4</a:t>
+              <a:t>2019/5/6</a:t>
             </a:fld>
             <a:endParaRPr lang="zh-CN" altLang="en-US"/>
           </a:p>
@@ -1900,7 +1900,7 @@
           <a:p>
             <a:fld id="{FCB3D494-3462-4D34-9547-67E8B3E96D9E}" type="datetimeFigureOut">
               <a:rPr lang="zh-CN" altLang="en-US" smtClean="0"/>
-              <a:t>2019/5/4</a:t>
+              <a:t>2019/5/6</a:t>
             </a:fld>
             <a:endParaRPr lang="zh-CN" altLang="en-US"/>
           </a:p>
@@ -2177,7 +2177,7 @@
           <a:p>
             <a:fld id="{FCB3D494-3462-4D34-9547-67E8B3E96D9E}" type="datetimeFigureOut">
               <a:rPr lang="zh-CN" altLang="en-US" smtClean="0"/>
-              <a:t>2019/5/4</a:t>
+              <a:t>2019/5/6</a:t>
             </a:fld>
             <a:endParaRPr lang="zh-CN" altLang="en-US"/>
           </a:p>
@@ -2430,7 +2430,7 @@
           <a:p>
             <a:fld id="{FCB3D494-3462-4D34-9547-67E8B3E96D9E}" type="datetimeFigureOut">
               <a:rPr lang="zh-CN" altLang="en-US" smtClean="0"/>
-              <a:t>2019/5/4</a:t>
+              <a:t>2019/5/6</a:t>
             </a:fld>
             <a:endParaRPr lang="zh-CN" altLang="en-US"/>
           </a:p>
@@ -2643,7 +2643,7 @@
           <a:p>
             <a:fld id="{FCB3D494-3462-4D34-9547-67E8B3E96D9E}" type="datetimeFigureOut">
               <a:rPr lang="zh-CN" altLang="en-US" smtClean="0"/>
-              <a:t>2019/5/4</a:t>
+              <a:t>2019/5/6</a:t>
             </a:fld>
             <a:endParaRPr lang="zh-CN" altLang="en-US"/>
           </a:p>
@@ -4601,7 +4601,7 @@
         </p:blipFill>
         <p:spPr>
           <a:xfrm>
-            <a:off x="4532725" y="1461408"/>
+            <a:off x="4742266" y="1312118"/>
             <a:ext cx="7384420" cy="2591025"/>
           </a:xfrm>
           <a:prstGeom prst="rect">
@@ -5221,7 +5221,11 @@
           <a:p>
             <a:r>
               <a:rPr lang="zh-CN" altLang="en-US" dirty="0" smtClean="0"/>
-              <a:t>但是数据槽位不满，数据点重分布</a:t>
+              <a:t>但是数据槽位不满，数据点重</a:t>
+            </a:r>
+            <a:r>
+              <a:rPr lang="zh-CN" altLang="en-US" dirty="0" smtClean="0"/>
+              <a:t>分布，（中心扩散）</a:t>
             </a:r>
             <a:endParaRPr lang="en-US" altLang="zh-CN" dirty="0" smtClean="0"/>
           </a:p>
@@ -8184,11 +8188,7 @@
           <a:p>
             <a:r>
               <a:rPr lang="zh-CN" altLang="en-US" dirty="0" smtClean="0"/>
-              <a:t>索引粒度：单个轨迹数据</a:t>
-            </a:r>
-            <a:r>
-              <a:rPr lang="zh-CN" altLang="en-US" dirty="0" smtClean="0"/>
-              <a:t>对象</a:t>
+              <a:t>索引粒度：单个轨迹数据对象</a:t>
             </a:r>
             <a:r>
               <a:rPr lang="en-US" altLang="zh-CN" dirty="0" smtClean="0"/>

--- a/地理轨迹相似性分析服务的设计和.pptx
+++ b/地理轨迹相似性分析服务的设计和.pptx
@@ -27,10 +27,11 @@
     <p:sldId id="276" r:id="rId21"/>
     <p:sldId id="280" r:id="rId22"/>
     <p:sldId id="278" r:id="rId23"/>
-    <p:sldId id="279" r:id="rId24"/>
-    <p:sldId id="281" r:id="rId25"/>
-    <p:sldId id="283" r:id="rId26"/>
-    <p:sldId id="282" r:id="rId27"/>
+    <p:sldId id="284" r:id="rId24"/>
+    <p:sldId id="279" r:id="rId25"/>
+    <p:sldId id="281" r:id="rId26"/>
+    <p:sldId id="283" r:id="rId27"/>
+    <p:sldId id="282" r:id="rId28"/>
   </p:sldIdLst>
   <p:sldSz cx="12192000" cy="6858000"/>
   <p:notesSz cx="6858000" cy="9144000"/>
@@ -176,6 +177,7 @@
         <p14:section name="地图瓦片子服务详细设计与实现" id="{17655331-F3A6-456E-A8F3-924D4F99F694}">
           <p14:sldIdLst>
             <p14:sldId id="278"/>
+            <p14:sldId id="284"/>
             <p14:sldId id="279"/>
             <p14:sldId id="281"/>
             <p14:sldId id="283"/>
@@ -5221,11 +5223,7 @@
           <a:p>
             <a:r>
               <a:rPr lang="zh-CN" altLang="en-US" dirty="0" smtClean="0"/>
-              <a:t>但是数据槽位不满，数据点重</a:t>
-            </a:r>
-            <a:r>
-              <a:rPr lang="zh-CN" altLang="en-US" dirty="0" smtClean="0"/>
-              <a:t>分布，（中心扩散）</a:t>
+              <a:t>但是数据槽位不满，数据点重分布，（中心扩散）</a:t>
             </a:r>
             <a:endParaRPr lang="en-US" altLang="zh-CN" dirty="0" smtClean="0"/>
           </a:p>
@@ -6267,8 +6265,8 @@
         </p:nvSpPr>
         <p:spPr>
           <a:xfrm>
-            <a:off x="195941" y="1212980"/>
-            <a:ext cx="4758614" cy="3416320"/>
+            <a:off x="382555" y="1268963"/>
+            <a:ext cx="5561046" cy="4154984"/>
           </a:xfrm>
           <a:prstGeom prst="rect">
             <a:avLst/>
@@ -6287,14 +6285,29 @@
               </a:lnSpc>
             </a:pPr>
             <a:r>
-              <a:rPr lang="en-US" altLang="zh-CN" sz="2400" dirty="0" smtClean="0"/>
+              <a:rPr lang="en-US" altLang="zh-CN" sz="2200" dirty="0" smtClean="0"/>
               <a:t>1.</a:t>
             </a:r>
             <a:r>
-              <a:rPr lang="zh-CN" altLang="en-US" sz="2400" dirty="0" smtClean="0"/>
-              <a:t>提供地图瓦片的读，写功能</a:t>
-            </a:r>
-            <a:endParaRPr lang="en-US" altLang="zh-CN" sz="2400" dirty="0" smtClean="0"/>
+              <a:rPr lang="zh-CN" altLang="en-US" sz="2200" dirty="0" smtClean="0"/>
+              <a:t>提供地图瓦片的读，写</a:t>
+            </a:r>
+            <a:r>
+              <a:rPr lang="zh-CN" altLang="en-US" sz="2200" dirty="0" smtClean="0"/>
+              <a:t>功能</a:t>
+            </a:r>
+            <a:r>
+              <a:rPr lang="en-US" altLang="zh-CN" sz="2200" dirty="0" smtClean="0"/>
+              <a:t>(</a:t>
+            </a:r>
+            <a:r>
+              <a:rPr lang="en-US" altLang="zh-CN" sz="2200" dirty="0" err="1" smtClean="0"/>
+              <a:t>Nodejs</a:t>
+            </a:r>
+            <a:r>
+              <a:rPr lang="en-US" altLang="zh-CN" sz="2200" dirty="0" smtClean="0"/>
+              <a:t> Express)</a:t>
+            </a:r>
           </a:p>
           <a:p>
             <a:pPr>
@@ -6303,25 +6316,30 @@
               </a:lnSpc>
             </a:pPr>
             <a:r>
-              <a:rPr lang="en-US" altLang="zh-CN" sz="2400" dirty="0" smtClean="0"/>
-              <a:t>2.</a:t>
-            </a:r>
-            <a:r>
-              <a:rPr lang="zh-CN" altLang="en-US" sz="2400" dirty="0" smtClean="0"/>
+              <a:rPr lang="en-US" altLang="zh-CN" sz="2200" dirty="0" smtClean="0"/>
+              <a:t>2</a:t>
+            </a:r>
+            <a:r>
+              <a:rPr lang="en-US" altLang="zh-CN" sz="2200" dirty="0" smtClean="0"/>
+              <a:t>.</a:t>
+            </a:r>
+            <a:r>
+              <a:rPr lang="zh-CN" altLang="en-US" sz="2200" dirty="0" smtClean="0"/>
               <a:t>读功能，简单的</a:t>
             </a:r>
             <a:r>
-              <a:rPr lang="en-US" altLang="zh-CN" sz="2400" dirty="0" err="1" smtClean="0"/>
+              <a:rPr lang="en-US" altLang="zh-CN" sz="2200" dirty="0" err="1" smtClean="0"/>
               <a:t>sql</a:t>
             </a:r>
             <a:r>
-              <a:rPr lang="zh-CN" altLang="en-US" sz="2400" dirty="0" smtClean="0"/>
-              <a:t>操作</a:t>
-            </a:r>
-            <a:r>
-              <a:rPr lang="en-US" altLang="zh-CN" sz="2400" dirty="0" smtClean="0"/>
+              <a:rPr lang="zh-CN" altLang="en-US" sz="2200" dirty="0" smtClean="0"/>
+              <a:t>操作，没有复杂度</a:t>
+            </a:r>
+            <a:r>
+              <a:rPr lang="en-US" altLang="zh-CN" sz="2200" dirty="0" smtClean="0"/>
               <a:t>         </a:t>
             </a:r>
+            <a:endParaRPr lang="en-US" altLang="zh-CN" sz="2200" dirty="0" smtClean="0"/>
           </a:p>
           <a:p>
             <a:pPr>
@@ -6330,14 +6348,26 @@
               </a:lnSpc>
             </a:pPr>
             <a:r>
-              <a:rPr lang="en-US" altLang="zh-CN" sz="2400" dirty="0" smtClean="0"/>
-              <a:t>	get  z/x/</a:t>
-            </a:r>
-            <a:r>
-              <a:rPr lang="en-US" altLang="zh-CN" sz="2400" dirty="0" err="1" smtClean="0"/>
-              <a:t>y.pdf</a:t>
-            </a:r>
-            <a:endParaRPr lang="en-US" altLang="zh-CN" sz="2400" dirty="0" smtClean="0"/>
+              <a:rPr lang="en-US" altLang="zh-CN" sz="2200" dirty="0"/>
+              <a:t> </a:t>
+            </a:r>
+            <a:r>
+              <a:rPr lang="en-US" altLang="zh-CN" sz="2200" dirty="0" smtClean="0"/>
+              <a:t>   </a:t>
+            </a:r>
+            <a:r>
+              <a:rPr lang="en-US" altLang="zh-CN" sz="2200" dirty="0" smtClean="0"/>
+              <a:t>get </a:t>
+            </a:r>
+            <a:r>
+              <a:rPr lang="en-US" altLang="zh-CN" sz="2200" dirty="0" smtClean="0"/>
+              <a:t>192.16.1.131:8000/{z}</a:t>
+            </a:r>
+            <a:r>
+              <a:rPr lang="en-US" altLang="zh-CN" sz="2200" dirty="0" smtClean="0"/>
+              <a:t>/{x}/{y}.pdf </a:t>
+            </a:r>
+            <a:endParaRPr lang="en-US" altLang="zh-CN" sz="2200" dirty="0"/>
           </a:p>
           <a:p>
             <a:pPr>
@@ -6346,22 +6376,10 @@
               </a:lnSpc>
             </a:pPr>
             <a:r>
-              <a:rPr lang="zh-CN" altLang="en-US" sz="2400" dirty="0" smtClean="0"/>
-              <a:t>（</a:t>
-            </a:r>
-            <a:r>
-              <a:rPr lang="en-US" altLang="zh-CN" sz="2400" dirty="0" smtClean="0"/>
-              <a:t> </a:t>
-            </a:r>
-            <a:r>
-              <a:rPr lang="en-US" altLang="zh-CN" sz="2400" dirty="0" err="1"/>
-              <a:t>mbtiles</a:t>
-            </a:r>
-            <a:r>
-              <a:rPr lang="zh-CN" altLang="en-US" sz="2400" dirty="0" smtClean="0"/>
-              <a:t>文件中一行数据）</a:t>
-            </a:r>
-            <a:endParaRPr lang="en-US" altLang="zh-CN" sz="2400" dirty="0" smtClean="0"/>
+              <a:rPr lang="en-US" altLang="zh-CN" sz="2200" dirty="0" smtClean="0"/>
+              <a:t>    select data from where z=a and x=b and y=c </a:t>
+            </a:r>
+            <a:endParaRPr lang="en-US" altLang="zh-CN" sz="2200" dirty="0" smtClean="0"/>
           </a:p>
           <a:p>
             <a:pPr>
@@ -6370,14 +6388,14 @@
               </a:lnSpc>
             </a:pPr>
             <a:r>
-              <a:rPr lang="en-US" altLang="zh-CN" sz="2400" dirty="0" smtClean="0"/>
-              <a:t>3.</a:t>
-            </a:r>
-            <a:r>
-              <a:rPr lang="zh-CN" altLang="en-US" sz="2400" dirty="0" smtClean="0"/>
-              <a:t>重点介绍局部更新功能</a:t>
-            </a:r>
-            <a:endParaRPr lang="en-US" altLang="zh-CN" sz="2400" dirty="0" smtClean="0"/>
+              <a:rPr lang="en-US" altLang="zh-CN" sz="2200" dirty="0" smtClean="0"/>
+              <a:t>   192.16.1.131:8000/data/</a:t>
+            </a:r>
+            <a:r>
+              <a:rPr lang="en-US" altLang="zh-CN" sz="2200" dirty="0" err="1" smtClean="0"/>
+              <a:t>v3.json</a:t>
+            </a:r>
+            <a:endParaRPr lang="en-US" altLang="zh-CN" sz="2200" dirty="0" smtClean="0"/>
           </a:p>
           <a:p>
             <a:pPr>
@@ -6386,17 +6404,83 @@
               </a:lnSpc>
             </a:pPr>
             <a:r>
-              <a:rPr lang="en-US" altLang="zh-CN" sz="2400" dirty="0" smtClean="0"/>
-              <a:t>(</a:t>
-            </a:r>
-            <a:r>
-              <a:rPr lang="zh-CN" altLang="en-US" sz="2400" dirty="0" smtClean="0"/>
+              <a:rPr lang="en-US" altLang="zh-CN" sz="2200" dirty="0" smtClean="0"/>
+              <a:t>   192.16.1.131:8000/style/</a:t>
+            </a:r>
+            <a:r>
+              <a:rPr lang="en-US" altLang="zh-CN" sz="2200" dirty="0" err="1" smtClean="0"/>
+              <a:t>Klokanch.json</a:t>
+            </a:r>
+            <a:endParaRPr lang="en-US" altLang="zh-CN" sz="2200" dirty="0" smtClean="0"/>
+          </a:p>
+          <a:p>
+            <a:pPr>
+              <a:lnSpc>
+                <a:spcPct val="150000"/>
+              </a:lnSpc>
+            </a:pPr>
+            <a:r>
+              <a:rPr lang="en-US" altLang="zh-CN" sz="2200" dirty="0" smtClean="0"/>
+              <a:t>3</a:t>
+            </a:r>
+            <a:r>
+              <a:rPr lang="en-US" altLang="zh-CN" sz="2200" dirty="0" smtClean="0"/>
+              <a:t>.</a:t>
+            </a:r>
+            <a:r>
+              <a:rPr lang="zh-CN" altLang="en-US" sz="2200" dirty="0" smtClean="0"/>
+              <a:t>重点介绍局部更新功能</a:t>
+            </a:r>
+            <a:endParaRPr lang="en-US" altLang="zh-CN" sz="2200" dirty="0" smtClean="0"/>
+          </a:p>
+          <a:p>
+            <a:pPr>
+              <a:lnSpc>
+                <a:spcPct val="150000"/>
+              </a:lnSpc>
+            </a:pPr>
+            <a:r>
+              <a:rPr lang="en-US" altLang="zh-CN" sz="2200" dirty="0" smtClean="0"/>
+              <a:t>    (</a:t>
+            </a:r>
+            <a:r>
+              <a:rPr lang="zh-CN" altLang="en-US" sz="2200" dirty="0" smtClean="0"/>
               <a:t>类似开源系统没有此功能）</a:t>
             </a:r>
-            <a:endParaRPr lang="en-US" altLang="zh-CN" sz="2400" dirty="0" smtClean="0"/>
-          </a:p>
-        </p:txBody>
-      </p:sp>
+            <a:endParaRPr lang="en-US" altLang="zh-CN" sz="2200" dirty="0" smtClean="0"/>
+          </a:p>
+        </p:txBody>
+      </p:sp>
+      <p:pic>
+        <p:nvPicPr>
+          <p:cNvPr id="2" name="图片 1"/>
+          <p:cNvPicPr>
+            <a:picLocks noChangeAspect="1"/>
+          </p:cNvPicPr>
+          <p:nvPr/>
+        </p:nvPicPr>
+        <p:blipFill>
+          <a:blip r:embed="rId2">
+            <a:extLst>
+              <a:ext uri="{28A0092B-C50C-407E-A947-70E740481C1C}">
+                <a14:useLocalDpi xmlns:a14="http://schemas.microsoft.com/office/drawing/2010/main" val="0"/>
+              </a:ext>
+            </a:extLst>
+          </a:blip>
+          <a:stretch>
+            <a:fillRect/>
+          </a:stretch>
+        </p:blipFill>
+        <p:spPr>
+          <a:xfrm>
+            <a:off x="5763208" y="363893"/>
+            <a:ext cx="6690049" cy="6494107"/>
+          </a:xfrm>
+          <a:prstGeom prst="rect">
+            <a:avLst/>
+          </a:prstGeom>
+        </p:spPr>
+      </p:pic>
     </p:spTree>
     <p:extLst>
       <p:ext uri="{BB962C8B-B14F-4D97-AF65-F5344CB8AC3E}">
@@ -6439,7 +6523,7 @@
         </p:nvSpPr>
         <p:spPr>
           <a:xfrm>
-            <a:off x="297024" y="-120067"/>
+            <a:off x="838200" y="66546"/>
             <a:ext cx="10515600" cy="1325563"/>
           </a:xfrm>
         </p:spPr>
@@ -6448,132 +6532,32 @@
           <a:lstStyle/>
           <a:p>
             <a:r>
-              <a:rPr lang="zh-CN" altLang="en-US" dirty="0" smtClean="0"/>
-              <a:t>地图局部更新功能流程图</a:t>
-            </a:r>
-            <a:endParaRPr lang="zh-CN" altLang="en-US" dirty="0"/>
-          </a:p>
-        </p:txBody>
-      </p:sp>
-      <p:pic>
-        <p:nvPicPr>
-          <p:cNvPr id="4" name="内容占位符 3"/>
-          <p:cNvPicPr>
-            <a:picLocks noGrp="1" noChangeAspect="1"/>
-          </p:cNvPicPr>
+              <a:rPr lang="zh-CN" altLang="en-US" dirty="0"/>
+              <a:t>地图局部更新功能</a:t>
+            </a:r>
+          </a:p>
+        </p:txBody>
+      </p:sp>
+      <p:sp>
+        <p:nvSpPr>
+          <p:cNvPr id="3" name="内容占位符 2"/>
+          <p:cNvSpPr>
+            <a:spLocks noGrp="1"/>
+          </p:cNvSpPr>
           <p:nvPr>
             <p:ph idx="1"/>
           </p:nvPr>
-        </p:nvPicPr>
-        <p:blipFill>
-          <a:blip r:embed="rId2">
-            <a:extLst>
-              <a:ext uri="{28A0092B-C50C-407E-A947-70E740481C1C}">
-                <a14:useLocalDpi xmlns:a14="http://schemas.microsoft.com/office/drawing/2010/main" val="0"/>
-              </a:ext>
-            </a:extLst>
-          </a:blip>
-          <a:stretch>
-            <a:fillRect/>
-          </a:stretch>
-        </p:blipFill>
-        <p:spPr>
-          <a:xfrm>
-            <a:off x="6036906" y="998375"/>
-            <a:ext cx="5014975" cy="5756988"/>
-          </a:xfrm>
-        </p:spPr>
-      </p:pic>
-      <p:pic>
-        <p:nvPicPr>
-          <p:cNvPr id="5" name="图片 4"/>
-          <p:cNvPicPr>
-            <a:picLocks noChangeAspect="1"/>
-          </p:cNvPicPr>
-          <p:nvPr/>
-        </p:nvPicPr>
-        <p:blipFill>
-          <a:blip r:embed="rId3">
-            <a:extLst>
-              <a:ext uri="{28A0092B-C50C-407E-A947-70E740481C1C}">
-                <a14:useLocalDpi xmlns:a14="http://schemas.microsoft.com/office/drawing/2010/main" val="0"/>
-              </a:ext>
-            </a:extLst>
-          </a:blip>
-          <a:stretch>
-            <a:fillRect/>
-          </a:stretch>
-        </p:blipFill>
-        <p:spPr>
-          <a:xfrm>
-            <a:off x="1250302" y="1721870"/>
-            <a:ext cx="2354355" cy="1159205"/>
-          </a:xfrm>
-          <a:prstGeom prst="rect">
-            <a:avLst/>
-          </a:prstGeom>
-        </p:spPr>
-      </p:pic>
-      <p:sp>
-        <p:nvSpPr>
-          <p:cNvPr id="6" name="文本框 5"/>
-          <p:cNvSpPr txBox="1"/>
-          <p:nvPr/>
-        </p:nvSpPr>
-        <p:spPr>
-          <a:xfrm>
-            <a:off x="1250302" y="1352538"/>
-            <a:ext cx="1866122" cy="369332"/>
-          </a:xfrm>
-          <a:prstGeom prst="rect">
-            <a:avLst/>
-          </a:prstGeom>
-          <a:noFill/>
-        </p:spPr>
-        <p:txBody>
-          <a:bodyPr wrap="square" rtlCol="0">
-            <a:spAutoFit/>
-          </a:bodyPr>
-          <a:lstStyle/>
-          <a:p>
-            <a:r>
-              <a:rPr lang="en-US" altLang="zh-CN" dirty="0" smtClean="0"/>
-              <a:t>Web</a:t>
-            </a:r>
-            <a:r>
-              <a:rPr lang="zh-CN" altLang="en-US" dirty="0" smtClean="0"/>
-              <a:t>墨卡托公式</a:t>
-            </a:r>
-            <a:endParaRPr lang="zh-CN" altLang="en-US" dirty="0"/>
-          </a:p>
-        </p:txBody>
-      </p:sp>
-      <p:sp>
-        <p:nvSpPr>
-          <p:cNvPr id="7" name="文本框 6"/>
-          <p:cNvSpPr txBox="1"/>
-          <p:nvPr/>
-        </p:nvSpPr>
-        <p:spPr>
-          <a:xfrm>
-            <a:off x="821094" y="3191069"/>
-            <a:ext cx="4376057" cy="369332"/>
-          </a:xfrm>
-          <a:prstGeom prst="rect">
-            <a:avLst/>
-          </a:prstGeom>
-          <a:noFill/>
-        </p:spPr>
-        <p:txBody>
-          <a:bodyPr wrap="square" rtlCol="0">
-            <a:spAutoFit/>
-          </a:bodyPr>
-          <a:lstStyle/>
-          <a:p>
-            <a:r>
-              <a:rPr lang="zh-CN" altLang="en-US" dirty="0" smtClean="0"/>
-              <a:t>将经纬度坐标转为地图瓦片坐标</a:t>
-            </a:r>
+        </p:nvSpPr>
+        <p:spPr>
+          <a:xfrm>
+            <a:off x="838200" y="1265787"/>
+            <a:ext cx="10515600" cy="4351338"/>
+          </a:xfrm>
+        </p:spPr>
+        <p:txBody>
+          <a:bodyPr/>
+          <a:lstStyle/>
+          <a:p>
             <a:endParaRPr lang="zh-CN" altLang="en-US" dirty="0"/>
           </a:p>
         </p:txBody>
@@ -6581,7 +6565,7 @@
     </p:spTree>
     <p:extLst>
       <p:ext uri="{BB962C8B-B14F-4D97-AF65-F5344CB8AC3E}">
-        <p14:creationId xmlns:p14="http://schemas.microsoft.com/office/powerpoint/2010/main" val="3308206205"/>
+        <p14:creationId xmlns:p14="http://schemas.microsoft.com/office/powerpoint/2010/main" val="317703351"/>
       </p:ext>
     </p:extLst>
   </p:cSld>
@@ -6620,7 +6604,7 @@
         </p:nvSpPr>
         <p:spPr>
           <a:xfrm>
-            <a:off x="476250" y="0"/>
+            <a:off x="297024" y="-120067"/>
             <a:ext cx="10515600" cy="1325563"/>
           </a:xfrm>
         </p:spPr>
@@ -6630,7 +6614,134 @@
           <a:p>
             <a:r>
               <a:rPr lang="zh-CN" altLang="en-US" dirty="0" smtClean="0"/>
-              <a:t>局部更新一致性保障</a:t>
+              <a:t>地图局部更新</a:t>
+            </a:r>
+            <a:r>
+              <a:rPr lang="zh-CN" altLang="en-US" dirty="0" smtClean="0"/>
+              <a:t>功能原理与流程图</a:t>
+            </a:r>
+            <a:endParaRPr lang="zh-CN" altLang="en-US" dirty="0"/>
+          </a:p>
+        </p:txBody>
+      </p:sp>
+      <p:pic>
+        <p:nvPicPr>
+          <p:cNvPr id="4" name="内容占位符 3"/>
+          <p:cNvPicPr>
+            <a:picLocks noGrp="1" noChangeAspect="1"/>
+          </p:cNvPicPr>
+          <p:nvPr>
+            <p:ph idx="1"/>
+          </p:nvPr>
+        </p:nvPicPr>
+        <p:blipFill>
+          <a:blip r:embed="rId2">
+            <a:extLst>
+              <a:ext uri="{28A0092B-C50C-407E-A947-70E740481C1C}">
+                <a14:useLocalDpi xmlns:a14="http://schemas.microsoft.com/office/drawing/2010/main" val="0"/>
+              </a:ext>
+            </a:extLst>
+          </a:blip>
+          <a:stretch>
+            <a:fillRect/>
+          </a:stretch>
+        </p:blipFill>
+        <p:spPr>
+          <a:xfrm>
+            <a:off x="6447453" y="1101012"/>
+            <a:ext cx="5014975" cy="5756988"/>
+          </a:xfrm>
+        </p:spPr>
+      </p:pic>
+      <p:pic>
+        <p:nvPicPr>
+          <p:cNvPr id="5" name="图片 4"/>
+          <p:cNvPicPr>
+            <a:picLocks noChangeAspect="1"/>
+          </p:cNvPicPr>
+          <p:nvPr/>
+        </p:nvPicPr>
+        <p:blipFill>
+          <a:blip r:embed="rId3">
+            <a:extLst>
+              <a:ext uri="{28A0092B-C50C-407E-A947-70E740481C1C}">
+                <a14:useLocalDpi xmlns:a14="http://schemas.microsoft.com/office/drawing/2010/main" val="0"/>
+              </a:ext>
+            </a:extLst>
+          </a:blip>
+          <a:stretch>
+            <a:fillRect/>
+          </a:stretch>
+        </p:blipFill>
+        <p:spPr>
+          <a:xfrm>
+            <a:off x="1250302" y="1721870"/>
+            <a:ext cx="2354355" cy="1159205"/>
+          </a:xfrm>
+          <a:prstGeom prst="rect">
+            <a:avLst/>
+          </a:prstGeom>
+        </p:spPr>
+      </p:pic>
+      <p:sp>
+        <p:nvSpPr>
+          <p:cNvPr id="6" name="文本框 5"/>
+          <p:cNvSpPr txBox="1"/>
+          <p:nvPr/>
+        </p:nvSpPr>
+        <p:spPr>
+          <a:xfrm>
+            <a:off x="1250302" y="1352538"/>
+            <a:ext cx="1866122" cy="369332"/>
+          </a:xfrm>
+          <a:prstGeom prst="rect">
+            <a:avLst/>
+          </a:prstGeom>
+          <a:noFill/>
+        </p:spPr>
+        <p:txBody>
+          <a:bodyPr wrap="square" rtlCol="0">
+            <a:spAutoFit/>
+          </a:bodyPr>
+          <a:lstStyle/>
+          <a:p>
+            <a:r>
+              <a:rPr lang="en-US" altLang="zh-CN" dirty="0" smtClean="0"/>
+              <a:t>Web</a:t>
+            </a:r>
+            <a:r>
+              <a:rPr lang="zh-CN" altLang="en-US" dirty="0" smtClean="0"/>
+              <a:t>墨卡托公式</a:t>
+            </a:r>
+            <a:endParaRPr lang="zh-CN" altLang="en-US" dirty="0"/>
+          </a:p>
+        </p:txBody>
+      </p:sp>
+      <p:sp>
+        <p:nvSpPr>
+          <p:cNvPr id="7" name="文本框 6"/>
+          <p:cNvSpPr txBox="1"/>
+          <p:nvPr/>
+        </p:nvSpPr>
+        <p:spPr>
+          <a:xfrm>
+            <a:off x="821094" y="3191069"/>
+            <a:ext cx="4376057" cy="369332"/>
+          </a:xfrm>
+          <a:prstGeom prst="rect">
+            <a:avLst/>
+          </a:prstGeom>
+          <a:noFill/>
+        </p:spPr>
+        <p:txBody>
+          <a:bodyPr wrap="square" rtlCol="0">
+            <a:spAutoFit/>
+          </a:bodyPr>
+          <a:lstStyle/>
+          <a:p>
+            <a:r>
+              <a:rPr lang="zh-CN" altLang="en-US" dirty="0" smtClean="0"/>
+              <a:t>将经纬度坐标转为地图瓦片坐标</a:t>
             </a:r>
             <a:endParaRPr lang="zh-CN" altLang="en-US" dirty="0"/>
           </a:p>
@@ -6639,7 +6750,7 @@
     </p:spTree>
     <p:extLst>
       <p:ext uri="{BB962C8B-B14F-4D97-AF65-F5344CB8AC3E}">
-        <p14:creationId xmlns:p14="http://schemas.microsoft.com/office/powerpoint/2010/main" val="3163544939"/>
+        <p14:creationId xmlns:p14="http://schemas.microsoft.com/office/powerpoint/2010/main" val="3308206205"/>
       </p:ext>
     </p:extLst>
   </p:cSld>
@@ -6676,6 +6787,64 @@
             <p:ph type="title"/>
           </p:nvPr>
         </p:nvSpPr>
+        <p:spPr>
+          <a:xfrm>
+            <a:off x="476250" y="0"/>
+            <a:ext cx="10515600" cy="1325563"/>
+          </a:xfrm>
+        </p:spPr>
+        <p:txBody>
+          <a:bodyPr/>
+          <a:lstStyle/>
+          <a:p>
+            <a:r>
+              <a:rPr lang="zh-CN" altLang="en-US" dirty="0" smtClean="0"/>
+              <a:t>局部更新一致性保障</a:t>
+            </a:r>
+            <a:endParaRPr lang="zh-CN" altLang="en-US" dirty="0"/>
+          </a:p>
+        </p:txBody>
+      </p:sp>
+    </p:spTree>
+    <p:extLst>
+      <p:ext uri="{BB962C8B-B14F-4D97-AF65-F5344CB8AC3E}">
+        <p14:creationId xmlns:p14="http://schemas.microsoft.com/office/powerpoint/2010/main" val="3163544939"/>
+      </p:ext>
+    </p:extLst>
+  </p:cSld>
+  <p:clrMapOvr>
+    <a:masterClrMapping/>
+  </p:clrMapOvr>
+</p:sld>
+</file>
+
+<file path=ppt/slides/slide26.xml><?xml version="1.0" encoding="utf-8"?>
+<p:sld xmlns:a="http://schemas.openxmlformats.org/drawingml/2006/main" xmlns:r="http://schemas.openxmlformats.org/officeDocument/2006/relationships" xmlns:p="http://schemas.openxmlformats.org/presentationml/2006/main">
+  <p:cSld>
+    <p:spTree>
+      <p:nvGrpSpPr>
+        <p:cNvPr id="1" name=""/>
+        <p:cNvGrpSpPr/>
+        <p:nvPr/>
+      </p:nvGrpSpPr>
+      <p:grpSpPr>
+        <a:xfrm>
+          <a:off x="0" y="0"/>
+          <a:ext cx="0" cy="0"/>
+          <a:chOff x="0" y="0"/>
+          <a:chExt cx="0" cy="0"/>
+        </a:xfrm>
+      </p:grpSpPr>
+      <p:sp>
+        <p:nvSpPr>
+          <p:cNvPr id="2" name="标题 1"/>
+          <p:cNvSpPr>
+            <a:spLocks noGrp="1"/>
+          </p:cNvSpPr>
+          <p:nvPr>
+            <p:ph type="title"/>
+          </p:nvPr>
+        </p:nvSpPr>
         <p:spPr/>
         <p:txBody>
           <a:bodyPr/>
@@ -6721,7 +6890,7 @@
 </p:sld>
 </file>
 
-<file path=ppt/slides/slide26.xml><?xml version="1.0" encoding="utf-8"?>
+<file path=ppt/slides/slide27.xml><?xml version="1.0" encoding="utf-8"?>
 <p:sld xmlns:a="http://schemas.openxmlformats.org/drawingml/2006/main" xmlns:r="http://schemas.openxmlformats.org/officeDocument/2006/relationships" xmlns:p="http://schemas.openxmlformats.org/presentationml/2006/main">
   <p:cSld>
     <p:spTree>
